--- a/img/Groß_Ophoff et al (2023)_adapted.pptx
+++ b/img/Groß_Ophoff et al (2023)_adapted.pptx
@@ -255,7 +255,7 @@
           <a:p>
             <a:fld id="{2F5C0E49-5901-4A70-B0E2-4707CC9925D2}" type="datetimeFigureOut">
               <a:rPr lang="en-US" smtClean="0"/>
-              <a:t>11/19/24</a:t>
+              <a:t>12/11/24</a:t>
             </a:fld>
             <a:endParaRPr lang="en-US"/>
           </a:p>
@@ -425,7 +425,7 @@
           <a:p>
             <a:fld id="{2F5C0E49-5901-4A70-B0E2-4707CC9925D2}" type="datetimeFigureOut">
               <a:rPr lang="en-US" smtClean="0"/>
-              <a:t>11/19/24</a:t>
+              <a:t>12/11/24</a:t>
             </a:fld>
             <a:endParaRPr lang="en-US"/>
           </a:p>
@@ -605,7 +605,7 @@
           <a:p>
             <a:fld id="{2F5C0E49-5901-4A70-B0E2-4707CC9925D2}" type="datetimeFigureOut">
               <a:rPr lang="en-US" smtClean="0"/>
-              <a:t>11/19/24</a:t>
+              <a:t>12/11/24</a:t>
             </a:fld>
             <a:endParaRPr lang="en-US"/>
           </a:p>
@@ -775,7 +775,7 @@
           <a:p>
             <a:fld id="{2F5C0E49-5901-4A70-B0E2-4707CC9925D2}" type="datetimeFigureOut">
               <a:rPr lang="en-US" smtClean="0"/>
-              <a:t>11/19/24</a:t>
+              <a:t>12/11/24</a:t>
             </a:fld>
             <a:endParaRPr lang="en-US"/>
           </a:p>
@@ -1021,7 +1021,7 @@
           <a:p>
             <a:fld id="{2F5C0E49-5901-4A70-B0E2-4707CC9925D2}" type="datetimeFigureOut">
               <a:rPr lang="en-US" smtClean="0"/>
-              <a:t>11/19/24</a:t>
+              <a:t>12/11/24</a:t>
             </a:fld>
             <a:endParaRPr lang="en-US"/>
           </a:p>
@@ -1253,7 +1253,7 @@
           <a:p>
             <a:fld id="{2F5C0E49-5901-4A70-B0E2-4707CC9925D2}" type="datetimeFigureOut">
               <a:rPr lang="en-US" smtClean="0"/>
-              <a:t>11/19/24</a:t>
+              <a:t>12/11/24</a:t>
             </a:fld>
             <a:endParaRPr lang="en-US"/>
           </a:p>
@@ -1620,7 +1620,7 @@
           <a:p>
             <a:fld id="{2F5C0E49-5901-4A70-B0E2-4707CC9925D2}" type="datetimeFigureOut">
               <a:rPr lang="en-US" smtClean="0"/>
-              <a:t>11/19/24</a:t>
+              <a:t>12/11/24</a:t>
             </a:fld>
             <a:endParaRPr lang="en-US"/>
           </a:p>
@@ -1738,7 +1738,7 @@
           <a:p>
             <a:fld id="{2F5C0E49-5901-4A70-B0E2-4707CC9925D2}" type="datetimeFigureOut">
               <a:rPr lang="en-US" smtClean="0"/>
-              <a:t>11/19/24</a:t>
+              <a:t>12/11/24</a:t>
             </a:fld>
             <a:endParaRPr lang="en-US"/>
           </a:p>
@@ -1833,7 +1833,7 @@
           <a:p>
             <a:fld id="{2F5C0E49-5901-4A70-B0E2-4707CC9925D2}" type="datetimeFigureOut">
               <a:rPr lang="en-US" smtClean="0"/>
-              <a:t>11/19/24</a:t>
+              <a:t>12/11/24</a:t>
             </a:fld>
             <a:endParaRPr lang="en-US"/>
           </a:p>
@@ -2110,7 +2110,7 @@
           <a:p>
             <a:fld id="{2F5C0E49-5901-4A70-B0E2-4707CC9925D2}" type="datetimeFigureOut">
               <a:rPr lang="en-US" smtClean="0"/>
-              <a:t>11/19/24</a:t>
+              <a:t>12/11/24</a:t>
             </a:fld>
             <a:endParaRPr lang="en-US"/>
           </a:p>
@@ -2367,7 +2367,7 @@
           <a:p>
             <a:fld id="{2F5C0E49-5901-4A70-B0E2-4707CC9925D2}" type="datetimeFigureOut">
               <a:rPr lang="en-US" smtClean="0"/>
-              <a:t>11/19/24</a:t>
+              <a:t>12/11/24</a:t>
             </a:fld>
             <a:endParaRPr lang="en-US"/>
           </a:p>
@@ -2583,7 +2583,7 @@
           <a:p>
             <a:fld id="{2F5C0E49-5901-4A70-B0E2-4707CC9925D2}" type="datetimeFigureOut">
               <a:rPr lang="en-US" smtClean="0"/>
-              <a:t>11/19/24</a:t>
+              <a:t>12/11/24</a:t>
             </a:fld>
             <a:endParaRPr lang="en-US"/>
           </a:p>
@@ -18103,7 +18103,7 @@
 </file>
 
 <file path=ppt/slides/slide7.xml><?xml version="1.0" encoding="utf-8"?>
-<p:sld xmlns:a="http://schemas.openxmlformats.org/drawingml/2006/main" xmlns:r="http://schemas.openxmlformats.org/officeDocument/2006/relationships" xmlns:p="http://schemas.openxmlformats.org/presentationml/2006/main">
+<p:sld xmlns:a="http://schemas.openxmlformats.org/drawingml/2006/main" xmlns:r="http://schemas.openxmlformats.org/officeDocument/2006/relationships" xmlns:p="http://schemas.openxmlformats.org/presentationml/2006/main" show="0">
   <p:cSld>
     <p:spTree>
       <p:nvGrpSpPr>

--- a/img/Groß_Ophoff et al (2023)_adapted.pptx
+++ b/img/Groß_Ophoff et al (2023)_adapted.pptx
@@ -10,14 +10,15 @@
     <p:sldId id="276" r:id="rId4"/>
     <p:sldId id="277" r:id="rId5"/>
     <p:sldId id="278" r:id="rId6"/>
-    <p:sldId id="279" r:id="rId7"/>
-    <p:sldId id="280" r:id="rId8"/>
-    <p:sldId id="273" r:id="rId9"/>
-    <p:sldId id="271" r:id="rId10"/>
-    <p:sldId id="274" r:id="rId11"/>
-    <p:sldId id="272" r:id="rId12"/>
-    <p:sldId id="275" r:id="rId13"/>
-    <p:sldId id="269" r:id="rId14"/>
+    <p:sldId id="281" r:id="rId7"/>
+    <p:sldId id="279" r:id="rId8"/>
+    <p:sldId id="280" r:id="rId9"/>
+    <p:sldId id="273" r:id="rId10"/>
+    <p:sldId id="271" r:id="rId11"/>
+    <p:sldId id="274" r:id="rId12"/>
+    <p:sldId id="272" r:id="rId13"/>
+    <p:sldId id="275" r:id="rId14"/>
+    <p:sldId id="269" r:id="rId15"/>
   </p:sldIdLst>
   <p:sldSz cx="12192000" cy="7559675"/>
   <p:notesSz cx="6858000" cy="9144000"/>
@@ -153,7 +154,7 @@
         </p:nvSpPr>
         <p:spPr>
           <a:xfrm>
-            <a:off x="1524000" y="1237197"/>
+            <a:off x="1524000" y="1237198"/>
             <a:ext cx="9144000" cy="2631887"/>
           </a:xfrm>
         </p:spPr>
@@ -255,7 +256,7 @@
           <a:p>
             <a:fld id="{2F5C0E49-5901-4A70-B0E2-4707CC9925D2}" type="datetimeFigureOut">
               <a:rPr lang="en-US" smtClean="0"/>
-              <a:t>12/11/24</a:t>
+              <a:t>12/13/24</a:t>
             </a:fld>
             <a:endParaRPr lang="en-US"/>
           </a:p>
@@ -425,7 +426,7 @@
           <a:p>
             <a:fld id="{2F5C0E49-5901-4A70-B0E2-4707CC9925D2}" type="datetimeFigureOut">
               <a:rPr lang="en-US" smtClean="0"/>
-              <a:t>12/11/24</a:t>
+              <a:t>12/13/24</a:t>
             </a:fld>
             <a:endParaRPr lang="en-US"/>
           </a:p>
@@ -515,7 +516,7 @@
         </p:nvSpPr>
         <p:spPr>
           <a:xfrm>
-            <a:off x="8724900" y="402483"/>
+            <a:off x="8724900" y="402484"/>
             <a:ext cx="2628900" cy="6406475"/>
           </a:xfrm>
         </p:spPr>
@@ -543,7 +544,7 @@
         </p:nvSpPr>
         <p:spPr>
           <a:xfrm>
-            <a:off x="838200" y="402483"/>
+            <a:off x="838200" y="402484"/>
             <a:ext cx="7734300" cy="6406475"/>
           </a:xfrm>
         </p:spPr>
@@ -605,7 +606,7 @@
           <a:p>
             <a:fld id="{2F5C0E49-5901-4A70-B0E2-4707CC9925D2}" type="datetimeFigureOut">
               <a:rPr lang="en-US" smtClean="0"/>
-              <a:t>12/11/24</a:t>
+              <a:t>12/13/24</a:t>
             </a:fld>
             <a:endParaRPr lang="en-US"/>
           </a:p>
@@ -775,7 +776,7 @@
           <a:p>
             <a:fld id="{2F5C0E49-5901-4A70-B0E2-4707CC9925D2}" type="datetimeFigureOut">
               <a:rPr lang="en-US" smtClean="0"/>
-              <a:t>12/11/24</a:t>
+              <a:t>12/13/24</a:t>
             </a:fld>
             <a:endParaRPr lang="en-US"/>
           </a:p>
@@ -897,7 +898,7 @@
         </p:nvSpPr>
         <p:spPr>
           <a:xfrm>
-            <a:off x="831850" y="5059034"/>
+            <a:off x="831850" y="5059035"/>
             <a:ext cx="10515600" cy="1653678"/>
           </a:xfrm>
         </p:spPr>
@@ -1021,7 +1022,7 @@
           <a:p>
             <a:fld id="{2F5C0E49-5901-4A70-B0E2-4707CC9925D2}" type="datetimeFigureOut">
               <a:rPr lang="en-US" smtClean="0"/>
-              <a:t>12/11/24</a:t>
+              <a:t>12/13/24</a:t>
             </a:fld>
             <a:endParaRPr lang="en-US"/>
           </a:p>
@@ -1253,7 +1254,7 @@
           <a:p>
             <a:fld id="{2F5C0E49-5901-4A70-B0E2-4707CC9925D2}" type="datetimeFigureOut">
               <a:rPr lang="en-US" smtClean="0"/>
-              <a:t>12/11/24</a:t>
+              <a:t>12/13/24</a:t>
             </a:fld>
             <a:endParaRPr lang="en-US"/>
           </a:p>
@@ -1371,7 +1372,7 @@
         </p:nvSpPr>
         <p:spPr>
           <a:xfrm>
-            <a:off x="839789" y="1853171"/>
+            <a:off x="839791" y="1853171"/>
             <a:ext cx="5157787" cy="908210"/>
           </a:xfrm>
         </p:spPr>
@@ -1436,7 +1437,7 @@
         </p:nvSpPr>
         <p:spPr>
           <a:xfrm>
-            <a:off x="839789" y="2761381"/>
+            <a:off x="839791" y="2761381"/>
             <a:ext cx="5157787" cy="4061576"/>
           </a:xfrm>
         </p:spPr>
@@ -1620,7 +1621,7 @@
           <a:p>
             <a:fld id="{2F5C0E49-5901-4A70-B0E2-4707CC9925D2}" type="datetimeFigureOut">
               <a:rPr lang="en-US" smtClean="0"/>
-              <a:t>12/11/24</a:t>
+              <a:t>12/13/24</a:t>
             </a:fld>
             <a:endParaRPr lang="en-US"/>
           </a:p>
@@ -1738,7 +1739,7 @@
           <a:p>
             <a:fld id="{2F5C0E49-5901-4A70-B0E2-4707CC9925D2}" type="datetimeFigureOut">
               <a:rPr lang="en-US" smtClean="0"/>
-              <a:t>12/11/24</a:t>
+              <a:t>12/13/24</a:t>
             </a:fld>
             <a:endParaRPr lang="en-US"/>
           </a:p>
@@ -1833,7 +1834,7 @@
           <a:p>
             <a:fld id="{2F5C0E49-5901-4A70-B0E2-4707CC9925D2}" type="datetimeFigureOut">
               <a:rPr lang="en-US" smtClean="0"/>
-              <a:t>12/11/24</a:t>
+              <a:t>12/13/24</a:t>
             </a:fld>
             <a:endParaRPr lang="en-US"/>
           </a:p>
@@ -1923,7 +1924,7 @@
         </p:nvSpPr>
         <p:spPr>
           <a:xfrm>
-            <a:off x="839789" y="503978"/>
+            <a:off x="839789" y="503979"/>
             <a:ext cx="3932237" cy="1763924"/>
           </a:xfrm>
         </p:spPr>
@@ -1955,7 +1956,7 @@
         </p:nvSpPr>
         <p:spPr>
           <a:xfrm>
-            <a:off x="5183188" y="1088454"/>
+            <a:off x="5183188" y="1088455"/>
             <a:ext cx="6172200" cy="5372269"/>
           </a:xfrm>
         </p:spPr>
@@ -2040,7 +2041,7 @@
         </p:nvSpPr>
         <p:spPr>
           <a:xfrm>
-            <a:off x="839789" y="2267902"/>
+            <a:off x="839789" y="2267903"/>
             <a:ext cx="3932237" cy="4201570"/>
           </a:xfrm>
         </p:spPr>
@@ -2110,7 +2111,7 @@
           <a:p>
             <a:fld id="{2F5C0E49-5901-4A70-B0E2-4707CC9925D2}" type="datetimeFigureOut">
               <a:rPr lang="en-US" smtClean="0"/>
-              <a:t>12/11/24</a:t>
+              <a:t>12/13/24</a:t>
             </a:fld>
             <a:endParaRPr lang="en-US"/>
           </a:p>
@@ -2200,7 +2201,7 @@
         </p:nvSpPr>
         <p:spPr>
           <a:xfrm>
-            <a:off x="839789" y="503978"/>
+            <a:off x="839789" y="503979"/>
             <a:ext cx="3932237" cy="1763924"/>
           </a:xfrm>
         </p:spPr>
@@ -2232,7 +2233,7 @@
         </p:nvSpPr>
         <p:spPr>
           <a:xfrm>
-            <a:off x="5183188" y="1088454"/>
+            <a:off x="5183188" y="1088455"/>
             <a:ext cx="6172200" cy="5372269"/>
           </a:xfrm>
         </p:spPr>
@@ -2297,7 +2298,7 @@
         </p:nvSpPr>
         <p:spPr>
           <a:xfrm>
-            <a:off x="839789" y="2267902"/>
+            <a:off x="839789" y="2267903"/>
             <a:ext cx="3932237" cy="4201570"/>
           </a:xfrm>
         </p:spPr>
@@ -2367,7 +2368,7 @@
           <a:p>
             <a:fld id="{2F5C0E49-5901-4A70-B0E2-4707CC9925D2}" type="datetimeFigureOut">
               <a:rPr lang="en-US" smtClean="0"/>
-              <a:t>12/11/24</a:t>
+              <a:t>12/13/24</a:t>
             </a:fld>
             <a:endParaRPr lang="en-US"/>
           </a:p>
@@ -2560,7 +2561,7 @@
         </p:nvSpPr>
         <p:spPr>
           <a:xfrm>
-            <a:off x="838200" y="7006699"/>
+            <a:off x="838200" y="7006700"/>
             <a:ext cx="2743200" cy="402483"/>
           </a:xfrm>
           <a:prstGeom prst="rect">
@@ -2583,7 +2584,7 @@
           <a:p>
             <a:fld id="{2F5C0E49-5901-4A70-B0E2-4707CC9925D2}" type="datetimeFigureOut">
               <a:rPr lang="en-US" smtClean="0"/>
-              <a:t>12/11/24</a:t>
+              <a:t>12/13/24</a:t>
             </a:fld>
             <a:endParaRPr lang="en-US"/>
           </a:p>
@@ -2601,7 +2602,7 @@
         </p:nvSpPr>
         <p:spPr>
           <a:xfrm>
-            <a:off x="4038600" y="7006699"/>
+            <a:off x="4038600" y="7006700"/>
             <a:ext cx="4114800" cy="402483"/>
           </a:xfrm>
           <a:prstGeom prst="rect">
@@ -2638,7 +2639,7 @@
         </p:nvSpPr>
         <p:spPr>
           <a:xfrm>
-            <a:off x="8610600" y="7006699"/>
+            <a:off x="8610600" y="7006700"/>
             <a:ext cx="2743200" cy="402483"/>
           </a:xfrm>
           <a:prstGeom prst="rect">
@@ -3463,7 +3464,7 @@
         </p:nvCxnSpPr>
         <p:spPr>
           <a:xfrm flipV="1">
-            <a:off x="7651403" y="2688984"/>
+            <a:off x="7651405" y="2688986"/>
             <a:ext cx="1293157" cy="3929"/>
           </a:xfrm>
           <a:prstGeom prst="straightConnector1">
@@ -3509,7 +3510,7 @@
         </p:nvCxnSpPr>
         <p:spPr>
           <a:xfrm>
-            <a:off x="9759899" y="3066174"/>
+            <a:off x="9759899" y="3066176"/>
             <a:ext cx="0" cy="1496973"/>
           </a:xfrm>
           <a:prstGeom prst="straightConnector1">
@@ -3555,7 +3556,7 @@
         </p:nvCxnSpPr>
         <p:spPr>
           <a:xfrm flipH="1">
-            <a:off x="4390043" y="4940336"/>
+            <a:off x="4390045" y="4940336"/>
             <a:ext cx="4554517" cy="0"/>
           </a:xfrm>
           <a:prstGeom prst="straightConnector1">
@@ -3688,7 +3689,7 @@
         <p:spPr>
           <a:xfrm>
             <a:off x="8983950" y="2270072"/>
-            <a:ext cx="1553940" cy="854080"/>
+            <a:ext cx="1553940" cy="677108"/>
           </a:xfrm>
           <a:prstGeom prst="rect">
             <a:avLst/>
@@ -3734,22 +3735,8 @@
                 <a:latin typeface="LM Roman 10" pitchFamily="2" charset="77"/>
                 <a:cs typeface="Didot" panose="02000503000000020003" pitchFamily="2" charset="-79"/>
               </a:rPr>
-              <a:t>konzeptuell/</a:t>
-            </a:r>
-          </a:p>
-          <a:p>
-            <a:pPr algn="ctr"/>
-            <a:r>
-              <a:rPr lang="de-DE" sz="1100" dirty="0">
-                <a:latin typeface="LM Roman 10" pitchFamily="2" charset="77"/>
-                <a:cs typeface="Didot" panose="02000503000000020003" pitchFamily="2" charset="-79"/>
-              </a:rPr>
-              <a:t>symbolisch</a:t>
-            </a:r>
-            <a:endParaRPr lang="en-US" sz="1100" dirty="0">
-              <a:latin typeface="LM Roman 10" pitchFamily="2" charset="77"/>
-              <a:cs typeface="Didot" panose="02000503000000020003" pitchFamily="2" charset="-79"/>
-            </a:endParaRPr>
+              <a:t>konzeptuell</a:t>
+            </a:r>
           </a:p>
         </p:txBody>
       </p:sp>
@@ -3767,7 +3754,7 @@
         </p:nvSpPr>
         <p:spPr>
           <a:xfrm>
-            <a:off x="2929617" y="4146382"/>
+            <a:off x="2929619" y="4146384"/>
             <a:ext cx="1667307" cy="307777"/>
           </a:xfrm>
           <a:prstGeom prst="rect">
@@ -3811,7 +3798,7 @@
         </p:nvSpPr>
         <p:spPr>
           <a:xfrm>
-            <a:off x="4140586" y="3038327"/>
+            <a:off x="4140586" y="3038329"/>
             <a:ext cx="2211702" cy="307777"/>
           </a:xfrm>
           <a:prstGeom prst="rect">
@@ -3855,7 +3842,7 @@
         </p:nvSpPr>
         <p:spPr>
           <a:xfrm>
-            <a:off x="8944560" y="3672231"/>
+            <a:off x="8944562" y="3672233"/>
             <a:ext cx="1761541" cy="307777"/>
           </a:xfrm>
           <a:prstGeom prst="rect">
@@ -3987,7 +3974,7 @@
         </p:nvSpPr>
         <p:spPr>
           <a:xfrm>
-            <a:off x="1072543" y="5677641"/>
+            <a:off x="1072545" y="5677643"/>
             <a:ext cx="2110495" cy="307777"/>
           </a:xfrm>
           <a:prstGeom prst="rect">
@@ -4600,7 +4587,7 @@
         </p:nvCxnSpPr>
         <p:spPr>
           <a:xfrm flipV="1">
-            <a:off x="7651403" y="2688984"/>
+            <a:off x="7651405" y="2688986"/>
             <a:ext cx="1293157" cy="3929"/>
           </a:xfrm>
           <a:prstGeom prst="straightConnector1">
@@ -4646,7 +4633,7 @@
         </p:nvCxnSpPr>
         <p:spPr>
           <a:xfrm>
-            <a:off x="9759899" y="3066174"/>
+            <a:off x="9759899" y="3066176"/>
             <a:ext cx="0" cy="1496973"/>
           </a:xfrm>
           <a:prstGeom prst="straightConnector1">
@@ -4692,7 +4679,7 @@
         </p:nvCxnSpPr>
         <p:spPr>
           <a:xfrm flipH="1">
-            <a:off x="4390043" y="4940336"/>
+            <a:off x="4390045" y="4940336"/>
             <a:ext cx="4554517" cy="0"/>
           </a:xfrm>
           <a:prstGeom prst="straightConnector1">
@@ -4904,7 +4891,7 @@
         </p:nvSpPr>
         <p:spPr>
           <a:xfrm>
-            <a:off x="2929617" y="4146382"/>
+            <a:off x="2929619" y="4146384"/>
             <a:ext cx="1667307" cy="307777"/>
           </a:xfrm>
           <a:prstGeom prst="rect">
@@ -4948,7 +4935,7 @@
         </p:nvSpPr>
         <p:spPr>
           <a:xfrm>
-            <a:off x="4140586" y="3038327"/>
+            <a:off x="4140586" y="3038329"/>
             <a:ext cx="2211702" cy="307777"/>
           </a:xfrm>
           <a:prstGeom prst="rect">
@@ -4992,7 +4979,7 @@
         </p:nvSpPr>
         <p:spPr>
           <a:xfrm>
-            <a:off x="8944560" y="3672231"/>
+            <a:off x="8944562" y="3672233"/>
             <a:ext cx="1761541" cy="307777"/>
           </a:xfrm>
           <a:prstGeom prst="rect">
@@ -5124,7 +5111,7 @@
         </p:nvSpPr>
         <p:spPr>
           <a:xfrm>
-            <a:off x="1072543" y="5677641"/>
+            <a:off x="1072545" y="5677643"/>
             <a:ext cx="2110495" cy="307777"/>
           </a:xfrm>
           <a:prstGeom prst="rect">
@@ -5292,7 +5279,7 @@
         </p:nvSpPr>
         <p:spPr>
           <a:xfrm>
-            <a:off x="2929617" y="1444095"/>
+            <a:off x="2929619" y="1444097"/>
             <a:ext cx="2000973" cy="895323"/>
           </a:xfrm>
           <a:prstGeom prst="rect">
@@ -5331,7 +5318,7 @@
                 </a:solidFill>
                 <a:latin typeface="LM Roman 10" pitchFamily="2" charset="77"/>
               </a:rPr>
-              <a:t>Aufbereitung der Evidenz</a:t>
+              <a:t>Forschungs-methodisches Wissen  </a:t>
             </a:r>
           </a:p>
         </p:txBody>
@@ -5339,7 +5326,7 @@
     </p:spTree>
     <p:extLst>
       <p:ext uri="{BB962C8B-B14F-4D97-AF65-F5344CB8AC3E}">
-        <p14:creationId xmlns:p14="http://schemas.microsoft.com/office/powerpoint/2010/main" val="4205172564"/>
+        <p14:creationId xmlns:p14="http://schemas.microsoft.com/office/powerpoint/2010/main" val="4274551697"/>
       </p:ext>
     </p:extLst>
   </p:cSld>
@@ -5841,7 +5828,7 @@
         </p:nvCxnSpPr>
         <p:spPr>
           <a:xfrm flipV="1">
-            <a:off x="7651403" y="2688984"/>
+            <a:off x="7651405" y="2688986"/>
             <a:ext cx="1293157" cy="3929"/>
           </a:xfrm>
           <a:prstGeom prst="straightConnector1">
@@ -5887,7 +5874,7 @@
         </p:nvCxnSpPr>
         <p:spPr>
           <a:xfrm>
-            <a:off x="9759899" y="3066174"/>
+            <a:off x="9759899" y="3066176"/>
             <a:ext cx="0" cy="1496973"/>
           </a:xfrm>
           <a:prstGeom prst="straightConnector1">
@@ -5933,7 +5920,7 @@
         </p:nvCxnSpPr>
         <p:spPr>
           <a:xfrm flipH="1">
-            <a:off x="4390043" y="4940336"/>
+            <a:off x="4390045" y="4940336"/>
             <a:ext cx="4554517" cy="0"/>
           </a:xfrm>
           <a:prstGeom prst="straightConnector1">
@@ -6145,7 +6132,7 @@
         </p:nvSpPr>
         <p:spPr>
           <a:xfrm>
-            <a:off x="2929617" y="4146382"/>
+            <a:off x="2929619" y="4146384"/>
             <a:ext cx="1667307" cy="307777"/>
           </a:xfrm>
           <a:prstGeom prst="rect">
@@ -6189,7 +6176,7 @@
         </p:nvSpPr>
         <p:spPr>
           <a:xfrm>
-            <a:off x="4140586" y="3038327"/>
+            <a:off x="4140586" y="3038329"/>
             <a:ext cx="2211702" cy="307777"/>
           </a:xfrm>
           <a:prstGeom prst="rect">
@@ -6233,7 +6220,7 @@
         </p:nvSpPr>
         <p:spPr>
           <a:xfrm>
-            <a:off x="8944560" y="3672231"/>
+            <a:off x="8944562" y="3672233"/>
             <a:ext cx="1761541" cy="307777"/>
           </a:xfrm>
           <a:prstGeom prst="rect">
@@ -6365,7 +6352,7 @@
         </p:nvSpPr>
         <p:spPr>
           <a:xfrm>
-            <a:off x="1072543" y="5677641"/>
+            <a:off x="1072545" y="5677643"/>
             <a:ext cx="2110495" cy="307777"/>
           </a:xfrm>
           <a:prstGeom prst="rect">
@@ -6533,7 +6520,7 @@
         </p:nvSpPr>
         <p:spPr>
           <a:xfrm>
-            <a:off x="2929617" y="1444095"/>
+            <a:off x="2929619" y="1444097"/>
             <a:ext cx="2000973" cy="895323"/>
           </a:xfrm>
           <a:prstGeom prst="rect">
@@ -6572,166 +6559,15 @@
                 </a:solidFill>
                 <a:latin typeface="LM Roman 10" pitchFamily="2" charset="77"/>
               </a:rPr>
-              <a:t>Forschungs-methodisches Wissen  </a:t>
-            </a:r>
-          </a:p>
-        </p:txBody>
-      </p:sp>
-      <p:sp>
-        <p:nvSpPr>
-          <p:cNvPr id="7" name="Rechteck 6">
-            <a:extLst>
-              <a:ext uri="{FF2B5EF4-FFF2-40B4-BE49-F238E27FC236}">
-                <a16:creationId xmlns:a16="http://schemas.microsoft.com/office/drawing/2014/main" id="{D681025A-4887-521F-E5E3-9033FB44F290}"/>
-              </a:ext>
-            </a:extLst>
-          </p:cNvPr>
-          <p:cNvSpPr/>
-          <p:nvPr/>
-        </p:nvSpPr>
-        <p:spPr>
-          <a:xfrm>
-            <a:off x="4749485" y="320383"/>
-            <a:ext cx="2000973" cy="895323"/>
-          </a:xfrm>
-          <a:prstGeom prst="rect">
-            <a:avLst/>
-          </a:prstGeom>
-          <a:noFill/>
-          <a:ln>
-            <a:solidFill>
-              <a:srgbClr val="8CD000"/>
-            </a:solidFill>
-          </a:ln>
-        </p:spPr>
-        <p:style>
-          <a:lnRef idx="2">
-            <a:schemeClr val="accent6"/>
-          </a:lnRef>
-          <a:fillRef idx="1">
-            <a:schemeClr val="lt1"/>
-          </a:fillRef>
-          <a:effectRef idx="0">
-            <a:schemeClr val="accent6"/>
-          </a:effectRef>
-          <a:fontRef idx="minor">
-            <a:schemeClr val="dk1"/>
-          </a:fontRef>
-        </p:style>
-        <p:txBody>
-          <a:bodyPr rtlCol="0" anchor="ctr"/>
-          <a:lstStyle/>
-          <a:p>
-            <a:pPr algn="ctr"/>
-            <a:r>
-              <a:rPr lang="de-DE" sz="1600" dirty="0">
-                <a:solidFill>
-                  <a:srgbClr val="8CD000"/>
-                </a:solidFill>
-                <a:latin typeface="LM Roman 10" pitchFamily="2" charset="77"/>
-              </a:rPr>
-              <a:t>Nützlichkeits-einschätzung</a:t>
-            </a:r>
-          </a:p>
-        </p:txBody>
-      </p:sp>
-      <p:cxnSp>
-        <p:nvCxnSpPr>
-          <p:cNvPr id="8" name="Gerade Verbindung mit Pfeil 7">
-            <a:extLst>
-              <a:ext uri="{FF2B5EF4-FFF2-40B4-BE49-F238E27FC236}">
-                <a16:creationId xmlns:a16="http://schemas.microsoft.com/office/drawing/2014/main" id="{B9BAB29D-4D27-D307-A008-31DFDAD30457}"/>
-              </a:ext>
-            </a:extLst>
-          </p:cNvPr>
-          <p:cNvCxnSpPr>
-            <a:cxnSpLocks/>
-            <a:stCxn id="7" idx="2"/>
-          </p:cNvCxnSpPr>
-          <p:nvPr/>
-        </p:nvCxnSpPr>
-        <p:spPr>
-          <a:xfrm flipH="1">
-            <a:off x="5579531" y="1215706"/>
-            <a:ext cx="170441" cy="1511121"/>
-          </a:xfrm>
-          <a:prstGeom prst="straightConnector1">
-            <a:avLst/>
-          </a:prstGeom>
-          <a:ln w="28575">
-            <a:solidFill>
-              <a:srgbClr val="8CD000"/>
-            </a:solidFill>
-            <a:prstDash val="dash"/>
-            <a:tailEnd type="triangle"/>
-          </a:ln>
-        </p:spPr>
-        <p:style>
-          <a:lnRef idx="1">
-            <a:schemeClr val="accent1"/>
-          </a:lnRef>
-          <a:fillRef idx="0">
-            <a:schemeClr val="accent1"/>
-          </a:fillRef>
-          <a:effectRef idx="0">
-            <a:schemeClr val="accent1"/>
-          </a:effectRef>
-          <a:fontRef idx="minor">
-            <a:schemeClr val="tx1"/>
-          </a:fontRef>
-        </p:style>
-      </p:cxnSp>
-      <p:cxnSp>
-        <p:nvCxnSpPr>
-          <p:cNvPr id="11" name="Gerade Verbindung mit Pfeil 10">
-            <a:extLst>
-              <a:ext uri="{FF2B5EF4-FFF2-40B4-BE49-F238E27FC236}">
-                <a16:creationId xmlns:a16="http://schemas.microsoft.com/office/drawing/2014/main" id="{6767DB0A-CBD0-C58B-E36E-C37BC584DA19}"/>
-              </a:ext>
-            </a:extLst>
-          </p:cNvPr>
-          <p:cNvCxnSpPr>
-            <a:cxnSpLocks/>
-            <a:stCxn id="7" idx="2"/>
-            <a:endCxn id="56" idx="1"/>
-          </p:cNvCxnSpPr>
-          <p:nvPr/>
-        </p:nvCxnSpPr>
-        <p:spPr>
-          <a:xfrm>
-            <a:off x="5749972" y="1215706"/>
-            <a:ext cx="2342621" cy="1288408"/>
-          </a:xfrm>
-          <a:prstGeom prst="straightConnector1">
-            <a:avLst/>
-          </a:prstGeom>
-          <a:ln w="28575">
-            <a:solidFill>
-              <a:srgbClr val="8CD000"/>
-            </a:solidFill>
-            <a:prstDash val="dash"/>
-            <a:tailEnd type="triangle"/>
-          </a:ln>
-        </p:spPr>
-        <p:style>
-          <a:lnRef idx="1">
-            <a:schemeClr val="accent1"/>
-          </a:lnRef>
-          <a:fillRef idx="0">
-            <a:schemeClr val="accent1"/>
-          </a:fillRef>
-          <a:effectRef idx="0">
-            <a:schemeClr val="accent1"/>
-          </a:effectRef>
-          <a:fontRef idx="minor">
-            <a:schemeClr val="tx1"/>
-          </a:fontRef>
-        </p:style>
-      </p:cxnSp>
+              <a:t>Aufbereitung der Evidenz</a:t>
+            </a:r>
+          </a:p>
+        </p:txBody>
+      </p:sp>
     </p:spTree>
     <p:extLst>
       <p:ext uri="{BB962C8B-B14F-4D97-AF65-F5344CB8AC3E}">
-        <p14:creationId xmlns:p14="http://schemas.microsoft.com/office/powerpoint/2010/main" val="1997062974"/>
+        <p14:creationId xmlns:p14="http://schemas.microsoft.com/office/powerpoint/2010/main" val="4205172564"/>
       </p:ext>
     </p:extLst>
   </p:cSld>
@@ -7233,7 +7069,7 @@
         </p:nvCxnSpPr>
         <p:spPr>
           <a:xfrm flipV="1">
-            <a:off x="7651403" y="2688984"/>
+            <a:off x="7651405" y="2688986"/>
             <a:ext cx="1293157" cy="3929"/>
           </a:xfrm>
           <a:prstGeom prst="straightConnector1">
@@ -7279,7 +7115,7 @@
         </p:nvCxnSpPr>
         <p:spPr>
           <a:xfrm>
-            <a:off x="9759899" y="3066174"/>
+            <a:off x="9759899" y="3066176"/>
             <a:ext cx="0" cy="1496973"/>
           </a:xfrm>
           <a:prstGeom prst="straightConnector1">
@@ -7325,7 +7161,7 @@
         </p:nvCxnSpPr>
         <p:spPr>
           <a:xfrm flipH="1">
-            <a:off x="4390043" y="4940336"/>
+            <a:off x="4390045" y="4940336"/>
             <a:ext cx="4554517" cy="0"/>
           </a:xfrm>
           <a:prstGeom prst="straightConnector1">
@@ -7537,7 +7373,7 @@
         </p:nvSpPr>
         <p:spPr>
           <a:xfrm>
-            <a:off x="2929617" y="4146382"/>
+            <a:off x="2929619" y="4146384"/>
             <a:ext cx="1667307" cy="307777"/>
           </a:xfrm>
           <a:prstGeom prst="rect">
@@ -7581,7 +7417,7 @@
         </p:nvSpPr>
         <p:spPr>
           <a:xfrm>
-            <a:off x="4140586" y="3038327"/>
+            <a:off x="4140586" y="3038329"/>
             <a:ext cx="2211702" cy="307777"/>
           </a:xfrm>
           <a:prstGeom prst="rect">
@@ -7625,7 +7461,7 @@
         </p:nvSpPr>
         <p:spPr>
           <a:xfrm>
-            <a:off x="8944560" y="3672231"/>
+            <a:off x="8944562" y="3672233"/>
             <a:ext cx="1761541" cy="307777"/>
           </a:xfrm>
           <a:prstGeom prst="rect">
@@ -7757,7 +7593,7 @@
         </p:nvSpPr>
         <p:spPr>
           <a:xfrm>
-            <a:off x="1072543" y="5677641"/>
+            <a:off x="1072545" y="5677643"/>
             <a:ext cx="2110495" cy="307777"/>
           </a:xfrm>
           <a:prstGeom prst="rect">
@@ -7865,12 +7701,58 @@
           </a:p>
         </p:txBody>
       </p:sp>
-      <p:sp>
-        <p:nvSpPr>
-          <p:cNvPr id="7" name="Rechteck 6">
-            <a:extLst>
-              <a:ext uri="{FF2B5EF4-FFF2-40B4-BE49-F238E27FC236}">
-                <a16:creationId xmlns:a16="http://schemas.microsoft.com/office/drawing/2014/main" id="{D681025A-4887-521F-E5E3-9033FB44F290}"/>
+      <p:cxnSp>
+        <p:nvCxnSpPr>
+          <p:cNvPr id="4" name="Gerade Verbindung mit Pfeil 3">
+            <a:extLst>
+              <a:ext uri="{FF2B5EF4-FFF2-40B4-BE49-F238E27FC236}">
+                <a16:creationId xmlns:a16="http://schemas.microsoft.com/office/drawing/2014/main" id="{054677F5-D75D-EF6B-A915-747D0583F3BC}"/>
+              </a:ext>
+            </a:extLst>
+          </p:cNvPr>
+          <p:cNvCxnSpPr>
+            <a:cxnSpLocks/>
+            <a:stCxn id="5" idx="2"/>
+          </p:cNvCxnSpPr>
+          <p:nvPr/>
+        </p:nvCxnSpPr>
+        <p:spPr>
+          <a:xfrm>
+            <a:off x="3930104" y="2339418"/>
+            <a:ext cx="1638762" cy="432962"/>
+          </a:xfrm>
+          <a:prstGeom prst="straightConnector1">
+            <a:avLst/>
+          </a:prstGeom>
+          <a:ln w="28575">
+            <a:solidFill>
+              <a:srgbClr val="8CD000"/>
+            </a:solidFill>
+            <a:prstDash val="dash"/>
+            <a:tailEnd type="triangle"/>
+          </a:ln>
+        </p:spPr>
+        <p:style>
+          <a:lnRef idx="1">
+            <a:schemeClr val="accent1"/>
+          </a:lnRef>
+          <a:fillRef idx="0">
+            <a:schemeClr val="accent1"/>
+          </a:fillRef>
+          <a:effectRef idx="0">
+            <a:schemeClr val="accent1"/>
+          </a:effectRef>
+          <a:fontRef idx="minor">
+            <a:schemeClr val="tx1"/>
+          </a:fontRef>
+        </p:style>
+      </p:cxnSp>
+      <p:sp>
+        <p:nvSpPr>
+          <p:cNvPr id="5" name="Rechteck 4">
+            <a:extLst>
+              <a:ext uri="{FF2B5EF4-FFF2-40B4-BE49-F238E27FC236}">
+                <a16:creationId xmlns:a16="http://schemas.microsoft.com/office/drawing/2014/main" id="{4CF9C61E-50D6-5835-AFCC-1A0556565B07}"/>
               </a:ext>
             </a:extLst>
           </p:cNvPr>
@@ -7879,7 +7761,7 @@
         </p:nvSpPr>
         <p:spPr>
           <a:xfrm>
-            <a:off x="7092106" y="515073"/>
+            <a:off x="2929619" y="1444097"/>
             <a:ext cx="2000973" cy="895323"/>
           </a:xfrm>
           <a:prstGeom prst="rect">
@@ -7918,11 +7800,115 @@
                 </a:solidFill>
                 <a:latin typeface="LM Roman 10" pitchFamily="2" charset="77"/>
               </a:rPr>
-              <a:t>Reflexionsfähigkeit</a:t>
-            </a:r>
-          </a:p>
-        </p:txBody>
-      </p:sp>
+              <a:t>Forschungs-methodisches Wissen  </a:t>
+            </a:r>
+          </a:p>
+        </p:txBody>
+      </p:sp>
+      <p:sp>
+        <p:nvSpPr>
+          <p:cNvPr id="7" name="Rechteck 6">
+            <a:extLst>
+              <a:ext uri="{FF2B5EF4-FFF2-40B4-BE49-F238E27FC236}">
+                <a16:creationId xmlns:a16="http://schemas.microsoft.com/office/drawing/2014/main" id="{D681025A-4887-521F-E5E3-9033FB44F290}"/>
+              </a:ext>
+            </a:extLst>
+          </p:cNvPr>
+          <p:cNvSpPr/>
+          <p:nvPr/>
+        </p:nvSpPr>
+        <p:spPr>
+          <a:xfrm>
+            <a:off x="4749485" y="320383"/>
+            <a:ext cx="2000973" cy="895323"/>
+          </a:xfrm>
+          <a:prstGeom prst="rect">
+            <a:avLst/>
+          </a:prstGeom>
+          <a:noFill/>
+          <a:ln>
+            <a:solidFill>
+              <a:srgbClr val="8CD000"/>
+            </a:solidFill>
+          </a:ln>
+        </p:spPr>
+        <p:style>
+          <a:lnRef idx="2">
+            <a:schemeClr val="accent6"/>
+          </a:lnRef>
+          <a:fillRef idx="1">
+            <a:schemeClr val="lt1"/>
+          </a:fillRef>
+          <a:effectRef idx="0">
+            <a:schemeClr val="accent6"/>
+          </a:effectRef>
+          <a:fontRef idx="minor">
+            <a:schemeClr val="dk1"/>
+          </a:fontRef>
+        </p:style>
+        <p:txBody>
+          <a:bodyPr rtlCol="0" anchor="ctr"/>
+          <a:lstStyle/>
+          <a:p>
+            <a:pPr algn="ctr"/>
+            <a:r>
+              <a:rPr lang="de-DE" sz="1600" dirty="0">
+                <a:solidFill>
+                  <a:srgbClr val="8CD000"/>
+                </a:solidFill>
+                <a:latin typeface="LM Roman 10" pitchFamily="2" charset="77"/>
+              </a:rPr>
+              <a:t>Nützlichkeits-einschätzung</a:t>
+            </a:r>
+          </a:p>
+        </p:txBody>
+      </p:sp>
+      <p:cxnSp>
+        <p:nvCxnSpPr>
+          <p:cNvPr id="8" name="Gerade Verbindung mit Pfeil 7">
+            <a:extLst>
+              <a:ext uri="{FF2B5EF4-FFF2-40B4-BE49-F238E27FC236}">
+                <a16:creationId xmlns:a16="http://schemas.microsoft.com/office/drawing/2014/main" id="{B9BAB29D-4D27-D307-A008-31DFDAD30457}"/>
+              </a:ext>
+            </a:extLst>
+          </p:cNvPr>
+          <p:cNvCxnSpPr>
+            <a:cxnSpLocks/>
+            <a:stCxn id="7" idx="2"/>
+          </p:cNvCxnSpPr>
+          <p:nvPr/>
+        </p:nvCxnSpPr>
+        <p:spPr>
+          <a:xfrm flipH="1">
+            <a:off x="5579533" y="1215708"/>
+            <a:ext cx="170441" cy="1511121"/>
+          </a:xfrm>
+          <a:prstGeom prst="straightConnector1">
+            <a:avLst/>
+          </a:prstGeom>
+          <a:ln w="28575">
+            <a:solidFill>
+              <a:srgbClr val="8CD000"/>
+            </a:solidFill>
+            <a:prstDash val="dash"/>
+            <a:tailEnd type="triangle"/>
+          </a:ln>
+        </p:spPr>
+        <p:style>
+          <a:lnRef idx="1">
+            <a:schemeClr val="accent1"/>
+          </a:lnRef>
+          <a:fillRef idx="0">
+            <a:schemeClr val="accent1"/>
+          </a:fillRef>
+          <a:effectRef idx="0">
+            <a:schemeClr val="accent1"/>
+          </a:effectRef>
+          <a:fontRef idx="minor">
+            <a:schemeClr val="tx1"/>
+          </a:fontRef>
+        </p:style>
+      </p:cxnSp>
       <p:cxnSp>
         <p:nvCxnSpPr>
           <p:cNvPr id="11" name="Gerade Verbindung mit Pfeil 10">
@@ -7941,8 +7927,8 @@
         </p:nvCxnSpPr>
         <p:spPr>
           <a:xfrm>
-            <a:off x="8092593" y="1410396"/>
-            <a:ext cx="0" cy="1093718"/>
+            <a:off x="5749972" y="1215706"/>
+            <a:ext cx="2342621" cy="1288408"/>
           </a:xfrm>
           <a:prstGeom prst="straightConnector1">
             <a:avLst/>
@@ -7973,7 +7959,7 @@
     </p:spTree>
     <p:extLst>
       <p:ext uri="{BB962C8B-B14F-4D97-AF65-F5344CB8AC3E}">
-        <p14:creationId xmlns:p14="http://schemas.microsoft.com/office/powerpoint/2010/main" val="1876015803"/>
+        <p14:creationId xmlns:p14="http://schemas.microsoft.com/office/powerpoint/2010/main" val="1997062974"/>
       </p:ext>
     </p:extLst>
   </p:cSld>
@@ -8002,6 +7988,1248 @@
       </p:grpSpPr>
       <p:sp>
         <p:nvSpPr>
+          <p:cNvPr id="13" name="Oval 12">
+            <a:extLst>
+              <a:ext uri="{FF2B5EF4-FFF2-40B4-BE49-F238E27FC236}">
+                <a16:creationId xmlns:a16="http://schemas.microsoft.com/office/drawing/2014/main" id="{1D8693F1-4AF6-B64B-4F0A-B464A18041CC}"/>
+              </a:ext>
+            </a:extLst>
+          </p:cNvPr>
+          <p:cNvSpPr/>
+          <p:nvPr/>
+        </p:nvSpPr>
+        <p:spPr>
+          <a:xfrm>
+            <a:off x="2759362" y="4563146"/>
+            <a:ext cx="1630680" cy="754380"/>
+          </a:xfrm>
+          <a:prstGeom prst="ellipse">
+            <a:avLst/>
+          </a:prstGeom>
+          <a:solidFill>
+            <a:srgbClr val="F2F2F2"/>
+          </a:solidFill>
+          <a:ln>
+            <a:solidFill>
+              <a:schemeClr val="tx1"/>
+            </a:solidFill>
+          </a:ln>
+          <a:effectLst>
+            <a:outerShdw blurRad="50800" dist="38100" dir="2700000" algn="tl" rotWithShape="0">
+              <a:prstClr val="black">
+                <a:alpha val="40000"/>
+              </a:prstClr>
+            </a:outerShdw>
+          </a:effectLst>
+        </p:spPr>
+        <p:style>
+          <a:lnRef idx="2">
+            <a:schemeClr val="accent1">
+              <a:shade val="50000"/>
+            </a:schemeClr>
+          </a:lnRef>
+          <a:fillRef idx="1">
+            <a:schemeClr val="accent1"/>
+          </a:fillRef>
+          <a:effectRef idx="0">
+            <a:schemeClr val="accent1"/>
+          </a:effectRef>
+          <a:fontRef idx="minor">
+            <a:schemeClr val="lt1"/>
+          </a:fontRef>
+        </p:style>
+        <p:txBody>
+          <a:bodyPr rtlCol="0" anchor="ctr"/>
+          <a:lstStyle/>
+          <a:p>
+            <a:pPr algn="ctr"/>
+            <a:r>
+              <a:rPr lang="de-DE" dirty="0">
+                <a:solidFill>
+                  <a:schemeClr val="tx1"/>
+                </a:solidFill>
+                <a:latin typeface="LM Roman 10" pitchFamily="2" charset="77"/>
+                <a:cs typeface="Didot" panose="02000503000000020003" pitchFamily="2" charset="-79"/>
+              </a:rPr>
+              <a:t> </a:t>
+            </a:r>
+            <a:endParaRPr lang="en-US" dirty="0">
+              <a:solidFill>
+                <a:schemeClr val="tx1"/>
+              </a:solidFill>
+              <a:latin typeface="LM Roman 10" pitchFamily="2" charset="77"/>
+              <a:cs typeface="Didot" panose="02000503000000020003" pitchFamily="2" charset="-79"/>
+            </a:endParaRPr>
+          </a:p>
+        </p:txBody>
+      </p:sp>
+      <p:sp>
+        <p:nvSpPr>
+          <p:cNvPr id="14" name="Oval 13">
+            <a:extLst>
+              <a:ext uri="{FF2B5EF4-FFF2-40B4-BE49-F238E27FC236}">
+                <a16:creationId xmlns:a16="http://schemas.microsoft.com/office/drawing/2014/main" id="{2A14B365-C792-8A6C-8E80-FF83C67B5D55}"/>
+              </a:ext>
+            </a:extLst>
+          </p:cNvPr>
+          <p:cNvSpPr/>
+          <p:nvPr/>
+        </p:nvSpPr>
+        <p:spPr>
+          <a:xfrm>
+            <a:off x="4390042" y="3439434"/>
+            <a:ext cx="1630680" cy="754380"/>
+          </a:xfrm>
+          <a:prstGeom prst="ellipse">
+            <a:avLst/>
+          </a:prstGeom>
+          <a:solidFill>
+            <a:srgbClr val="F2F2F2"/>
+          </a:solidFill>
+          <a:ln>
+            <a:solidFill>
+              <a:schemeClr val="tx1"/>
+            </a:solidFill>
+          </a:ln>
+          <a:effectLst>
+            <a:outerShdw blurRad="50800" dist="38100" dir="2700000" algn="tl" rotWithShape="0">
+              <a:prstClr val="black">
+                <a:alpha val="40000"/>
+              </a:prstClr>
+            </a:outerShdw>
+          </a:effectLst>
+        </p:spPr>
+        <p:style>
+          <a:lnRef idx="2">
+            <a:schemeClr val="accent1">
+              <a:shade val="50000"/>
+            </a:schemeClr>
+          </a:lnRef>
+          <a:fillRef idx="1">
+            <a:schemeClr val="accent1"/>
+          </a:fillRef>
+          <a:effectRef idx="0">
+            <a:schemeClr val="accent1"/>
+          </a:effectRef>
+          <a:fontRef idx="minor">
+            <a:schemeClr val="lt1"/>
+          </a:fontRef>
+        </p:style>
+        <p:txBody>
+          <a:bodyPr rtlCol="0" anchor="ctr"/>
+          <a:lstStyle/>
+          <a:p>
+            <a:pPr algn="ctr"/>
+            <a:r>
+              <a:rPr lang="de-DE" sz="1600" dirty="0">
+                <a:solidFill>
+                  <a:schemeClr val="tx1"/>
+                </a:solidFill>
+                <a:latin typeface="LM Roman 10" pitchFamily="2" charset="77"/>
+                <a:cs typeface="Didot" panose="02000503000000020003" pitchFamily="2" charset="-79"/>
+              </a:rPr>
+              <a:t>Evidenz</a:t>
+            </a:r>
+            <a:endParaRPr lang="en-US" dirty="0">
+              <a:solidFill>
+                <a:schemeClr val="tx1"/>
+              </a:solidFill>
+              <a:latin typeface="LM Roman 10" pitchFamily="2" charset="77"/>
+              <a:cs typeface="Didot" panose="02000503000000020003" pitchFamily="2" charset="-79"/>
+            </a:endParaRPr>
+          </a:p>
+        </p:txBody>
+      </p:sp>
+      <p:sp>
+        <p:nvSpPr>
+          <p:cNvPr id="15" name="Oval 14">
+            <a:extLst>
+              <a:ext uri="{FF2B5EF4-FFF2-40B4-BE49-F238E27FC236}">
+                <a16:creationId xmlns:a16="http://schemas.microsoft.com/office/drawing/2014/main" id="{97DAF1C8-8BF6-B122-BD80-962768DA66B4}"/>
+              </a:ext>
+            </a:extLst>
+          </p:cNvPr>
+          <p:cNvSpPr/>
+          <p:nvPr/>
+        </p:nvSpPr>
+        <p:spPr>
+          <a:xfrm>
+            <a:off x="6020722" y="2315722"/>
+            <a:ext cx="1630680" cy="754380"/>
+          </a:xfrm>
+          <a:prstGeom prst="ellipse">
+            <a:avLst/>
+          </a:prstGeom>
+          <a:solidFill>
+            <a:srgbClr val="F2F2F2"/>
+          </a:solidFill>
+          <a:ln>
+            <a:solidFill>
+              <a:schemeClr val="tx1"/>
+            </a:solidFill>
+          </a:ln>
+          <a:effectLst>
+            <a:outerShdw blurRad="50800" dist="38100" dir="2700000" algn="tl" rotWithShape="0">
+              <a:prstClr val="black">
+                <a:alpha val="40000"/>
+              </a:prstClr>
+            </a:outerShdw>
+          </a:effectLst>
+        </p:spPr>
+        <p:style>
+          <a:lnRef idx="2">
+            <a:schemeClr val="accent1">
+              <a:shade val="50000"/>
+            </a:schemeClr>
+          </a:lnRef>
+          <a:fillRef idx="1">
+            <a:schemeClr val="accent1"/>
+          </a:fillRef>
+          <a:effectRef idx="0">
+            <a:schemeClr val="accent1"/>
+          </a:effectRef>
+          <a:fontRef idx="minor">
+            <a:schemeClr val="lt1"/>
+          </a:fontRef>
+        </p:style>
+        <p:txBody>
+          <a:bodyPr rtlCol="0" anchor="ctr"/>
+          <a:lstStyle/>
+          <a:p>
+            <a:pPr algn="ctr"/>
+            <a:endParaRPr lang="en-US" sz="1600" dirty="0">
+              <a:solidFill>
+                <a:schemeClr val="tx1"/>
+              </a:solidFill>
+              <a:latin typeface="LM Roman 10" pitchFamily="2" charset="77"/>
+              <a:cs typeface="Didot" panose="02000503000000020003" pitchFamily="2" charset="-79"/>
+            </a:endParaRPr>
+          </a:p>
+        </p:txBody>
+      </p:sp>
+      <p:cxnSp>
+        <p:nvCxnSpPr>
+          <p:cNvPr id="20" name="Connector: Curved 19">
+            <a:extLst>
+              <a:ext uri="{FF2B5EF4-FFF2-40B4-BE49-F238E27FC236}">
+                <a16:creationId xmlns:a16="http://schemas.microsoft.com/office/drawing/2014/main" id="{9D08A355-1BFF-B13D-EABD-1944CF8A7E31}"/>
+              </a:ext>
+            </a:extLst>
+          </p:cNvPr>
+          <p:cNvCxnSpPr>
+            <a:cxnSpLocks/>
+            <a:stCxn id="13" idx="0"/>
+            <a:endCxn id="14" idx="2"/>
+          </p:cNvCxnSpPr>
+          <p:nvPr/>
+        </p:nvCxnSpPr>
+        <p:spPr>
+          <a:xfrm rot="5400000" flipH="1" flipV="1">
+            <a:off x="3609111" y="3782215"/>
+            <a:ext cx="746522" cy="815340"/>
+          </a:xfrm>
+          <a:prstGeom prst="curvedConnector2">
+            <a:avLst/>
+          </a:prstGeom>
+          <a:ln w="34925">
+            <a:solidFill>
+              <a:schemeClr val="tx1"/>
+            </a:solidFill>
+            <a:tailEnd type="triangle"/>
+          </a:ln>
+        </p:spPr>
+        <p:style>
+          <a:lnRef idx="1">
+            <a:schemeClr val="accent1"/>
+          </a:lnRef>
+          <a:fillRef idx="0">
+            <a:schemeClr val="accent1"/>
+          </a:fillRef>
+          <a:effectRef idx="0">
+            <a:schemeClr val="accent1"/>
+          </a:effectRef>
+          <a:fontRef idx="minor">
+            <a:schemeClr val="tx1"/>
+          </a:fontRef>
+        </p:style>
+      </p:cxnSp>
+      <p:cxnSp>
+        <p:nvCxnSpPr>
+          <p:cNvPr id="23" name="Connector: Curved 22">
+            <a:extLst>
+              <a:ext uri="{FF2B5EF4-FFF2-40B4-BE49-F238E27FC236}">
+                <a16:creationId xmlns:a16="http://schemas.microsoft.com/office/drawing/2014/main" id="{C576A603-F83F-F3F0-AD46-5F1BC4B64A9E}"/>
+              </a:ext>
+            </a:extLst>
+          </p:cNvPr>
+          <p:cNvCxnSpPr>
+            <a:cxnSpLocks/>
+            <a:stCxn id="14" idx="0"/>
+            <a:endCxn id="15" idx="2"/>
+          </p:cNvCxnSpPr>
+          <p:nvPr/>
+        </p:nvCxnSpPr>
+        <p:spPr>
+          <a:xfrm rot="5400000" flipH="1" flipV="1">
+            <a:off x="5239791" y="2658503"/>
+            <a:ext cx="746522" cy="815340"/>
+          </a:xfrm>
+          <a:prstGeom prst="curvedConnector2">
+            <a:avLst/>
+          </a:prstGeom>
+          <a:ln w="34925">
+            <a:solidFill>
+              <a:schemeClr val="tx1"/>
+            </a:solidFill>
+            <a:tailEnd type="triangle"/>
+          </a:ln>
+        </p:spPr>
+        <p:style>
+          <a:lnRef idx="1">
+            <a:schemeClr val="accent1"/>
+          </a:lnRef>
+          <a:fillRef idx="0">
+            <a:schemeClr val="accent1"/>
+          </a:fillRef>
+          <a:effectRef idx="0">
+            <a:schemeClr val="accent1"/>
+          </a:effectRef>
+          <a:fontRef idx="minor">
+            <a:schemeClr val="tx1"/>
+          </a:fontRef>
+        </p:style>
+      </p:cxnSp>
+      <p:sp>
+        <p:nvSpPr>
+          <p:cNvPr id="26" name="Oval 25">
+            <a:extLst>
+              <a:ext uri="{FF2B5EF4-FFF2-40B4-BE49-F238E27FC236}">
+                <a16:creationId xmlns:a16="http://schemas.microsoft.com/office/drawing/2014/main" id="{E3DC8A4E-1508-5E72-013D-97FAFDC90495}"/>
+              </a:ext>
+            </a:extLst>
+          </p:cNvPr>
+          <p:cNvSpPr/>
+          <p:nvPr/>
+        </p:nvSpPr>
+        <p:spPr>
+          <a:xfrm>
+            <a:off x="8944559" y="2311793"/>
+            <a:ext cx="1630680" cy="754380"/>
+          </a:xfrm>
+          <a:prstGeom prst="ellipse">
+            <a:avLst/>
+          </a:prstGeom>
+          <a:solidFill>
+            <a:srgbClr val="F2F2F2"/>
+          </a:solidFill>
+          <a:ln>
+            <a:solidFill>
+              <a:schemeClr val="tx1"/>
+            </a:solidFill>
+          </a:ln>
+          <a:effectLst>
+            <a:outerShdw blurRad="50800" dist="38100" dir="2700000" algn="tl" rotWithShape="0">
+              <a:prstClr val="black">
+                <a:alpha val="40000"/>
+              </a:prstClr>
+            </a:outerShdw>
+          </a:effectLst>
+        </p:spPr>
+        <p:style>
+          <a:lnRef idx="2">
+            <a:schemeClr val="accent1">
+              <a:shade val="50000"/>
+            </a:schemeClr>
+          </a:lnRef>
+          <a:fillRef idx="1">
+            <a:schemeClr val="accent1"/>
+          </a:fillRef>
+          <a:effectRef idx="0">
+            <a:schemeClr val="accent1"/>
+          </a:effectRef>
+          <a:fontRef idx="minor">
+            <a:schemeClr val="lt1"/>
+          </a:fontRef>
+        </p:style>
+        <p:txBody>
+          <a:bodyPr rtlCol="0" anchor="ctr"/>
+          <a:lstStyle/>
+          <a:p>
+            <a:pPr algn="ctr"/>
+            <a:endParaRPr lang="en-US" dirty="0">
+              <a:solidFill>
+                <a:schemeClr val="tx1"/>
+              </a:solidFill>
+              <a:latin typeface="LM Roman 10" pitchFamily="2" charset="77"/>
+              <a:cs typeface="Didot" panose="02000503000000020003" pitchFamily="2" charset="-79"/>
+            </a:endParaRPr>
+          </a:p>
+        </p:txBody>
+      </p:sp>
+      <p:sp>
+        <p:nvSpPr>
+          <p:cNvPr id="27" name="Oval 26">
+            <a:extLst>
+              <a:ext uri="{FF2B5EF4-FFF2-40B4-BE49-F238E27FC236}">
+                <a16:creationId xmlns:a16="http://schemas.microsoft.com/office/drawing/2014/main" id="{72AF60ED-4044-E5E5-F9E9-64C7593F7CC0}"/>
+              </a:ext>
+            </a:extLst>
+          </p:cNvPr>
+          <p:cNvSpPr/>
+          <p:nvPr/>
+        </p:nvSpPr>
+        <p:spPr>
+          <a:xfrm>
+            <a:off x="8944559" y="4563146"/>
+            <a:ext cx="1630680" cy="754380"/>
+          </a:xfrm>
+          <a:prstGeom prst="ellipse">
+            <a:avLst/>
+          </a:prstGeom>
+          <a:solidFill>
+            <a:srgbClr val="F2F2F2"/>
+          </a:solidFill>
+          <a:ln>
+            <a:solidFill>
+              <a:schemeClr val="tx1"/>
+            </a:solidFill>
+          </a:ln>
+          <a:effectLst>
+            <a:outerShdw blurRad="50800" dist="38100" dir="2700000" algn="tl" rotWithShape="0">
+              <a:prstClr val="black">
+                <a:alpha val="40000"/>
+              </a:prstClr>
+            </a:outerShdw>
+          </a:effectLst>
+        </p:spPr>
+        <p:style>
+          <a:lnRef idx="2">
+            <a:schemeClr val="accent1">
+              <a:shade val="50000"/>
+            </a:schemeClr>
+          </a:lnRef>
+          <a:fillRef idx="1">
+            <a:schemeClr val="accent1"/>
+          </a:fillRef>
+          <a:effectRef idx="0">
+            <a:schemeClr val="accent1"/>
+          </a:effectRef>
+          <a:fontRef idx="minor">
+            <a:schemeClr val="lt1"/>
+          </a:fontRef>
+        </p:style>
+        <p:txBody>
+          <a:bodyPr rtlCol="0" anchor="ctr"/>
+          <a:lstStyle/>
+          <a:p>
+            <a:pPr algn="ctr"/>
+            <a:r>
+              <a:rPr lang="de-DE" sz="1600" dirty="0">
+                <a:solidFill>
+                  <a:schemeClr val="tx1"/>
+                </a:solidFill>
+                <a:latin typeface="LM Roman 10" pitchFamily="2" charset="77"/>
+                <a:cs typeface="Didot" panose="02000503000000020003" pitchFamily="2" charset="-79"/>
+              </a:rPr>
+              <a:t>Ergebnisse</a:t>
+            </a:r>
+            <a:endParaRPr lang="en-US" sz="1600" dirty="0">
+              <a:solidFill>
+                <a:schemeClr val="tx1"/>
+              </a:solidFill>
+              <a:latin typeface="LM Roman 10" pitchFamily="2" charset="77"/>
+              <a:cs typeface="Didot" panose="02000503000000020003" pitchFamily="2" charset="-79"/>
+            </a:endParaRPr>
+          </a:p>
+        </p:txBody>
+      </p:sp>
+      <p:cxnSp>
+        <p:nvCxnSpPr>
+          <p:cNvPr id="32" name="Straight Arrow Connector 31">
+            <a:extLst>
+              <a:ext uri="{FF2B5EF4-FFF2-40B4-BE49-F238E27FC236}">
+                <a16:creationId xmlns:a16="http://schemas.microsoft.com/office/drawing/2014/main" id="{166579B7-9EB5-A37B-D7D0-0EEC0B6803AE}"/>
+              </a:ext>
+            </a:extLst>
+          </p:cNvPr>
+          <p:cNvCxnSpPr>
+            <a:cxnSpLocks/>
+            <a:stCxn id="15" idx="6"/>
+            <a:endCxn id="26" idx="2"/>
+          </p:cNvCxnSpPr>
+          <p:nvPr/>
+        </p:nvCxnSpPr>
+        <p:spPr>
+          <a:xfrm flipV="1">
+            <a:off x="7651405" y="2688986"/>
+            <a:ext cx="1293157" cy="3929"/>
+          </a:xfrm>
+          <a:prstGeom prst="straightConnector1">
+            <a:avLst/>
+          </a:prstGeom>
+          <a:ln w="34925">
+            <a:solidFill>
+              <a:schemeClr val="tx1"/>
+            </a:solidFill>
+            <a:tailEnd type="triangle"/>
+          </a:ln>
+        </p:spPr>
+        <p:style>
+          <a:lnRef idx="1">
+            <a:schemeClr val="accent1"/>
+          </a:lnRef>
+          <a:fillRef idx="0">
+            <a:schemeClr val="accent1"/>
+          </a:fillRef>
+          <a:effectRef idx="0">
+            <a:schemeClr val="accent1"/>
+          </a:effectRef>
+          <a:fontRef idx="minor">
+            <a:schemeClr val="tx1"/>
+          </a:fontRef>
+        </p:style>
+      </p:cxnSp>
+      <p:cxnSp>
+        <p:nvCxnSpPr>
+          <p:cNvPr id="34" name="Straight Arrow Connector 33">
+            <a:extLst>
+              <a:ext uri="{FF2B5EF4-FFF2-40B4-BE49-F238E27FC236}">
+                <a16:creationId xmlns:a16="http://schemas.microsoft.com/office/drawing/2014/main" id="{49F8FCE9-625E-3019-9506-DB4366A32AC6}"/>
+              </a:ext>
+            </a:extLst>
+          </p:cNvPr>
+          <p:cNvCxnSpPr>
+            <a:cxnSpLocks/>
+            <a:stCxn id="26" idx="4"/>
+            <a:endCxn id="27" idx="0"/>
+          </p:cNvCxnSpPr>
+          <p:nvPr/>
+        </p:nvCxnSpPr>
+        <p:spPr>
+          <a:xfrm>
+            <a:off x="9759899" y="3066176"/>
+            <a:ext cx="0" cy="1496973"/>
+          </a:xfrm>
+          <a:prstGeom prst="straightConnector1">
+            <a:avLst/>
+          </a:prstGeom>
+          <a:ln w="34925">
+            <a:solidFill>
+              <a:schemeClr val="tx1"/>
+            </a:solidFill>
+            <a:tailEnd type="triangle"/>
+          </a:ln>
+        </p:spPr>
+        <p:style>
+          <a:lnRef idx="1">
+            <a:schemeClr val="accent1"/>
+          </a:lnRef>
+          <a:fillRef idx="0">
+            <a:schemeClr val="accent1"/>
+          </a:fillRef>
+          <a:effectRef idx="0">
+            <a:schemeClr val="accent1"/>
+          </a:effectRef>
+          <a:fontRef idx="minor">
+            <a:schemeClr val="tx1"/>
+          </a:fontRef>
+        </p:style>
+      </p:cxnSp>
+      <p:cxnSp>
+        <p:nvCxnSpPr>
+          <p:cNvPr id="37" name="Straight Arrow Connector 36">
+            <a:extLst>
+              <a:ext uri="{FF2B5EF4-FFF2-40B4-BE49-F238E27FC236}">
+                <a16:creationId xmlns:a16="http://schemas.microsoft.com/office/drawing/2014/main" id="{55715120-9AEF-727F-AF81-D95E0E013E59}"/>
+              </a:ext>
+            </a:extLst>
+          </p:cNvPr>
+          <p:cNvCxnSpPr>
+            <a:cxnSpLocks/>
+            <a:stCxn id="27" idx="2"/>
+            <a:endCxn id="13" idx="6"/>
+          </p:cNvCxnSpPr>
+          <p:nvPr/>
+        </p:nvCxnSpPr>
+        <p:spPr>
+          <a:xfrm flipH="1">
+            <a:off x="4390045" y="4940336"/>
+            <a:ext cx="4554517" cy="0"/>
+          </a:xfrm>
+          <a:prstGeom prst="straightConnector1">
+            <a:avLst/>
+          </a:prstGeom>
+          <a:ln w="34925">
+            <a:solidFill>
+              <a:schemeClr val="tx1"/>
+            </a:solidFill>
+            <a:tailEnd type="triangle"/>
+          </a:ln>
+        </p:spPr>
+        <p:style>
+          <a:lnRef idx="1">
+            <a:schemeClr val="accent1"/>
+          </a:lnRef>
+          <a:fillRef idx="0">
+            <a:schemeClr val="accent1"/>
+          </a:fillRef>
+          <a:effectRef idx="0">
+            <a:schemeClr val="accent1"/>
+          </a:effectRef>
+          <a:fontRef idx="minor">
+            <a:schemeClr val="tx1"/>
+          </a:fontRef>
+        </p:style>
+      </p:cxnSp>
+      <p:cxnSp>
+        <p:nvCxnSpPr>
+          <p:cNvPr id="40" name="Straight Arrow Connector 39">
+            <a:extLst>
+              <a:ext uri="{FF2B5EF4-FFF2-40B4-BE49-F238E27FC236}">
+                <a16:creationId xmlns:a16="http://schemas.microsoft.com/office/drawing/2014/main" id="{877155B9-7D29-7689-96CE-6ACB5D537AB5}"/>
+              </a:ext>
+            </a:extLst>
+          </p:cNvPr>
+          <p:cNvCxnSpPr>
+            <a:cxnSpLocks/>
+            <a:stCxn id="14" idx="4"/>
+          </p:cNvCxnSpPr>
+          <p:nvPr/>
+        </p:nvCxnSpPr>
+        <p:spPr>
+          <a:xfrm>
+            <a:off x="5205382" y="4193814"/>
+            <a:ext cx="0" cy="746522"/>
+          </a:xfrm>
+          <a:prstGeom prst="straightConnector1">
+            <a:avLst/>
+          </a:prstGeom>
+          <a:ln w="34925">
+            <a:solidFill>
+              <a:schemeClr val="tx1"/>
+            </a:solidFill>
+            <a:tailEnd type="triangle"/>
+          </a:ln>
+        </p:spPr>
+        <p:style>
+          <a:lnRef idx="1">
+            <a:schemeClr val="accent1"/>
+          </a:lnRef>
+          <a:fillRef idx="0">
+            <a:schemeClr val="accent1"/>
+          </a:fillRef>
+          <a:effectRef idx="0">
+            <a:schemeClr val="accent1"/>
+          </a:effectRef>
+          <a:fontRef idx="minor">
+            <a:schemeClr val="tx1"/>
+          </a:fontRef>
+        </p:style>
+      </p:cxnSp>
+      <p:cxnSp>
+        <p:nvCxnSpPr>
+          <p:cNvPr id="43" name="Straight Arrow Connector 42">
+            <a:extLst>
+              <a:ext uri="{FF2B5EF4-FFF2-40B4-BE49-F238E27FC236}">
+                <a16:creationId xmlns:a16="http://schemas.microsoft.com/office/drawing/2014/main" id="{009A81FC-5496-1B64-61C2-0AACFC7477CD}"/>
+              </a:ext>
+            </a:extLst>
+          </p:cNvPr>
+          <p:cNvCxnSpPr>
+            <a:cxnSpLocks/>
+            <a:stCxn id="15" idx="4"/>
+          </p:cNvCxnSpPr>
+          <p:nvPr/>
+        </p:nvCxnSpPr>
+        <p:spPr>
+          <a:xfrm>
+            <a:off x="6836062" y="3070102"/>
+            <a:ext cx="0" cy="1870234"/>
+          </a:xfrm>
+          <a:prstGeom prst="straightConnector1">
+            <a:avLst/>
+          </a:prstGeom>
+          <a:ln w="34925">
+            <a:solidFill>
+              <a:schemeClr val="tx1"/>
+            </a:solidFill>
+            <a:tailEnd type="triangle"/>
+          </a:ln>
+        </p:spPr>
+        <p:style>
+          <a:lnRef idx="1">
+            <a:schemeClr val="accent1"/>
+          </a:lnRef>
+          <a:fillRef idx="0">
+            <a:schemeClr val="accent1"/>
+          </a:fillRef>
+          <a:effectRef idx="0">
+            <a:schemeClr val="accent1"/>
+          </a:effectRef>
+          <a:fontRef idx="minor">
+            <a:schemeClr val="tx1"/>
+          </a:fontRef>
+        </p:style>
+      </p:cxnSp>
+      <p:sp>
+        <p:nvSpPr>
+          <p:cNvPr id="50" name="TextBox 49">
+            <a:extLst>
+              <a:ext uri="{FF2B5EF4-FFF2-40B4-BE49-F238E27FC236}">
+                <a16:creationId xmlns:a16="http://schemas.microsoft.com/office/drawing/2014/main" id="{7FD64F8A-ADAA-448E-7F19-BDDBEC30B4D5}"/>
+              </a:ext>
+            </a:extLst>
+          </p:cNvPr>
+          <p:cNvSpPr txBox="1"/>
+          <p:nvPr/>
+        </p:nvSpPr>
+        <p:spPr>
+          <a:xfrm>
+            <a:off x="8983950" y="2270072"/>
+            <a:ext cx="1553940" cy="854080"/>
+          </a:xfrm>
+          <a:prstGeom prst="rect">
+            <a:avLst/>
+          </a:prstGeom>
+          <a:noFill/>
+          <a:ln>
+            <a:noFill/>
+          </a:ln>
+        </p:spPr>
+        <p:txBody>
+          <a:bodyPr wrap="square" rtlCol="0">
+            <a:spAutoFit/>
+          </a:bodyPr>
+          <a:lstStyle/>
+          <a:p>
+            <a:pPr algn="ctr"/>
+            <a:r>
+              <a:rPr lang="de-DE" sz="1600" dirty="0">
+                <a:latin typeface="LM Roman 10" pitchFamily="2" charset="77"/>
+                <a:cs typeface="Didot" panose="02000503000000020003" pitchFamily="2" charset="-79"/>
+              </a:rPr>
+              <a:t>Nutzung</a:t>
+            </a:r>
+            <a:endParaRPr lang="de-DE" sz="2000" dirty="0">
+              <a:latin typeface="LM Roman 10" pitchFamily="2" charset="77"/>
+              <a:cs typeface="Didot" panose="02000503000000020003" pitchFamily="2" charset="-79"/>
+            </a:endParaRPr>
+          </a:p>
+          <a:p>
+            <a:pPr algn="ctr"/>
+            <a:r>
+              <a:rPr lang="de-DE" sz="1100" dirty="0">
+                <a:latin typeface="LM Roman 10" pitchFamily="2" charset="77"/>
+                <a:cs typeface="Didot" panose="02000503000000020003" pitchFamily="2" charset="-79"/>
+              </a:rPr>
+              <a:t>instrumentell/</a:t>
+            </a:r>
+          </a:p>
+          <a:p>
+            <a:pPr algn="ctr"/>
+            <a:r>
+              <a:rPr lang="de-DE" sz="1100" dirty="0">
+                <a:latin typeface="LM Roman 10" pitchFamily="2" charset="77"/>
+                <a:cs typeface="Didot" panose="02000503000000020003" pitchFamily="2" charset="-79"/>
+              </a:rPr>
+              <a:t>konzeptuell/</a:t>
+            </a:r>
+          </a:p>
+          <a:p>
+            <a:pPr algn="ctr"/>
+            <a:r>
+              <a:rPr lang="de-DE" sz="1100" dirty="0">
+                <a:latin typeface="LM Roman 10" pitchFamily="2" charset="77"/>
+                <a:cs typeface="Didot" panose="02000503000000020003" pitchFamily="2" charset="-79"/>
+              </a:rPr>
+              <a:t>symbolisch</a:t>
+            </a:r>
+            <a:endParaRPr lang="en-US" sz="1100" dirty="0">
+              <a:latin typeface="LM Roman 10" pitchFamily="2" charset="77"/>
+              <a:cs typeface="Didot" panose="02000503000000020003" pitchFamily="2" charset="-79"/>
+            </a:endParaRPr>
+          </a:p>
+        </p:txBody>
+      </p:sp>
+      <p:sp>
+        <p:nvSpPr>
+          <p:cNvPr id="53" name="TextBox 52">
+            <a:extLst>
+              <a:ext uri="{FF2B5EF4-FFF2-40B4-BE49-F238E27FC236}">
+                <a16:creationId xmlns:a16="http://schemas.microsoft.com/office/drawing/2014/main" id="{029917AF-EE12-5D28-5562-0A98D90EB631}"/>
+              </a:ext>
+            </a:extLst>
+          </p:cNvPr>
+          <p:cNvSpPr txBox="1"/>
+          <p:nvPr/>
+        </p:nvSpPr>
+        <p:spPr>
+          <a:xfrm>
+            <a:off x="2929619" y="4146384"/>
+            <a:ext cx="1667307" cy="307777"/>
+          </a:xfrm>
+          <a:prstGeom prst="rect">
+            <a:avLst/>
+          </a:prstGeom>
+          <a:solidFill>
+            <a:srgbClr val="F2F2F2"/>
+          </a:solidFill>
+        </p:spPr>
+        <p:txBody>
+          <a:bodyPr wrap="square" rtlCol="0">
+            <a:spAutoFit/>
+          </a:bodyPr>
+          <a:lstStyle/>
+          <a:p>
+            <a:r>
+              <a:rPr lang="de-DE" sz="1400" dirty="0">
+                <a:latin typeface="LM Roman 10" pitchFamily="2" charset="77"/>
+                <a:cs typeface="Didot" panose="02000503000000020003" pitchFamily="2" charset="-79"/>
+              </a:rPr>
+              <a:t>2) Zugriffsphase</a:t>
+            </a:r>
+            <a:endParaRPr lang="en-US" sz="1400" dirty="0">
+              <a:latin typeface="LM Roman 10" pitchFamily="2" charset="77"/>
+              <a:cs typeface="Didot" panose="02000503000000020003" pitchFamily="2" charset="-79"/>
+            </a:endParaRPr>
+          </a:p>
+        </p:txBody>
+      </p:sp>
+      <p:sp>
+        <p:nvSpPr>
+          <p:cNvPr id="54" name="TextBox 53">
+            <a:extLst>
+              <a:ext uri="{FF2B5EF4-FFF2-40B4-BE49-F238E27FC236}">
+                <a16:creationId xmlns:a16="http://schemas.microsoft.com/office/drawing/2014/main" id="{F4BF1643-F037-D0A5-7CD6-FB9BDE02E33D}"/>
+              </a:ext>
+            </a:extLst>
+          </p:cNvPr>
+          <p:cNvSpPr txBox="1"/>
+          <p:nvPr/>
+        </p:nvSpPr>
+        <p:spPr>
+          <a:xfrm>
+            <a:off x="4140586" y="3038329"/>
+            <a:ext cx="2211702" cy="307777"/>
+          </a:xfrm>
+          <a:prstGeom prst="rect">
+            <a:avLst/>
+          </a:prstGeom>
+          <a:solidFill>
+            <a:srgbClr val="F2F2F2"/>
+          </a:solidFill>
+        </p:spPr>
+        <p:txBody>
+          <a:bodyPr wrap="square" rtlCol="0">
+            <a:spAutoFit/>
+          </a:bodyPr>
+          <a:lstStyle/>
+          <a:p>
+            <a:r>
+              <a:rPr lang="de-DE" sz="1400" dirty="0">
+                <a:latin typeface="LM Roman 10" pitchFamily="2" charset="77"/>
+                <a:cs typeface="Didot" panose="02000503000000020003" pitchFamily="2" charset="-79"/>
+              </a:rPr>
+              <a:t>3) Schlussfolgerungsphase</a:t>
+            </a:r>
+            <a:endParaRPr lang="en-US" sz="1400" dirty="0">
+              <a:latin typeface="LM Roman 10" pitchFamily="2" charset="77"/>
+              <a:cs typeface="Didot" panose="02000503000000020003" pitchFamily="2" charset="-79"/>
+            </a:endParaRPr>
+          </a:p>
+        </p:txBody>
+      </p:sp>
+      <p:sp>
+        <p:nvSpPr>
+          <p:cNvPr id="55" name="TextBox 54">
+            <a:extLst>
+              <a:ext uri="{FF2B5EF4-FFF2-40B4-BE49-F238E27FC236}">
+                <a16:creationId xmlns:a16="http://schemas.microsoft.com/office/drawing/2014/main" id="{826285A5-86AB-FFF9-F41D-E2FDA68CD35F}"/>
+              </a:ext>
+            </a:extLst>
+          </p:cNvPr>
+          <p:cNvSpPr txBox="1"/>
+          <p:nvPr/>
+        </p:nvSpPr>
+        <p:spPr>
+          <a:xfrm>
+            <a:off x="8944562" y="3672233"/>
+            <a:ext cx="1761541" cy="307777"/>
+          </a:xfrm>
+          <a:prstGeom prst="rect">
+            <a:avLst/>
+          </a:prstGeom>
+          <a:solidFill>
+            <a:srgbClr val="F2F2F2"/>
+          </a:solidFill>
+        </p:spPr>
+        <p:txBody>
+          <a:bodyPr wrap="square" rtlCol="0">
+            <a:spAutoFit/>
+          </a:bodyPr>
+          <a:lstStyle/>
+          <a:p>
+            <a:r>
+              <a:rPr lang="de-DE" sz="1400" dirty="0">
+                <a:latin typeface="LM Roman 10" pitchFamily="2" charset="77"/>
+                <a:cs typeface="Didot" panose="02000503000000020003" pitchFamily="2" charset="-79"/>
+              </a:rPr>
+              <a:t>5) Evaluationsphase</a:t>
+            </a:r>
+            <a:endParaRPr lang="en-US" sz="1400" dirty="0">
+              <a:latin typeface="LM Roman 10" pitchFamily="2" charset="77"/>
+              <a:cs typeface="Didot" panose="02000503000000020003" pitchFamily="2" charset="-79"/>
+            </a:endParaRPr>
+          </a:p>
+        </p:txBody>
+      </p:sp>
+      <p:sp>
+        <p:nvSpPr>
+          <p:cNvPr id="56" name="TextBox 55">
+            <a:extLst>
+              <a:ext uri="{FF2B5EF4-FFF2-40B4-BE49-F238E27FC236}">
+                <a16:creationId xmlns:a16="http://schemas.microsoft.com/office/drawing/2014/main" id="{E1454FA1-25A8-7B63-A728-B46473330DD8}"/>
+              </a:ext>
+            </a:extLst>
+          </p:cNvPr>
+          <p:cNvSpPr txBox="1"/>
+          <p:nvPr/>
+        </p:nvSpPr>
+        <p:spPr>
+          <a:xfrm>
+            <a:off x="8092593" y="1568793"/>
+            <a:ext cx="400110" cy="1870642"/>
+          </a:xfrm>
+          <a:prstGeom prst="rect">
+            <a:avLst/>
+          </a:prstGeom>
+          <a:solidFill>
+            <a:srgbClr val="F2F2F2"/>
+          </a:solidFill>
+        </p:spPr>
+        <p:txBody>
+          <a:bodyPr vert="vert270" wrap="square" rtlCol="0">
+            <a:spAutoFit/>
+          </a:bodyPr>
+          <a:lstStyle/>
+          <a:p>
+            <a:r>
+              <a:rPr lang="de-DE" sz="1400" dirty="0">
+                <a:latin typeface="LM Roman 10" pitchFamily="2" charset="77"/>
+                <a:cs typeface="Didot" panose="02000503000000020003" pitchFamily="2" charset="-79"/>
+              </a:rPr>
+              <a:t>4) Anwendungsphase</a:t>
+            </a:r>
+            <a:endParaRPr lang="en-US" sz="1400" dirty="0">
+              <a:latin typeface="LM Roman 10" pitchFamily="2" charset="77"/>
+              <a:cs typeface="Didot" panose="02000503000000020003" pitchFamily="2" charset="-79"/>
+            </a:endParaRPr>
+          </a:p>
+        </p:txBody>
+      </p:sp>
+      <p:cxnSp>
+        <p:nvCxnSpPr>
+          <p:cNvPr id="2" name="Connector: Curved 19">
+            <a:extLst>
+              <a:ext uri="{FF2B5EF4-FFF2-40B4-BE49-F238E27FC236}">
+                <a16:creationId xmlns:a16="http://schemas.microsoft.com/office/drawing/2014/main" id="{79AD504F-1947-BB8D-D92A-C6FFAA276207}"/>
+              </a:ext>
+            </a:extLst>
+          </p:cNvPr>
+          <p:cNvCxnSpPr>
+            <a:cxnSpLocks/>
+          </p:cNvCxnSpPr>
+          <p:nvPr/>
+        </p:nvCxnSpPr>
+        <p:spPr>
+          <a:xfrm rot="5400000" flipH="1" flipV="1">
+            <a:off x="1963885" y="4905927"/>
+            <a:ext cx="746522" cy="815340"/>
+          </a:xfrm>
+          <a:prstGeom prst="curvedConnector2">
+            <a:avLst/>
+          </a:prstGeom>
+          <a:ln w="34925">
+            <a:solidFill>
+              <a:schemeClr val="tx1"/>
+            </a:solidFill>
+            <a:tailEnd type="triangle"/>
+          </a:ln>
+        </p:spPr>
+        <p:style>
+          <a:lnRef idx="1">
+            <a:schemeClr val="accent1"/>
+          </a:lnRef>
+          <a:fillRef idx="0">
+            <a:schemeClr val="accent1"/>
+          </a:fillRef>
+          <a:effectRef idx="0">
+            <a:schemeClr val="accent1"/>
+          </a:effectRef>
+          <a:fontRef idx="minor">
+            <a:schemeClr val="tx1"/>
+          </a:fontRef>
+        </p:style>
+      </p:cxnSp>
+      <p:sp>
+        <p:nvSpPr>
+          <p:cNvPr id="3" name="TextBox 52">
+            <a:extLst>
+              <a:ext uri="{FF2B5EF4-FFF2-40B4-BE49-F238E27FC236}">
+                <a16:creationId xmlns:a16="http://schemas.microsoft.com/office/drawing/2014/main" id="{D5A8C5B0-BC37-0A64-9412-8C506A465311}"/>
+              </a:ext>
+            </a:extLst>
+          </p:cNvPr>
+          <p:cNvSpPr txBox="1"/>
+          <p:nvPr/>
+        </p:nvSpPr>
+        <p:spPr>
+          <a:xfrm>
+            <a:off x="1072545" y="5677643"/>
+            <a:ext cx="2110495" cy="307777"/>
+          </a:xfrm>
+          <a:prstGeom prst="rect">
+            <a:avLst/>
+          </a:prstGeom>
+          <a:solidFill>
+            <a:srgbClr val="F2F2F2"/>
+          </a:solidFill>
+        </p:spPr>
+        <p:txBody>
+          <a:bodyPr wrap="square" rtlCol="0">
+            <a:spAutoFit/>
+          </a:bodyPr>
+          <a:lstStyle/>
+          <a:p>
+            <a:r>
+              <a:rPr lang="de-DE" sz="1400" dirty="0">
+                <a:latin typeface="LM Roman 10" pitchFamily="2" charset="77"/>
+                <a:cs typeface="Didot" panose="02000503000000020003" pitchFamily="2" charset="-79"/>
+              </a:rPr>
+              <a:t>1) Konzeptuelle Phase</a:t>
+            </a:r>
+            <a:endParaRPr lang="en-US" sz="1400" dirty="0">
+              <a:latin typeface="LM Roman 10" pitchFamily="2" charset="77"/>
+              <a:cs typeface="Didot" panose="02000503000000020003" pitchFamily="2" charset="-79"/>
+            </a:endParaRPr>
+          </a:p>
+        </p:txBody>
+      </p:sp>
+      <p:sp>
+        <p:nvSpPr>
+          <p:cNvPr id="16" name="Textfeld 15">
+            <a:extLst>
+              <a:ext uri="{FF2B5EF4-FFF2-40B4-BE49-F238E27FC236}">
+                <a16:creationId xmlns:a16="http://schemas.microsoft.com/office/drawing/2014/main" id="{F0D1B2F8-9C8B-292F-AA60-FD23A1D1C222}"/>
+              </a:ext>
+            </a:extLst>
+          </p:cNvPr>
+          <p:cNvSpPr txBox="1"/>
+          <p:nvPr/>
+        </p:nvSpPr>
+        <p:spPr>
+          <a:xfrm>
+            <a:off x="6397152" y="2519706"/>
+            <a:ext cx="815340" cy="338554"/>
+          </a:xfrm>
+          <a:prstGeom prst="rect">
+            <a:avLst/>
+          </a:prstGeom>
+          <a:noFill/>
+        </p:spPr>
+        <p:txBody>
+          <a:bodyPr wrap="square" rtlCol="0">
+            <a:spAutoFit/>
+          </a:bodyPr>
+          <a:lstStyle/>
+          <a:p>
+            <a:r>
+              <a:rPr lang="de-DE" sz="1600" dirty="0">
+                <a:latin typeface="LM Roman 10" pitchFamily="2" charset="77"/>
+                <a:cs typeface="Didot" panose="02000503000000020003" pitchFamily="2" charset="-79"/>
+              </a:rPr>
+              <a:t>Wissen</a:t>
+            </a:r>
+            <a:endParaRPr lang="de-DE" dirty="0"/>
+          </a:p>
+        </p:txBody>
+      </p:sp>
+      <p:sp>
+        <p:nvSpPr>
+          <p:cNvPr id="6" name="Textfeld 5">
+            <a:extLst>
+              <a:ext uri="{FF2B5EF4-FFF2-40B4-BE49-F238E27FC236}">
+                <a16:creationId xmlns:a16="http://schemas.microsoft.com/office/drawing/2014/main" id="{C28DF3AD-FC15-E9FD-04C1-7AE7A0610C4E}"/>
+              </a:ext>
+            </a:extLst>
+          </p:cNvPr>
+          <p:cNvSpPr txBox="1"/>
+          <p:nvPr/>
+        </p:nvSpPr>
+        <p:spPr>
+          <a:xfrm>
+            <a:off x="3126631" y="4754990"/>
+            <a:ext cx="896142" cy="369332"/>
+          </a:xfrm>
+          <a:prstGeom prst="rect">
+            <a:avLst/>
+          </a:prstGeom>
+          <a:noFill/>
+        </p:spPr>
+        <p:txBody>
+          <a:bodyPr wrap="square" rtlCol="0">
+            <a:spAutoFit/>
+          </a:bodyPr>
+          <a:lstStyle/>
+          <a:p>
+            <a:r>
+              <a:rPr lang="de-DE" dirty="0">
+                <a:latin typeface="LM Roman 10" pitchFamily="2" charset="77"/>
+                <a:cs typeface="Didot" panose="02000503000000020003" pitchFamily="2" charset="-79"/>
+              </a:rPr>
+              <a:t>Anlass</a:t>
+            </a:r>
+            <a:endParaRPr lang="de-DE" dirty="0"/>
+          </a:p>
+        </p:txBody>
+      </p:sp>
+      <p:sp>
+        <p:nvSpPr>
+          <p:cNvPr id="7" name="Rechteck 6">
+            <a:extLst>
+              <a:ext uri="{FF2B5EF4-FFF2-40B4-BE49-F238E27FC236}">
+                <a16:creationId xmlns:a16="http://schemas.microsoft.com/office/drawing/2014/main" id="{D681025A-4887-521F-E5E3-9033FB44F290}"/>
+              </a:ext>
+            </a:extLst>
+          </p:cNvPr>
+          <p:cNvSpPr/>
+          <p:nvPr/>
+        </p:nvSpPr>
+        <p:spPr>
+          <a:xfrm>
+            <a:off x="7092108" y="515075"/>
+            <a:ext cx="2000973" cy="895323"/>
+          </a:xfrm>
+          <a:prstGeom prst="rect">
+            <a:avLst/>
+          </a:prstGeom>
+          <a:noFill/>
+          <a:ln>
+            <a:solidFill>
+              <a:srgbClr val="8CD000"/>
+            </a:solidFill>
+          </a:ln>
+        </p:spPr>
+        <p:style>
+          <a:lnRef idx="2">
+            <a:schemeClr val="accent6"/>
+          </a:lnRef>
+          <a:fillRef idx="1">
+            <a:schemeClr val="lt1"/>
+          </a:fillRef>
+          <a:effectRef idx="0">
+            <a:schemeClr val="accent6"/>
+          </a:effectRef>
+          <a:fontRef idx="minor">
+            <a:schemeClr val="dk1"/>
+          </a:fontRef>
+        </p:style>
+        <p:txBody>
+          <a:bodyPr rtlCol="0" anchor="ctr"/>
+          <a:lstStyle/>
+          <a:p>
+            <a:pPr algn="ctr"/>
+            <a:r>
+              <a:rPr lang="de-DE" sz="1600" dirty="0">
+                <a:solidFill>
+                  <a:srgbClr val="8CD000"/>
+                </a:solidFill>
+                <a:latin typeface="LM Roman 10" pitchFamily="2" charset="77"/>
+              </a:rPr>
+              <a:t>Reflexionsfähigkeit</a:t>
+            </a:r>
+          </a:p>
+        </p:txBody>
+      </p:sp>
+      <p:cxnSp>
+        <p:nvCxnSpPr>
+          <p:cNvPr id="11" name="Gerade Verbindung mit Pfeil 10">
+            <a:extLst>
+              <a:ext uri="{FF2B5EF4-FFF2-40B4-BE49-F238E27FC236}">
+                <a16:creationId xmlns:a16="http://schemas.microsoft.com/office/drawing/2014/main" id="{6767DB0A-CBD0-C58B-E36E-C37BC584DA19}"/>
+              </a:ext>
+            </a:extLst>
+          </p:cNvPr>
+          <p:cNvCxnSpPr>
+            <a:cxnSpLocks/>
+            <a:stCxn id="7" idx="2"/>
+            <a:endCxn id="56" idx="1"/>
+          </p:cNvCxnSpPr>
+          <p:nvPr/>
+        </p:nvCxnSpPr>
+        <p:spPr>
+          <a:xfrm flipH="1">
+            <a:off x="8092593" y="1410398"/>
+            <a:ext cx="2" cy="1093716"/>
+          </a:xfrm>
+          <a:prstGeom prst="straightConnector1">
+            <a:avLst/>
+          </a:prstGeom>
+          <a:ln w="28575">
+            <a:solidFill>
+              <a:srgbClr val="8CD000"/>
+            </a:solidFill>
+            <a:prstDash val="dash"/>
+            <a:tailEnd type="triangle"/>
+          </a:ln>
+        </p:spPr>
+        <p:style>
+          <a:lnRef idx="1">
+            <a:schemeClr val="accent1"/>
+          </a:lnRef>
+          <a:fillRef idx="0">
+            <a:schemeClr val="accent1"/>
+          </a:fillRef>
+          <a:effectRef idx="0">
+            <a:schemeClr val="accent1"/>
+          </a:effectRef>
+          <a:fontRef idx="minor">
+            <a:schemeClr val="tx1"/>
+          </a:fontRef>
+        </p:style>
+      </p:cxnSp>
+    </p:spTree>
+    <p:extLst>
+      <p:ext uri="{BB962C8B-B14F-4D97-AF65-F5344CB8AC3E}">
+        <p14:creationId xmlns:p14="http://schemas.microsoft.com/office/powerpoint/2010/main" val="1876015803"/>
+      </p:ext>
+    </p:extLst>
+  </p:cSld>
+  <p:clrMapOvr>
+    <a:masterClrMapping/>
+  </p:clrMapOvr>
+</p:sld>
+</file>
+
+<file path=ppt/slides/slide14.xml><?xml version="1.0" encoding="utf-8"?>
+<p:sld xmlns:a="http://schemas.openxmlformats.org/drawingml/2006/main" xmlns:r="http://schemas.openxmlformats.org/officeDocument/2006/relationships" xmlns:p="http://schemas.openxmlformats.org/presentationml/2006/main" show="0">
+  <p:cSld>
+    <p:spTree>
+      <p:nvGrpSpPr>
+        <p:cNvPr id="1" name=""/>
+        <p:cNvGrpSpPr/>
+        <p:nvPr/>
+      </p:nvGrpSpPr>
+      <p:grpSpPr>
+        <a:xfrm>
+          <a:off x="0" y="0"/>
+          <a:ext cx="0" cy="0"/>
+          <a:chOff x="0" y="0"/>
+          <a:chExt cx="0" cy="0"/>
+        </a:xfrm>
+      </p:grpSpPr>
+      <p:sp>
+        <p:nvSpPr>
           <p:cNvPr id="4" name="Rectangle: Rounded Corners 3">
             <a:extLst>
               <a:ext uri="{FF2B5EF4-FFF2-40B4-BE49-F238E27FC236}">
@@ -8014,7 +9242,7 @@
         </p:nvSpPr>
         <p:spPr>
           <a:xfrm>
-            <a:off x="406400" y="810536"/>
+            <a:off x="406402" y="810538"/>
             <a:ext cx="11013409" cy="5953259"/>
           </a:xfrm>
           <a:prstGeom prst="roundRect">
@@ -8186,7 +9414,7 @@
         </p:nvSpPr>
         <p:spPr>
           <a:xfrm>
-            <a:off x="722490" y="1137072"/>
+            <a:off x="722492" y="1137072"/>
             <a:ext cx="10329333" cy="5285530"/>
           </a:xfrm>
           <a:prstGeom prst="roundRect">
@@ -8358,7 +9586,7 @@
         </p:nvSpPr>
         <p:spPr>
           <a:xfrm>
-            <a:off x="1072542" y="1491015"/>
+            <a:off x="1072544" y="1491015"/>
             <a:ext cx="7333227" cy="4572000"/>
           </a:xfrm>
           <a:prstGeom prst="roundRect">
@@ -8572,7 +9800,7 @@
         </p:nvSpPr>
         <p:spPr>
           <a:xfrm>
-            <a:off x="772193" y="1137072"/>
+            <a:off x="772195" y="1137072"/>
             <a:ext cx="4216219" cy="338554"/>
           </a:xfrm>
           <a:prstGeom prst="rect">
@@ -9117,7 +10345,7 @@
         </p:nvCxnSpPr>
         <p:spPr>
           <a:xfrm flipV="1">
-            <a:off x="7651403" y="2688984"/>
+            <a:off x="7651405" y="2688986"/>
             <a:ext cx="1293157" cy="3929"/>
           </a:xfrm>
           <a:prstGeom prst="straightConnector1">
@@ -9163,7 +10391,7 @@
         </p:nvCxnSpPr>
         <p:spPr>
           <a:xfrm>
-            <a:off x="9759899" y="3066174"/>
+            <a:off x="9759899" y="3066176"/>
             <a:ext cx="0" cy="1496973"/>
           </a:xfrm>
           <a:prstGeom prst="straightConnector1">
@@ -9209,7 +10437,7 @@
         </p:nvCxnSpPr>
         <p:spPr>
           <a:xfrm flipH="1">
-            <a:off x="4390043" y="4940336"/>
+            <a:off x="4390045" y="4940336"/>
             <a:ext cx="4554517" cy="0"/>
           </a:xfrm>
           <a:prstGeom prst="straightConnector1">
@@ -9421,7 +10649,7 @@
         </p:nvSpPr>
         <p:spPr>
           <a:xfrm>
-            <a:off x="2929617" y="4146382"/>
+            <a:off x="2929619" y="4146384"/>
             <a:ext cx="1667307" cy="307777"/>
           </a:xfrm>
           <a:prstGeom prst="rect">
@@ -9465,7 +10693,7 @@
         </p:nvSpPr>
         <p:spPr>
           <a:xfrm>
-            <a:off x="4140586" y="3038327"/>
+            <a:off x="4140586" y="3038329"/>
             <a:ext cx="2211702" cy="307777"/>
           </a:xfrm>
           <a:prstGeom prst="rect">
@@ -9509,7 +10737,7 @@
         </p:nvSpPr>
         <p:spPr>
           <a:xfrm>
-            <a:off x="8944560" y="3672231"/>
+            <a:off x="8944562" y="3672233"/>
             <a:ext cx="1761541" cy="307777"/>
           </a:xfrm>
           <a:prstGeom prst="rect">
@@ -9641,7 +10869,7 @@
         </p:nvSpPr>
         <p:spPr>
           <a:xfrm>
-            <a:off x="1111180" y="5677641"/>
+            <a:off x="1111182" y="5677643"/>
             <a:ext cx="2110495" cy="307777"/>
           </a:xfrm>
           <a:prstGeom prst="rect">
@@ -9763,7 +10991,7 @@
         </p:nvSpPr>
         <p:spPr>
           <a:xfrm>
-            <a:off x="81024" y="494447"/>
+            <a:off x="81024" y="494449"/>
             <a:ext cx="11665066" cy="6570783"/>
           </a:xfrm>
           <a:prstGeom prst="roundRect">
@@ -9935,7 +11163,7 @@
         </p:nvSpPr>
         <p:spPr>
           <a:xfrm>
-            <a:off x="215989" y="482870"/>
+            <a:off x="215991" y="482870"/>
             <a:ext cx="3459601" cy="338554"/>
           </a:xfrm>
           <a:prstGeom prst="rect">
@@ -10468,7 +11696,7 @@
         </p:nvCxnSpPr>
         <p:spPr>
           <a:xfrm flipV="1">
-            <a:off x="7651403" y="2688984"/>
+            <a:off x="7651405" y="2688986"/>
             <a:ext cx="1293157" cy="3929"/>
           </a:xfrm>
           <a:prstGeom prst="straightConnector1">
@@ -10514,7 +11742,7 @@
         </p:nvCxnSpPr>
         <p:spPr>
           <a:xfrm>
-            <a:off x="9759899" y="3066174"/>
+            <a:off x="9759899" y="3066176"/>
             <a:ext cx="0" cy="1496973"/>
           </a:xfrm>
           <a:prstGeom prst="straightConnector1">
@@ -10560,7 +11788,7 @@
         </p:nvCxnSpPr>
         <p:spPr>
           <a:xfrm flipH="1">
-            <a:off x="4390043" y="4940336"/>
+            <a:off x="4390045" y="4940336"/>
             <a:ext cx="4554517" cy="0"/>
           </a:xfrm>
           <a:prstGeom prst="straightConnector1">
@@ -10693,7 +11921,7 @@
         <p:spPr>
           <a:xfrm>
             <a:off x="8983950" y="2270072"/>
-            <a:ext cx="1553940" cy="854080"/>
+            <a:ext cx="1553940" cy="677108"/>
           </a:xfrm>
           <a:prstGeom prst="rect">
             <a:avLst/>
@@ -10739,22 +11967,8 @@
                 <a:latin typeface="LM Roman 10" pitchFamily="2" charset="77"/>
                 <a:cs typeface="Didot" panose="02000503000000020003" pitchFamily="2" charset="-79"/>
               </a:rPr>
-              <a:t>konzeptuell/</a:t>
-            </a:r>
-          </a:p>
-          <a:p>
-            <a:pPr algn="ctr"/>
-            <a:r>
-              <a:rPr lang="de-DE" sz="1100" dirty="0">
-                <a:latin typeface="LM Roman 10" pitchFamily="2" charset="77"/>
-                <a:cs typeface="Didot" panose="02000503000000020003" pitchFamily="2" charset="-79"/>
-              </a:rPr>
-              <a:t>symbolisch</a:t>
-            </a:r>
-            <a:endParaRPr lang="en-US" sz="1100" dirty="0">
-              <a:latin typeface="LM Roman 10" pitchFamily="2" charset="77"/>
-              <a:cs typeface="Didot" panose="02000503000000020003" pitchFamily="2" charset="-79"/>
-            </a:endParaRPr>
+              <a:t>konzeptuell</a:t>
+            </a:r>
           </a:p>
         </p:txBody>
       </p:sp>
@@ -10772,7 +11986,7 @@
         </p:nvSpPr>
         <p:spPr>
           <a:xfrm>
-            <a:off x="2929617" y="4146382"/>
+            <a:off x="2929619" y="4146384"/>
             <a:ext cx="1667307" cy="307777"/>
           </a:xfrm>
           <a:prstGeom prst="rect">
@@ -10816,7 +12030,7 @@
         </p:nvSpPr>
         <p:spPr>
           <a:xfrm>
-            <a:off x="4140586" y="3038327"/>
+            <a:off x="4140586" y="3038329"/>
             <a:ext cx="2211702" cy="307777"/>
           </a:xfrm>
           <a:prstGeom prst="rect">
@@ -10860,7 +12074,7 @@
         </p:nvSpPr>
         <p:spPr>
           <a:xfrm>
-            <a:off x="8944560" y="3672231"/>
+            <a:off x="8944562" y="3672233"/>
             <a:ext cx="1761541" cy="307777"/>
           </a:xfrm>
           <a:prstGeom prst="rect">
@@ -10992,7 +12206,7 @@
         </p:nvSpPr>
         <p:spPr>
           <a:xfrm>
-            <a:off x="1072543" y="5677641"/>
+            <a:off x="1072545" y="5677643"/>
             <a:ext cx="2110495" cy="307777"/>
           </a:xfrm>
           <a:prstGeom prst="rect">
@@ -11102,10 +12316,10 @@
       </p:sp>
       <p:sp>
         <p:nvSpPr>
-          <p:cNvPr id="11" name="Rectangle: Rounded Corners 6">
-            <a:extLst>
-              <a:ext uri="{FF2B5EF4-FFF2-40B4-BE49-F238E27FC236}">
-                <a16:creationId xmlns:a16="http://schemas.microsoft.com/office/drawing/2014/main" id="{40294711-0727-6CDB-B10A-CA55D562D150}"/>
+          <p:cNvPr id="4" name="Rectangle: Rounded Corners 6">
+            <a:extLst>
+              <a:ext uri="{FF2B5EF4-FFF2-40B4-BE49-F238E27FC236}">
+                <a16:creationId xmlns:a16="http://schemas.microsoft.com/office/drawing/2014/main" id="{89567AC8-6E21-5942-F18C-5C9A169C1AFF}"/>
               </a:ext>
             </a:extLst>
           </p:cNvPr>
@@ -11115,7 +12329,7 @@
         <p:spPr>
           <a:xfrm>
             <a:off x="292100" y="330200"/>
-            <a:ext cx="11303000" cy="6629400"/>
+            <a:ext cx="11303000" cy="5845507"/>
           </a:xfrm>
           <a:prstGeom prst="roundRect">
             <a:avLst>
@@ -11123,7 +12337,7 @@
             </a:avLst>
           </a:prstGeom>
           <a:noFill/>
-          <a:ln>
+          <a:ln w="28575">
             <a:solidFill>
               <a:srgbClr val="8CD000"/>
             </a:solidFill>
@@ -11295,7 +12509,7 @@
           <a:solidFill>
             <a:srgbClr val="F2F2F2"/>
           </a:solidFill>
-          <a:ln>
+          <a:ln w="28575">
             <a:solidFill>
               <a:srgbClr val="8CD000"/>
             </a:solidFill>
@@ -11321,7 +12535,7 @@
           <a:p>
             <a:pPr algn="ctr"/>
             <a:r>
-              <a:rPr lang="de-DE" sz="1600" dirty="0">
+              <a:rPr lang="de-DE" dirty="0">
                 <a:solidFill>
                   <a:srgbClr val="8CD000"/>
                 </a:solidFill>
@@ -11837,7 +13051,7 @@
         </p:nvCxnSpPr>
         <p:spPr>
           <a:xfrm flipV="1">
-            <a:off x="7651403" y="2688984"/>
+            <a:off x="7651405" y="2688986"/>
             <a:ext cx="1293157" cy="3929"/>
           </a:xfrm>
           <a:prstGeom prst="straightConnector1">
@@ -11883,7 +13097,7 @@
         </p:nvCxnSpPr>
         <p:spPr>
           <a:xfrm>
-            <a:off x="9759899" y="3066174"/>
+            <a:off x="9759899" y="3066176"/>
             <a:ext cx="0" cy="1496973"/>
           </a:xfrm>
           <a:prstGeom prst="straightConnector1">
@@ -11929,7 +13143,7 @@
         </p:nvCxnSpPr>
         <p:spPr>
           <a:xfrm flipH="1">
-            <a:off x="4390043" y="4940336"/>
+            <a:off x="4390045" y="4940336"/>
             <a:ext cx="4554517" cy="0"/>
           </a:xfrm>
           <a:prstGeom prst="straightConnector1">
@@ -12062,7 +13276,7 @@
         <p:spPr>
           <a:xfrm>
             <a:off x="8983950" y="2270072"/>
-            <a:ext cx="1553940" cy="854080"/>
+            <a:ext cx="1553940" cy="677108"/>
           </a:xfrm>
           <a:prstGeom prst="rect">
             <a:avLst/>
@@ -12108,22 +13322,8 @@
                 <a:latin typeface="LM Roman 10" pitchFamily="2" charset="77"/>
                 <a:cs typeface="Didot" panose="02000503000000020003" pitchFamily="2" charset="-79"/>
               </a:rPr>
-              <a:t>konzeptuell/</a:t>
-            </a:r>
-          </a:p>
-          <a:p>
-            <a:pPr algn="ctr"/>
-            <a:r>
-              <a:rPr lang="de-DE" sz="1100" dirty="0">
-                <a:latin typeface="LM Roman 10" pitchFamily="2" charset="77"/>
-                <a:cs typeface="Didot" panose="02000503000000020003" pitchFamily="2" charset="-79"/>
-              </a:rPr>
-              <a:t>symbolisch</a:t>
-            </a:r>
-            <a:endParaRPr lang="en-US" sz="1100" dirty="0">
-              <a:latin typeface="LM Roman 10" pitchFamily="2" charset="77"/>
-              <a:cs typeface="Didot" panose="02000503000000020003" pitchFamily="2" charset="-79"/>
-            </a:endParaRPr>
+              <a:t>konzeptuell</a:t>
+            </a:r>
           </a:p>
         </p:txBody>
       </p:sp>
@@ -12141,7 +13341,7 @@
         </p:nvSpPr>
         <p:spPr>
           <a:xfrm>
-            <a:off x="2929617" y="4146382"/>
+            <a:off x="2929619" y="4146384"/>
             <a:ext cx="1667307" cy="307777"/>
           </a:xfrm>
           <a:prstGeom prst="rect">
@@ -12185,7 +13385,7 @@
         </p:nvSpPr>
         <p:spPr>
           <a:xfrm>
-            <a:off x="4140586" y="3038327"/>
+            <a:off x="4140586" y="3038329"/>
             <a:ext cx="2211702" cy="307777"/>
           </a:xfrm>
           <a:prstGeom prst="rect">
@@ -12229,7 +13429,7 @@
         </p:nvSpPr>
         <p:spPr>
           <a:xfrm>
-            <a:off x="8944560" y="3672231"/>
+            <a:off x="8944562" y="3672233"/>
             <a:ext cx="1761541" cy="307777"/>
           </a:xfrm>
           <a:prstGeom prst="rect">
@@ -12361,7 +13561,7 @@
         </p:nvSpPr>
         <p:spPr>
           <a:xfrm>
-            <a:off x="1072543" y="5677641"/>
+            <a:off x="1072545" y="5677643"/>
             <a:ext cx="2110495" cy="307777"/>
           </a:xfrm>
           <a:prstGeom prst="rect">
@@ -12469,12 +13669,57 @@
           </a:p>
         </p:txBody>
       </p:sp>
-      <p:sp>
-        <p:nvSpPr>
-          <p:cNvPr id="11" name="Rectangle: Rounded Corners 6">
-            <a:extLst>
-              <a:ext uri="{FF2B5EF4-FFF2-40B4-BE49-F238E27FC236}">
-                <a16:creationId xmlns:a16="http://schemas.microsoft.com/office/drawing/2014/main" id="{40294711-0727-6CDB-B10A-CA55D562D150}"/>
+      <p:cxnSp>
+        <p:nvCxnSpPr>
+          <p:cNvPr id="4" name="Gerade Verbindung mit Pfeil 3">
+            <a:extLst>
+              <a:ext uri="{FF2B5EF4-FFF2-40B4-BE49-F238E27FC236}">
+                <a16:creationId xmlns:a16="http://schemas.microsoft.com/office/drawing/2014/main" id="{0B9A5665-D14E-835C-DBDD-A4A0BC536BC5}"/>
+              </a:ext>
+            </a:extLst>
+          </p:cNvPr>
+          <p:cNvCxnSpPr>
+            <a:cxnSpLocks/>
+          </p:cNvCxnSpPr>
+          <p:nvPr/>
+        </p:nvCxnSpPr>
+        <p:spPr>
+          <a:xfrm>
+            <a:off x="2929619" y="3124154"/>
+            <a:ext cx="905783" cy="692471"/>
+          </a:xfrm>
+          <a:prstGeom prst="straightConnector1">
+            <a:avLst/>
+          </a:prstGeom>
+          <a:ln w="28575">
+            <a:solidFill>
+              <a:srgbClr val="8CD000"/>
+            </a:solidFill>
+            <a:prstDash val="dash"/>
+            <a:tailEnd type="triangle"/>
+          </a:ln>
+        </p:spPr>
+        <p:style>
+          <a:lnRef idx="1">
+            <a:schemeClr val="accent1"/>
+          </a:lnRef>
+          <a:fillRef idx="0">
+            <a:schemeClr val="accent1"/>
+          </a:fillRef>
+          <a:effectRef idx="0">
+            <a:schemeClr val="accent1"/>
+          </a:effectRef>
+          <a:fontRef idx="minor">
+            <a:schemeClr val="tx1"/>
+          </a:fontRef>
+        </p:style>
+      </p:cxnSp>
+      <p:sp>
+        <p:nvSpPr>
+          <p:cNvPr id="5" name="Rechteck 4">
+            <a:extLst>
+              <a:ext uri="{FF2B5EF4-FFF2-40B4-BE49-F238E27FC236}">
+                <a16:creationId xmlns:a16="http://schemas.microsoft.com/office/drawing/2014/main" id="{4EF3413E-4E39-9018-782D-B176619CBC29}"/>
               </a:ext>
             </a:extLst>
           </p:cNvPr>
@@ -12483,8 +13728,66 @@
         </p:nvSpPr>
         <p:spPr>
           <a:xfrm>
+            <a:off x="1485900" y="2619338"/>
+            <a:ext cx="1876697" cy="504814"/>
+          </a:xfrm>
+          <a:prstGeom prst="rect">
+            <a:avLst/>
+          </a:prstGeom>
+          <a:noFill/>
+          <a:ln w="28575">
+            <a:solidFill>
+              <a:srgbClr val="8CD000"/>
+            </a:solidFill>
+          </a:ln>
+        </p:spPr>
+        <p:style>
+          <a:lnRef idx="2">
+            <a:schemeClr val="accent6"/>
+          </a:lnRef>
+          <a:fillRef idx="1">
+            <a:schemeClr val="lt1"/>
+          </a:fillRef>
+          <a:effectRef idx="0">
+            <a:schemeClr val="accent6"/>
+          </a:effectRef>
+          <a:fontRef idx="minor">
+            <a:schemeClr val="dk1"/>
+          </a:fontRef>
+        </p:style>
+        <p:txBody>
+          <a:bodyPr rtlCol="0" anchor="ctr"/>
+          <a:lstStyle/>
+          <a:p>
+            <a:pPr algn="ctr"/>
+            <a:r>
+              <a:rPr lang="de-DE" dirty="0">
+                <a:solidFill>
+                  <a:srgbClr val="8CD000"/>
+                </a:solidFill>
+                <a:latin typeface="LM Roman 10" pitchFamily="2" charset="77"/>
+              </a:rPr>
+              <a:t>Zugänglichkeit der Evidenz </a:t>
+            </a:r>
+          </a:p>
+        </p:txBody>
+      </p:sp>
+      <p:sp>
+        <p:nvSpPr>
+          <p:cNvPr id="9" name="Rectangle: Rounded Corners 6">
+            <a:extLst>
+              <a:ext uri="{FF2B5EF4-FFF2-40B4-BE49-F238E27FC236}">
+                <a16:creationId xmlns:a16="http://schemas.microsoft.com/office/drawing/2014/main" id="{64082078-9806-D9EB-5A18-231F555FD8D6}"/>
+              </a:ext>
+            </a:extLst>
+          </p:cNvPr>
+          <p:cNvSpPr/>
+          <p:nvPr/>
+        </p:nvSpPr>
+        <p:spPr>
+          <a:xfrm>
             <a:off x="292100" y="330200"/>
-            <a:ext cx="11303000" cy="6629400"/>
+            <a:ext cx="11303000" cy="5845507"/>
           </a:xfrm>
           <a:prstGeom prst="roundRect">
             <a:avLst>
@@ -12492,7 +13795,7 @@
             </a:avLst>
           </a:prstGeom>
           <a:noFill/>
-          <a:ln>
+          <a:ln w="28575">
             <a:solidFill>
               <a:srgbClr val="8CD000"/>
             </a:solidFill>
@@ -12641,115 +13944,12 @@
           </a:p>
         </p:txBody>
       </p:sp>
-      <p:cxnSp>
-        <p:nvCxnSpPr>
-          <p:cNvPr id="4" name="Gerade Verbindung mit Pfeil 3">
-            <a:extLst>
-              <a:ext uri="{FF2B5EF4-FFF2-40B4-BE49-F238E27FC236}">
-                <a16:creationId xmlns:a16="http://schemas.microsoft.com/office/drawing/2014/main" id="{0B9A5665-D14E-835C-DBDD-A4A0BC536BC5}"/>
-              </a:ext>
-            </a:extLst>
-          </p:cNvPr>
-          <p:cNvCxnSpPr>
-            <a:cxnSpLocks/>
-          </p:cNvCxnSpPr>
-          <p:nvPr/>
-        </p:nvCxnSpPr>
-        <p:spPr>
-          <a:xfrm>
-            <a:off x="2929617" y="3124152"/>
-            <a:ext cx="905783" cy="692471"/>
-          </a:xfrm>
-          <a:prstGeom prst="straightConnector1">
-            <a:avLst/>
-          </a:prstGeom>
-          <a:ln w="28575">
-            <a:solidFill>
-              <a:srgbClr val="8CD000"/>
-            </a:solidFill>
-            <a:prstDash val="dash"/>
-            <a:tailEnd type="triangle"/>
-          </a:ln>
-        </p:spPr>
-        <p:style>
-          <a:lnRef idx="1">
-            <a:schemeClr val="accent1"/>
-          </a:lnRef>
-          <a:fillRef idx="0">
-            <a:schemeClr val="accent1"/>
-          </a:fillRef>
-          <a:effectRef idx="0">
-            <a:schemeClr val="accent1"/>
-          </a:effectRef>
-          <a:fontRef idx="minor">
-            <a:schemeClr val="tx1"/>
-          </a:fontRef>
-        </p:style>
-      </p:cxnSp>
-      <p:sp>
-        <p:nvSpPr>
-          <p:cNvPr id="5" name="Rechteck 4">
-            <a:extLst>
-              <a:ext uri="{FF2B5EF4-FFF2-40B4-BE49-F238E27FC236}">
-                <a16:creationId xmlns:a16="http://schemas.microsoft.com/office/drawing/2014/main" id="{4EF3413E-4E39-9018-782D-B176619CBC29}"/>
-              </a:ext>
-            </a:extLst>
-          </p:cNvPr>
-          <p:cNvSpPr/>
-          <p:nvPr/>
-        </p:nvSpPr>
-        <p:spPr>
-          <a:xfrm>
-            <a:off x="1485898" y="2619338"/>
-            <a:ext cx="1876697" cy="504814"/>
-          </a:xfrm>
-          <a:prstGeom prst="rect">
-            <a:avLst/>
-          </a:prstGeom>
-          <a:noFill/>
-          <a:ln>
-            <a:solidFill>
-              <a:srgbClr val="8CD000"/>
-            </a:solidFill>
-          </a:ln>
-        </p:spPr>
-        <p:style>
-          <a:lnRef idx="2">
-            <a:schemeClr val="accent6"/>
-          </a:lnRef>
-          <a:fillRef idx="1">
-            <a:schemeClr val="lt1"/>
-          </a:fillRef>
-          <a:effectRef idx="0">
-            <a:schemeClr val="accent6"/>
-          </a:effectRef>
-          <a:fontRef idx="minor">
-            <a:schemeClr val="dk1"/>
-          </a:fontRef>
-        </p:style>
-        <p:txBody>
-          <a:bodyPr rtlCol="0" anchor="ctr"/>
-          <a:lstStyle/>
-          <a:p>
-            <a:pPr algn="ctr"/>
-            <a:r>
-              <a:rPr lang="de-DE" sz="1600" dirty="0">
-                <a:solidFill>
-                  <a:srgbClr val="8CD000"/>
-                </a:solidFill>
-                <a:latin typeface="LM Roman 10" pitchFamily="2" charset="77"/>
-              </a:rPr>
-              <a:t>Zugänglichkeit der Evidenz </a:t>
-            </a:r>
-          </a:p>
-        </p:txBody>
-      </p:sp>
-      <p:sp>
-        <p:nvSpPr>
-          <p:cNvPr id="7" name="Rechteck 6">
-            <a:extLst>
-              <a:ext uri="{FF2B5EF4-FFF2-40B4-BE49-F238E27FC236}">
-                <a16:creationId xmlns:a16="http://schemas.microsoft.com/office/drawing/2014/main" id="{55DDB420-75F7-04A5-A5FF-4DE69905DD3F}"/>
+      <p:sp>
+        <p:nvSpPr>
+          <p:cNvPr id="10" name="Rechteck 9">
+            <a:extLst>
+              <a:ext uri="{FF2B5EF4-FFF2-40B4-BE49-F238E27FC236}">
+                <a16:creationId xmlns:a16="http://schemas.microsoft.com/office/drawing/2014/main" id="{77F4EAC8-5D2E-FE36-5502-95FABEA91A69}"/>
               </a:ext>
             </a:extLst>
           </p:cNvPr>
@@ -12767,7 +13967,7 @@
           <a:solidFill>
             <a:srgbClr val="F2F2F2"/>
           </a:solidFill>
-          <a:ln>
+          <a:ln w="28575">
             <a:solidFill>
               <a:srgbClr val="8CD000"/>
             </a:solidFill>
@@ -12793,7 +13993,7 @@
           <a:p>
             <a:pPr algn="ctr"/>
             <a:r>
-              <a:rPr lang="de-DE" sz="1600" dirty="0">
+              <a:rPr lang="de-DE" dirty="0">
                 <a:solidFill>
                   <a:srgbClr val="8CD000"/>
                 </a:solidFill>
@@ -13309,7 +14509,7 @@
         </p:nvCxnSpPr>
         <p:spPr>
           <a:xfrm flipV="1">
-            <a:off x="7651403" y="2688984"/>
+            <a:off x="7651405" y="2688986"/>
             <a:ext cx="1293157" cy="3929"/>
           </a:xfrm>
           <a:prstGeom prst="straightConnector1">
@@ -13355,7 +14555,7 @@
         </p:nvCxnSpPr>
         <p:spPr>
           <a:xfrm>
-            <a:off x="9759899" y="3066174"/>
+            <a:off x="9759899" y="3066176"/>
             <a:ext cx="0" cy="1496973"/>
           </a:xfrm>
           <a:prstGeom prst="straightConnector1">
@@ -13401,7 +14601,7 @@
         </p:nvCxnSpPr>
         <p:spPr>
           <a:xfrm flipH="1">
-            <a:off x="4390043" y="4940336"/>
+            <a:off x="4390045" y="4940336"/>
             <a:ext cx="4554517" cy="0"/>
           </a:xfrm>
           <a:prstGeom prst="straightConnector1">
@@ -13534,7 +14734,7 @@
         <p:spPr>
           <a:xfrm>
             <a:off x="8983950" y="2270072"/>
-            <a:ext cx="1553940" cy="854080"/>
+            <a:ext cx="1553940" cy="677108"/>
           </a:xfrm>
           <a:prstGeom prst="rect">
             <a:avLst/>
@@ -13580,22 +14780,8 @@
                 <a:latin typeface="LM Roman 10" pitchFamily="2" charset="77"/>
                 <a:cs typeface="Didot" panose="02000503000000020003" pitchFamily="2" charset="-79"/>
               </a:rPr>
-              <a:t>konzeptuell/</a:t>
-            </a:r>
-          </a:p>
-          <a:p>
-            <a:pPr algn="ctr"/>
-            <a:r>
-              <a:rPr lang="de-DE" sz="1100" dirty="0">
-                <a:latin typeface="LM Roman 10" pitchFamily="2" charset="77"/>
-                <a:cs typeface="Didot" panose="02000503000000020003" pitchFamily="2" charset="-79"/>
-              </a:rPr>
-              <a:t>symbolisch</a:t>
-            </a:r>
-            <a:endParaRPr lang="en-US" sz="1100" dirty="0">
-              <a:latin typeface="LM Roman 10" pitchFamily="2" charset="77"/>
-              <a:cs typeface="Didot" panose="02000503000000020003" pitchFamily="2" charset="-79"/>
-            </a:endParaRPr>
+              <a:t>konzeptuell</a:t>
+            </a:r>
           </a:p>
         </p:txBody>
       </p:sp>
@@ -13613,7 +14799,7 @@
         </p:nvSpPr>
         <p:spPr>
           <a:xfrm>
-            <a:off x="2929617" y="4146382"/>
+            <a:off x="2929619" y="4146384"/>
             <a:ext cx="1667307" cy="307777"/>
           </a:xfrm>
           <a:prstGeom prst="rect">
@@ -13657,7 +14843,7 @@
         </p:nvSpPr>
         <p:spPr>
           <a:xfrm>
-            <a:off x="4140586" y="3038327"/>
+            <a:off x="4140586" y="3038329"/>
             <a:ext cx="2211702" cy="307777"/>
           </a:xfrm>
           <a:prstGeom prst="rect">
@@ -13701,7 +14887,7 @@
         </p:nvSpPr>
         <p:spPr>
           <a:xfrm>
-            <a:off x="8944560" y="3672231"/>
+            <a:off x="8944562" y="3672233"/>
             <a:ext cx="1761541" cy="307777"/>
           </a:xfrm>
           <a:prstGeom prst="rect">
@@ -13833,7 +15019,7 @@
         </p:nvSpPr>
         <p:spPr>
           <a:xfrm>
-            <a:off x="1072543" y="5677641"/>
+            <a:off x="1072545" y="5677643"/>
             <a:ext cx="2110495" cy="307777"/>
           </a:xfrm>
           <a:prstGeom prst="rect">
@@ -13941,12 +15127,58 @@
           </a:p>
         </p:txBody>
       </p:sp>
-      <p:sp>
-        <p:nvSpPr>
-          <p:cNvPr id="11" name="Rectangle: Rounded Corners 6">
-            <a:extLst>
-              <a:ext uri="{FF2B5EF4-FFF2-40B4-BE49-F238E27FC236}">
-                <a16:creationId xmlns:a16="http://schemas.microsoft.com/office/drawing/2014/main" id="{40294711-0727-6CDB-B10A-CA55D562D150}"/>
+      <p:cxnSp>
+        <p:nvCxnSpPr>
+          <p:cNvPr id="7" name="Gerade Verbindung mit Pfeil 6">
+            <a:extLst>
+              <a:ext uri="{FF2B5EF4-FFF2-40B4-BE49-F238E27FC236}">
+                <a16:creationId xmlns:a16="http://schemas.microsoft.com/office/drawing/2014/main" id="{D4D65A27-51C0-6681-193A-3BE734072CEB}"/>
+              </a:ext>
+            </a:extLst>
+          </p:cNvPr>
+          <p:cNvCxnSpPr>
+            <a:cxnSpLocks/>
+            <a:stCxn id="8" idx="2"/>
+          </p:cNvCxnSpPr>
+          <p:nvPr/>
+        </p:nvCxnSpPr>
+        <p:spPr>
+          <a:xfrm>
+            <a:off x="3930104" y="2339418"/>
+            <a:ext cx="1638762" cy="432962"/>
+          </a:xfrm>
+          <a:prstGeom prst="straightConnector1">
+            <a:avLst/>
+          </a:prstGeom>
+          <a:ln w="28575">
+            <a:solidFill>
+              <a:srgbClr val="8CD000"/>
+            </a:solidFill>
+            <a:prstDash val="dash"/>
+            <a:tailEnd type="triangle"/>
+          </a:ln>
+        </p:spPr>
+        <p:style>
+          <a:lnRef idx="1">
+            <a:schemeClr val="accent1"/>
+          </a:lnRef>
+          <a:fillRef idx="0">
+            <a:schemeClr val="accent1"/>
+          </a:fillRef>
+          <a:effectRef idx="0">
+            <a:schemeClr val="accent1"/>
+          </a:effectRef>
+          <a:fontRef idx="minor">
+            <a:schemeClr val="tx1"/>
+          </a:fontRef>
+        </p:style>
+      </p:cxnSp>
+      <p:sp>
+        <p:nvSpPr>
+          <p:cNvPr id="8" name="Rechteck 7">
+            <a:extLst>
+              <a:ext uri="{FF2B5EF4-FFF2-40B4-BE49-F238E27FC236}">
+                <a16:creationId xmlns:a16="http://schemas.microsoft.com/office/drawing/2014/main" id="{B41CB0C5-1630-6703-A66C-7BA5A9B0AB6C}"/>
               </a:ext>
             </a:extLst>
           </p:cNvPr>
@@ -13955,8 +15187,169 @@
         </p:nvSpPr>
         <p:spPr>
           <a:xfrm>
+            <a:off x="2929619" y="1444097"/>
+            <a:ext cx="2000973" cy="895323"/>
+          </a:xfrm>
+          <a:prstGeom prst="rect">
+            <a:avLst/>
+          </a:prstGeom>
+          <a:noFill/>
+          <a:ln w="28575">
+            <a:solidFill>
+              <a:srgbClr val="8CD000"/>
+            </a:solidFill>
+          </a:ln>
+        </p:spPr>
+        <p:style>
+          <a:lnRef idx="2">
+            <a:schemeClr val="accent6"/>
+          </a:lnRef>
+          <a:fillRef idx="1">
+            <a:schemeClr val="lt1"/>
+          </a:fillRef>
+          <a:effectRef idx="0">
+            <a:schemeClr val="accent6"/>
+          </a:effectRef>
+          <a:fontRef idx="minor">
+            <a:schemeClr val="dk1"/>
+          </a:fontRef>
+        </p:style>
+        <p:txBody>
+          <a:bodyPr rtlCol="0" anchor="ctr"/>
+          <a:lstStyle/>
+          <a:p>
+            <a:pPr algn="ctr"/>
+            <a:r>
+              <a:rPr lang="de-DE" dirty="0">
+                <a:solidFill>
+                  <a:srgbClr val="8CD000"/>
+                </a:solidFill>
+                <a:latin typeface="LM Roman 10" pitchFamily="2" charset="77"/>
+              </a:rPr>
+              <a:t>Forschungs-methodisches Wissen  </a:t>
+            </a:r>
+          </a:p>
+        </p:txBody>
+      </p:sp>
+      <p:cxnSp>
+        <p:nvCxnSpPr>
+          <p:cNvPr id="12" name="Gerade Verbindung mit Pfeil 11">
+            <a:extLst>
+              <a:ext uri="{FF2B5EF4-FFF2-40B4-BE49-F238E27FC236}">
+                <a16:creationId xmlns:a16="http://schemas.microsoft.com/office/drawing/2014/main" id="{D9A73EA6-1A2B-CF03-FE66-171FB0C1C9FC}"/>
+              </a:ext>
+            </a:extLst>
+          </p:cNvPr>
+          <p:cNvCxnSpPr>
+            <a:cxnSpLocks/>
+          </p:cNvCxnSpPr>
+          <p:nvPr/>
+        </p:nvCxnSpPr>
+        <p:spPr>
+          <a:xfrm>
+            <a:off x="2929619" y="3124154"/>
+            <a:ext cx="905783" cy="692471"/>
+          </a:xfrm>
+          <a:prstGeom prst="straightConnector1">
+            <a:avLst/>
+          </a:prstGeom>
+          <a:ln w="28575">
+            <a:solidFill>
+              <a:srgbClr val="8CD000"/>
+            </a:solidFill>
+            <a:prstDash val="dash"/>
+            <a:tailEnd type="triangle"/>
+          </a:ln>
+        </p:spPr>
+        <p:style>
+          <a:lnRef idx="1">
+            <a:schemeClr val="accent1"/>
+          </a:lnRef>
+          <a:fillRef idx="0">
+            <a:schemeClr val="accent1"/>
+          </a:fillRef>
+          <a:effectRef idx="0">
+            <a:schemeClr val="accent1"/>
+          </a:effectRef>
+          <a:fontRef idx="minor">
+            <a:schemeClr val="tx1"/>
+          </a:fontRef>
+        </p:style>
+      </p:cxnSp>
+      <p:sp>
+        <p:nvSpPr>
+          <p:cNvPr id="17" name="Rechteck 16">
+            <a:extLst>
+              <a:ext uri="{FF2B5EF4-FFF2-40B4-BE49-F238E27FC236}">
+                <a16:creationId xmlns:a16="http://schemas.microsoft.com/office/drawing/2014/main" id="{1030DED1-1AF8-E514-41A2-A4623D7421D1}"/>
+              </a:ext>
+            </a:extLst>
+          </p:cNvPr>
+          <p:cNvSpPr/>
+          <p:nvPr/>
+        </p:nvSpPr>
+        <p:spPr>
+          <a:xfrm>
+            <a:off x="1485900" y="2619338"/>
+            <a:ext cx="1876697" cy="504814"/>
+          </a:xfrm>
+          <a:prstGeom prst="rect">
+            <a:avLst/>
+          </a:prstGeom>
+          <a:noFill/>
+          <a:ln w="28575">
+            <a:solidFill>
+              <a:srgbClr val="8CD000"/>
+            </a:solidFill>
+          </a:ln>
+        </p:spPr>
+        <p:style>
+          <a:lnRef idx="2">
+            <a:schemeClr val="accent6"/>
+          </a:lnRef>
+          <a:fillRef idx="1">
+            <a:schemeClr val="lt1"/>
+          </a:fillRef>
+          <a:effectRef idx="0">
+            <a:schemeClr val="accent6"/>
+          </a:effectRef>
+          <a:fontRef idx="minor">
+            <a:schemeClr val="dk1"/>
+          </a:fontRef>
+        </p:style>
+        <p:txBody>
+          <a:bodyPr rtlCol="0" anchor="ctr"/>
+          <a:lstStyle/>
+          <a:p>
+            <a:pPr algn="ctr"/>
+            <a:r>
+              <a:rPr lang="de-DE" dirty="0">
+                <a:solidFill>
+                  <a:srgbClr val="8CD000"/>
+                </a:solidFill>
+                <a:latin typeface="LM Roman 10" pitchFamily="2" charset="77"/>
+              </a:rPr>
+              <a:t>Zugänglichkeit der Evidenz </a:t>
+            </a:r>
+          </a:p>
+        </p:txBody>
+      </p:sp>
+      <p:sp>
+        <p:nvSpPr>
+          <p:cNvPr id="18" name="Rectangle: Rounded Corners 6">
+            <a:extLst>
+              <a:ext uri="{FF2B5EF4-FFF2-40B4-BE49-F238E27FC236}">
+                <a16:creationId xmlns:a16="http://schemas.microsoft.com/office/drawing/2014/main" id="{F66AE660-F583-6ACE-CE27-A5A21AED21EB}"/>
+              </a:ext>
+            </a:extLst>
+          </p:cNvPr>
+          <p:cNvSpPr/>
+          <p:nvPr/>
+        </p:nvSpPr>
+        <p:spPr>
+          <a:xfrm>
             <a:off x="292100" y="330200"/>
-            <a:ext cx="11303000" cy="6629400"/>
+            <a:ext cx="11303000" cy="5845507"/>
           </a:xfrm>
           <a:prstGeom prst="roundRect">
             <a:avLst>
@@ -13964,7 +15357,7 @@
             </a:avLst>
           </a:prstGeom>
           <a:noFill/>
-          <a:ln>
+          <a:ln w="28575">
             <a:solidFill>
               <a:srgbClr val="8CD000"/>
             </a:solidFill>
@@ -14113,219 +15506,12 @@
           </a:p>
         </p:txBody>
       </p:sp>
-      <p:cxnSp>
-        <p:nvCxnSpPr>
-          <p:cNvPr id="4" name="Gerade Verbindung mit Pfeil 3">
-            <a:extLst>
-              <a:ext uri="{FF2B5EF4-FFF2-40B4-BE49-F238E27FC236}">
-                <a16:creationId xmlns:a16="http://schemas.microsoft.com/office/drawing/2014/main" id="{0B9A5665-D14E-835C-DBDD-A4A0BC536BC5}"/>
-              </a:ext>
-            </a:extLst>
-          </p:cNvPr>
-          <p:cNvCxnSpPr>
-            <a:cxnSpLocks/>
-          </p:cNvCxnSpPr>
-          <p:nvPr/>
-        </p:nvCxnSpPr>
-        <p:spPr>
-          <a:xfrm>
-            <a:off x="2929617" y="3124152"/>
-            <a:ext cx="905783" cy="692471"/>
-          </a:xfrm>
-          <a:prstGeom prst="straightConnector1">
-            <a:avLst/>
-          </a:prstGeom>
-          <a:ln w="28575">
-            <a:solidFill>
-              <a:srgbClr val="8CD000"/>
-            </a:solidFill>
-            <a:prstDash val="dash"/>
-            <a:tailEnd type="triangle"/>
-          </a:ln>
-        </p:spPr>
-        <p:style>
-          <a:lnRef idx="1">
-            <a:schemeClr val="accent1"/>
-          </a:lnRef>
-          <a:fillRef idx="0">
-            <a:schemeClr val="accent1"/>
-          </a:fillRef>
-          <a:effectRef idx="0">
-            <a:schemeClr val="accent1"/>
-          </a:effectRef>
-          <a:fontRef idx="minor">
-            <a:schemeClr val="tx1"/>
-          </a:fontRef>
-        </p:style>
-      </p:cxnSp>
-      <p:sp>
-        <p:nvSpPr>
-          <p:cNvPr id="5" name="Rechteck 4">
-            <a:extLst>
-              <a:ext uri="{FF2B5EF4-FFF2-40B4-BE49-F238E27FC236}">
-                <a16:creationId xmlns:a16="http://schemas.microsoft.com/office/drawing/2014/main" id="{4EF3413E-4E39-9018-782D-B176619CBC29}"/>
-              </a:ext>
-            </a:extLst>
-          </p:cNvPr>
-          <p:cNvSpPr/>
-          <p:nvPr/>
-        </p:nvSpPr>
-        <p:spPr>
-          <a:xfrm>
-            <a:off x="1485898" y="2619338"/>
-            <a:ext cx="1876697" cy="504814"/>
-          </a:xfrm>
-          <a:prstGeom prst="rect">
-            <a:avLst/>
-          </a:prstGeom>
-          <a:noFill/>
-          <a:ln>
-            <a:solidFill>
-              <a:srgbClr val="8CD000"/>
-            </a:solidFill>
-          </a:ln>
-        </p:spPr>
-        <p:style>
-          <a:lnRef idx="2">
-            <a:schemeClr val="accent6"/>
-          </a:lnRef>
-          <a:fillRef idx="1">
-            <a:schemeClr val="lt1"/>
-          </a:fillRef>
-          <a:effectRef idx="0">
-            <a:schemeClr val="accent6"/>
-          </a:effectRef>
-          <a:fontRef idx="minor">
-            <a:schemeClr val="dk1"/>
-          </a:fontRef>
-        </p:style>
-        <p:txBody>
-          <a:bodyPr rtlCol="0" anchor="ctr"/>
-          <a:lstStyle/>
-          <a:p>
-            <a:pPr algn="ctr"/>
-            <a:r>
-              <a:rPr lang="de-DE" sz="1600" dirty="0">
-                <a:solidFill>
-                  <a:srgbClr val="8CD000"/>
-                </a:solidFill>
-                <a:latin typeface="LM Roman 10" pitchFamily="2" charset="77"/>
-              </a:rPr>
-              <a:t>Zugänglichkeit der Evidenz </a:t>
-            </a:r>
-          </a:p>
-        </p:txBody>
-      </p:sp>
-      <p:cxnSp>
-        <p:nvCxnSpPr>
-          <p:cNvPr id="7" name="Gerade Verbindung mit Pfeil 6">
-            <a:extLst>
-              <a:ext uri="{FF2B5EF4-FFF2-40B4-BE49-F238E27FC236}">
-                <a16:creationId xmlns:a16="http://schemas.microsoft.com/office/drawing/2014/main" id="{D4D65A27-51C0-6681-193A-3BE734072CEB}"/>
-              </a:ext>
-            </a:extLst>
-          </p:cNvPr>
-          <p:cNvCxnSpPr>
-            <a:cxnSpLocks/>
-            <a:stCxn id="8" idx="2"/>
-          </p:cNvCxnSpPr>
-          <p:nvPr/>
-        </p:nvCxnSpPr>
-        <p:spPr>
-          <a:xfrm>
-            <a:off x="3930104" y="2339418"/>
-            <a:ext cx="1638762" cy="432962"/>
-          </a:xfrm>
-          <a:prstGeom prst="straightConnector1">
-            <a:avLst/>
-          </a:prstGeom>
-          <a:ln w="28575">
-            <a:solidFill>
-              <a:srgbClr val="8CD000"/>
-            </a:solidFill>
-            <a:prstDash val="dash"/>
-            <a:tailEnd type="triangle"/>
-          </a:ln>
-        </p:spPr>
-        <p:style>
-          <a:lnRef idx="1">
-            <a:schemeClr val="accent1"/>
-          </a:lnRef>
-          <a:fillRef idx="0">
-            <a:schemeClr val="accent1"/>
-          </a:fillRef>
-          <a:effectRef idx="0">
-            <a:schemeClr val="accent1"/>
-          </a:effectRef>
-          <a:fontRef idx="minor">
-            <a:schemeClr val="tx1"/>
-          </a:fontRef>
-        </p:style>
-      </p:cxnSp>
-      <p:sp>
-        <p:nvSpPr>
-          <p:cNvPr id="8" name="Rechteck 7">
-            <a:extLst>
-              <a:ext uri="{FF2B5EF4-FFF2-40B4-BE49-F238E27FC236}">
-                <a16:creationId xmlns:a16="http://schemas.microsoft.com/office/drawing/2014/main" id="{B41CB0C5-1630-6703-A66C-7BA5A9B0AB6C}"/>
-              </a:ext>
-            </a:extLst>
-          </p:cNvPr>
-          <p:cNvSpPr/>
-          <p:nvPr/>
-        </p:nvSpPr>
-        <p:spPr>
-          <a:xfrm>
-            <a:off x="2929617" y="1444095"/>
-            <a:ext cx="2000973" cy="895323"/>
-          </a:xfrm>
-          <a:prstGeom prst="rect">
-            <a:avLst/>
-          </a:prstGeom>
-          <a:noFill/>
-          <a:ln>
-            <a:solidFill>
-              <a:srgbClr val="8CD000"/>
-            </a:solidFill>
-          </a:ln>
-        </p:spPr>
-        <p:style>
-          <a:lnRef idx="2">
-            <a:schemeClr val="accent6"/>
-          </a:lnRef>
-          <a:fillRef idx="1">
-            <a:schemeClr val="lt1"/>
-          </a:fillRef>
-          <a:effectRef idx="0">
-            <a:schemeClr val="accent6"/>
-          </a:effectRef>
-          <a:fontRef idx="minor">
-            <a:schemeClr val="dk1"/>
-          </a:fontRef>
-        </p:style>
-        <p:txBody>
-          <a:bodyPr rtlCol="0" anchor="ctr"/>
-          <a:lstStyle/>
-          <a:p>
-            <a:pPr algn="ctr"/>
-            <a:r>
-              <a:rPr lang="de-DE" sz="1600" dirty="0">
-                <a:solidFill>
-                  <a:srgbClr val="8CD000"/>
-                </a:solidFill>
-                <a:latin typeface="LM Roman 10" pitchFamily="2" charset="77"/>
-              </a:rPr>
-              <a:t>Forschungs-methodisches Wissen  </a:t>
-            </a:r>
-          </a:p>
-        </p:txBody>
-      </p:sp>
-      <p:sp>
-        <p:nvSpPr>
-          <p:cNvPr id="10" name="Rechteck 9">
-            <a:extLst>
-              <a:ext uri="{FF2B5EF4-FFF2-40B4-BE49-F238E27FC236}">
-                <a16:creationId xmlns:a16="http://schemas.microsoft.com/office/drawing/2014/main" id="{C880B870-D2A6-3895-3F9C-324DA31B2710}"/>
+      <p:sp>
+        <p:nvSpPr>
+          <p:cNvPr id="19" name="Rechteck 18">
+            <a:extLst>
+              <a:ext uri="{FF2B5EF4-FFF2-40B4-BE49-F238E27FC236}">
+                <a16:creationId xmlns:a16="http://schemas.microsoft.com/office/drawing/2014/main" id="{F16A1E5E-6E16-DC81-8D65-6D1CE59A271D}"/>
               </a:ext>
             </a:extLst>
           </p:cNvPr>
@@ -14343,7 +15529,7 @@
           <a:solidFill>
             <a:srgbClr val="F2F2F2"/>
           </a:solidFill>
-          <a:ln>
+          <a:ln w="28575">
             <a:solidFill>
               <a:srgbClr val="8CD000"/>
             </a:solidFill>
@@ -14369,7 +15555,7 @@
           <a:p>
             <a:pPr algn="ctr"/>
             <a:r>
-              <a:rPr lang="de-DE" sz="1600" dirty="0">
+              <a:rPr lang="de-DE" dirty="0">
                 <a:solidFill>
                   <a:srgbClr val="8CD000"/>
                 </a:solidFill>
@@ -14885,7 +16071,7 @@
         </p:nvCxnSpPr>
         <p:spPr>
           <a:xfrm flipV="1">
-            <a:off x="7651403" y="2688984"/>
+            <a:off x="7651405" y="2688986"/>
             <a:ext cx="1293157" cy="3929"/>
           </a:xfrm>
           <a:prstGeom prst="straightConnector1">
@@ -14931,7 +16117,7 @@
         </p:nvCxnSpPr>
         <p:spPr>
           <a:xfrm>
-            <a:off x="9759899" y="3066174"/>
+            <a:off x="9759899" y="3066176"/>
             <a:ext cx="0" cy="1496973"/>
           </a:xfrm>
           <a:prstGeom prst="straightConnector1">
@@ -14977,7 +16163,7 @@
         </p:nvCxnSpPr>
         <p:spPr>
           <a:xfrm flipH="1">
-            <a:off x="4390043" y="4940336"/>
+            <a:off x="4390045" y="4940336"/>
             <a:ext cx="4554517" cy="0"/>
           </a:xfrm>
           <a:prstGeom prst="straightConnector1">
@@ -15110,7 +16296,7 @@
         <p:spPr>
           <a:xfrm>
             <a:off x="8983950" y="2270072"/>
-            <a:ext cx="1553940" cy="854080"/>
+            <a:ext cx="1553940" cy="677108"/>
           </a:xfrm>
           <a:prstGeom prst="rect">
             <a:avLst/>
@@ -15156,22 +16342,8 @@
                 <a:latin typeface="LM Roman 10" pitchFamily="2" charset="77"/>
                 <a:cs typeface="Didot" panose="02000503000000020003" pitchFamily="2" charset="-79"/>
               </a:rPr>
-              <a:t>konzeptuell/</a:t>
-            </a:r>
-          </a:p>
-          <a:p>
-            <a:pPr algn="ctr"/>
-            <a:r>
-              <a:rPr lang="de-DE" sz="1100" dirty="0">
-                <a:latin typeface="LM Roman 10" pitchFamily="2" charset="77"/>
-                <a:cs typeface="Didot" panose="02000503000000020003" pitchFamily="2" charset="-79"/>
-              </a:rPr>
-              <a:t>symbolisch</a:t>
-            </a:r>
-            <a:endParaRPr lang="en-US" sz="1100" dirty="0">
-              <a:latin typeface="LM Roman 10" pitchFamily="2" charset="77"/>
-              <a:cs typeface="Didot" panose="02000503000000020003" pitchFamily="2" charset="-79"/>
-            </a:endParaRPr>
+              <a:t>konzeptuell</a:t>
+            </a:r>
           </a:p>
         </p:txBody>
       </p:sp>
@@ -15189,7 +16361,7 @@
         </p:nvSpPr>
         <p:spPr>
           <a:xfrm>
-            <a:off x="2929617" y="4146382"/>
+            <a:off x="2929619" y="4146384"/>
             <a:ext cx="1667307" cy="307777"/>
           </a:xfrm>
           <a:prstGeom prst="rect">
@@ -15233,7 +16405,7 @@
         </p:nvSpPr>
         <p:spPr>
           <a:xfrm>
-            <a:off x="4140586" y="3038327"/>
+            <a:off x="4140586" y="3038329"/>
             <a:ext cx="2211702" cy="307777"/>
           </a:xfrm>
           <a:prstGeom prst="rect">
@@ -15277,7 +16449,7 @@
         </p:nvSpPr>
         <p:spPr>
           <a:xfrm>
-            <a:off x="8944560" y="3672231"/>
+            <a:off x="8944562" y="3672233"/>
             <a:ext cx="1761541" cy="307777"/>
           </a:xfrm>
           <a:prstGeom prst="rect">
@@ -15409,7 +16581,7 @@
         </p:nvSpPr>
         <p:spPr>
           <a:xfrm>
-            <a:off x="1072543" y="5677641"/>
+            <a:off x="1072545" y="5677643"/>
             <a:ext cx="2110495" cy="307777"/>
           </a:xfrm>
           <a:prstGeom prst="rect">
@@ -15517,12 +16689,58 @@
           </a:p>
         </p:txBody>
       </p:sp>
-      <p:sp>
-        <p:nvSpPr>
-          <p:cNvPr id="11" name="Rectangle: Rounded Corners 6">
-            <a:extLst>
-              <a:ext uri="{FF2B5EF4-FFF2-40B4-BE49-F238E27FC236}">
-                <a16:creationId xmlns:a16="http://schemas.microsoft.com/office/drawing/2014/main" id="{40294711-0727-6CDB-B10A-CA55D562D150}"/>
+      <p:cxnSp>
+        <p:nvCxnSpPr>
+          <p:cNvPr id="10" name="Gerade Verbindung mit Pfeil 9">
+            <a:extLst>
+              <a:ext uri="{FF2B5EF4-FFF2-40B4-BE49-F238E27FC236}">
+                <a16:creationId xmlns:a16="http://schemas.microsoft.com/office/drawing/2014/main" id="{13EAB5CD-CDA9-2CBF-3306-0872CF2448F8}"/>
+              </a:ext>
+            </a:extLst>
+          </p:cNvPr>
+          <p:cNvCxnSpPr>
+            <a:cxnSpLocks/>
+            <a:stCxn id="12" idx="2"/>
+          </p:cNvCxnSpPr>
+          <p:nvPr/>
+        </p:nvCxnSpPr>
+        <p:spPr>
+          <a:xfrm>
+            <a:off x="4835889" y="1389103"/>
+            <a:ext cx="732979" cy="1295730"/>
+          </a:xfrm>
+          <a:prstGeom prst="straightConnector1">
+            <a:avLst/>
+          </a:prstGeom>
+          <a:ln w="28575">
+            <a:solidFill>
+              <a:srgbClr val="8CD000"/>
+            </a:solidFill>
+            <a:prstDash val="dash"/>
+            <a:tailEnd type="triangle"/>
+          </a:ln>
+        </p:spPr>
+        <p:style>
+          <a:lnRef idx="1">
+            <a:schemeClr val="accent1"/>
+          </a:lnRef>
+          <a:fillRef idx="0">
+            <a:schemeClr val="accent1"/>
+          </a:fillRef>
+          <a:effectRef idx="0">
+            <a:schemeClr val="accent1"/>
+          </a:effectRef>
+          <a:fontRef idx="minor">
+            <a:schemeClr val="tx1"/>
+          </a:fontRef>
+        </p:style>
+      </p:cxnSp>
+      <p:sp>
+        <p:nvSpPr>
+          <p:cNvPr id="12" name="Rechteck 11">
+            <a:extLst>
+              <a:ext uri="{FF2B5EF4-FFF2-40B4-BE49-F238E27FC236}">
+                <a16:creationId xmlns:a16="http://schemas.microsoft.com/office/drawing/2014/main" id="{E3CBC785-E3F3-5CFB-04DF-66D79FA17D0F}"/>
               </a:ext>
             </a:extLst>
           </p:cNvPr>
@@ -15531,8 +16749,320 @@
         </p:nvSpPr>
         <p:spPr>
           <a:xfrm>
+            <a:off x="3835402" y="493782"/>
+            <a:ext cx="2000973" cy="895323"/>
+          </a:xfrm>
+          <a:prstGeom prst="rect">
+            <a:avLst/>
+          </a:prstGeom>
+          <a:noFill/>
+          <a:ln w="28575">
+            <a:solidFill>
+              <a:srgbClr val="8CD000"/>
+            </a:solidFill>
+          </a:ln>
+        </p:spPr>
+        <p:style>
+          <a:lnRef idx="2">
+            <a:schemeClr val="accent6"/>
+          </a:lnRef>
+          <a:fillRef idx="1">
+            <a:schemeClr val="lt1"/>
+          </a:fillRef>
+          <a:effectRef idx="0">
+            <a:schemeClr val="accent6"/>
+          </a:effectRef>
+          <a:fontRef idx="minor">
+            <a:schemeClr val="dk1"/>
+          </a:fontRef>
+        </p:style>
+        <p:txBody>
+          <a:bodyPr rtlCol="0" anchor="ctr"/>
+          <a:lstStyle/>
+          <a:p>
+            <a:pPr algn="ctr"/>
+            <a:r>
+              <a:rPr lang="de-DE" dirty="0">
+                <a:solidFill>
+                  <a:srgbClr val="8CD000"/>
+                </a:solidFill>
+                <a:latin typeface="LM Roman 10" pitchFamily="2" charset="77"/>
+              </a:rPr>
+              <a:t>Aufbereitung der Evidenz</a:t>
+            </a:r>
+          </a:p>
+        </p:txBody>
+      </p:sp>
+      <p:cxnSp>
+        <p:nvCxnSpPr>
+          <p:cNvPr id="21" name="Gerade Verbindung mit Pfeil 20">
+            <a:extLst>
+              <a:ext uri="{FF2B5EF4-FFF2-40B4-BE49-F238E27FC236}">
+                <a16:creationId xmlns:a16="http://schemas.microsoft.com/office/drawing/2014/main" id="{F3E2E4AD-038F-B708-0BE1-2769D70D9FCE}"/>
+              </a:ext>
+            </a:extLst>
+          </p:cNvPr>
+          <p:cNvCxnSpPr>
+            <a:cxnSpLocks/>
+            <a:stCxn id="12" idx="2"/>
+            <a:endCxn id="56" idx="1"/>
+          </p:cNvCxnSpPr>
+          <p:nvPr/>
+        </p:nvCxnSpPr>
+        <p:spPr>
+          <a:xfrm>
+            <a:off x="4835889" y="1389105"/>
+            <a:ext cx="3256704" cy="1115009"/>
+          </a:xfrm>
+          <a:prstGeom prst="straightConnector1">
+            <a:avLst/>
+          </a:prstGeom>
+          <a:ln w="28575">
+            <a:solidFill>
+              <a:srgbClr val="8CD000"/>
+            </a:solidFill>
+            <a:prstDash val="dash"/>
+            <a:tailEnd type="triangle"/>
+          </a:ln>
+        </p:spPr>
+        <p:style>
+          <a:lnRef idx="1">
+            <a:schemeClr val="accent1"/>
+          </a:lnRef>
+          <a:fillRef idx="0">
+            <a:schemeClr val="accent1"/>
+          </a:fillRef>
+          <a:effectRef idx="0">
+            <a:schemeClr val="accent1"/>
+          </a:effectRef>
+          <a:fontRef idx="minor">
+            <a:schemeClr val="tx1"/>
+          </a:fontRef>
+        </p:style>
+      </p:cxnSp>
+      <p:cxnSp>
+        <p:nvCxnSpPr>
+          <p:cNvPr id="9" name="Gerade Verbindung mit Pfeil 8">
+            <a:extLst>
+              <a:ext uri="{FF2B5EF4-FFF2-40B4-BE49-F238E27FC236}">
+                <a16:creationId xmlns:a16="http://schemas.microsoft.com/office/drawing/2014/main" id="{AA1D451D-3BB2-FAB0-E972-121812933199}"/>
+              </a:ext>
+            </a:extLst>
+          </p:cNvPr>
+          <p:cNvCxnSpPr>
+            <a:cxnSpLocks/>
+            <a:stCxn id="18" idx="2"/>
+          </p:cNvCxnSpPr>
+          <p:nvPr/>
+        </p:nvCxnSpPr>
+        <p:spPr>
+          <a:xfrm>
+            <a:off x="3930104" y="2339418"/>
+            <a:ext cx="1638762" cy="432962"/>
+          </a:xfrm>
+          <a:prstGeom prst="straightConnector1">
+            <a:avLst/>
+          </a:prstGeom>
+          <a:ln w="28575">
+            <a:solidFill>
+              <a:srgbClr val="8CD000"/>
+            </a:solidFill>
+            <a:prstDash val="dash"/>
+            <a:tailEnd type="triangle"/>
+          </a:ln>
+        </p:spPr>
+        <p:style>
+          <a:lnRef idx="1">
+            <a:schemeClr val="accent1"/>
+          </a:lnRef>
+          <a:fillRef idx="0">
+            <a:schemeClr val="accent1"/>
+          </a:fillRef>
+          <a:effectRef idx="0">
+            <a:schemeClr val="accent1"/>
+          </a:effectRef>
+          <a:fontRef idx="minor">
+            <a:schemeClr val="tx1"/>
+          </a:fontRef>
+        </p:style>
+      </p:cxnSp>
+      <p:sp>
+        <p:nvSpPr>
+          <p:cNvPr id="18" name="Rechteck 17">
+            <a:extLst>
+              <a:ext uri="{FF2B5EF4-FFF2-40B4-BE49-F238E27FC236}">
+                <a16:creationId xmlns:a16="http://schemas.microsoft.com/office/drawing/2014/main" id="{A9A91E3D-C75F-79DE-2513-F4E268CECF48}"/>
+              </a:ext>
+            </a:extLst>
+          </p:cNvPr>
+          <p:cNvSpPr/>
+          <p:nvPr/>
+        </p:nvSpPr>
+        <p:spPr>
+          <a:xfrm>
+            <a:off x="2929619" y="1444097"/>
+            <a:ext cx="2000973" cy="895323"/>
+          </a:xfrm>
+          <a:prstGeom prst="rect">
+            <a:avLst/>
+          </a:prstGeom>
+          <a:noFill/>
+          <a:ln w="28575">
+            <a:solidFill>
+              <a:srgbClr val="8CD000"/>
+            </a:solidFill>
+          </a:ln>
+        </p:spPr>
+        <p:style>
+          <a:lnRef idx="2">
+            <a:schemeClr val="accent6"/>
+          </a:lnRef>
+          <a:fillRef idx="1">
+            <a:schemeClr val="lt1"/>
+          </a:fillRef>
+          <a:effectRef idx="0">
+            <a:schemeClr val="accent6"/>
+          </a:effectRef>
+          <a:fontRef idx="minor">
+            <a:schemeClr val="dk1"/>
+          </a:fontRef>
+        </p:style>
+        <p:txBody>
+          <a:bodyPr rtlCol="0" anchor="ctr"/>
+          <a:lstStyle/>
+          <a:p>
+            <a:pPr algn="ctr"/>
+            <a:r>
+              <a:rPr lang="de-DE" dirty="0">
+                <a:solidFill>
+                  <a:srgbClr val="8CD000"/>
+                </a:solidFill>
+                <a:latin typeface="LM Roman 10" pitchFamily="2" charset="77"/>
+              </a:rPr>
+              <a:t>Forschungs-methodisches Wissen  </a:t>
+            </a:r>
+          </a:p>
+        </p:txBody>
+      </p:sp>
+      <p:cxnSp>
+        <p:nvCxnSpPr>
+          <p:cNvPr id="19" name="Gerade Verbindung mit Pfeil 18">
+            <a:extLst>
+              <a:ext uri="{FF2B5EF4-FFF2-40B4-BE49-F238E27FC236}">
+                <a16:creationId xmlns:a16="http://schemas.microsoft.com/office/drawing/2014/main" id="{182126C1-1BA6-7F1F-C0EC-ABB7832A873C}"/>
+              </a:ext>
+            </a:extLst>
+          </p:cNvPr>
+          <p:cNvCxnSpPr>
+            <a:cxnSpLocks/>
+          </p:cNvCxnSpPr>
+          <p:nvPr/>
+        </p:nvCxnSpPr>
+        <p:spPr>
+          <a:xfrm>
+            <a:off x="2929619" y="3124154"/>
+            <a:ext cx="905783" cy="692471"/>
+          </a:xfrm>
+          <a:prstGeom prst="straightConnector1">
+            <a:avLst/>
+          </a:prstGeom>
+          <a:ln w="28575">
+            <a:solidFill>
+              <a:srgbClr val="8CD000"/>
+            </a:solidFill>
+            <a:prstDash val="dash"/>
+            <a:tailEnd type="triangle"/>
+          </a:ln>
+        </p:spPr>
+        <p:style>
+          <a:lnRef idx="1">
+            <a:schemeClr val="accent1"/>
+          </a:lnRef>
+          <a:fillRef idx="0">
+            <a:schemeClr val="accent1"/>
+          </a:fillRef>
+          <a:effectRef idx="0">
+            <a:schemeClr val="accent1"/>
+          </a:effectRef>
+          <a:fontRef idx="minor">
+            <a:schemeClr val="tx1"/>
+          </a:fontRef>
+        </p:style>
+      </p:cxnSp>
+      <p:sp>
+        <p:nvSpPr>
+          <p:cNvPr id="22" name="Rechteck 21">
+            <a:extLst>
+              <a:ext uri="{FF2B5EF4-FFF2-40B4-BE49-F238E27FC236}">
+                <a16:creationId xmlns:a16="http://schemas.microsoft.com/office/drawing/2014/main" id="{1BA4E8EE-C999-8B1E-A91F-3646BAC44777}"/>
+              </a:ext>
+            </a:extLst>
+          </p:cNvPr>
+          <p:cNvSpPr/>
+          <p:nvPr/>
+        </p:nvSpPr>
+        <p:spPr>
+          <a:xfrm>
+            <a:off x="1485900" y="2619338"/>
+            <a:ext cx="1876697" cy="504814"/>
+          </a:xfrm>
+          <a:prstGeom prst="rect">
+            <a:avLst/>
+          </a:prstGeom>
+          <a:noFill/>
+          <a:ln w="28575">
+            <a:solidFill>
+              <a:srgbClr val="8CD000"/>
+            </a:solidFill>
+          </a:ln>
+        </p:spPr>
+        <p:style>
+          <a:lnRef idx="2">
+            <a:schemeClr val="accent6"/>
+          </a:lnRef>
+          <a:fillRef idx="1">
+            <a:schemeClr val="lt1"/>
+          </a:fillRef>
+          <a:effectRef idx="0">
+            <a:schemeClr val="accent6"/>
+          </a:effectRef>
+          <a:fontRef idx="minor">
+            <a:schemeClr val="dk1"/>
+          </a:fontRef>
+        </p:style>
+        <p:txBody>
+          <a:bodyPr rtlCol="0" anchor="ctr"/>
+          <a:lstStyle/>
+          <a:p>
+            <a:pPr algn="ctr"/>
+            <a:r>
+              <a:rPr lang="de-DE" dirty="0">
+                <a:solidFill>
+                  <a:srgbClr val="8CD000"/>
+                </a:solidFill>
+                <a:latin typeface="LM Roman 10" pitchFamily="2" charset="77"/>
+              </a:rPr>
+              <a:t>Zugänglichkeit der Evidenz </a:t>
+            </a:r>
+          </a:p>
+        </p:txBody>
+      </p:sp>
+      <p:sp>
+        <p:nvSpPr>
+          <p:cNvPr id="24" name="Rectangle: Rounded Corners 6">
+            <a:extLst>
+              <a:ext uri="{FF2B5EF4-FFF2-40B4-BE49-F238E27FC236}">
+                <a16:creationId xmlns:a16="http://schemas.microsoft.com/office/drawing/2014/main" id="{C1F0984E-1983-A228-A8BB-2C894E6DDA00}"/>
+              </a:ext>
+            </a:extLst>
+          </p:cNvPr>
+          <p:cNvSpPr/>
+          <p:nvPr/>
+        </p:nvSpPr>
+        <p:spPr>
+          <a:xfrm>
             <a:off x="292100" y="330200"/>
-            <a:ext cx="11303000" cy="6629400"/>
+            <a:ext cx="11303000" cy="5845507"/>
           </a:xfrm>
           <a:prstGeom prst="roundRect">
             <a:avLst>
@@ -15540,7 +17070,7 @@
             </a:avLst>
           </a:prstGeom>
           <a:noFill/>
-          <a:ln>
+          <a:ln w="28575">
             <a:solidFill>
               <a:srgbClr val="8CD000"/>
             </a:solidFill>
@@ -15689,370 +17219,12 @@
           </a:p>
         </p:txBody>
       </p:sp>
-      <p:cxnSp>
-        <p:nvCxnSpPr>
-          <p:cNvPr id="4" name="Gerade Verbindung mit Pfeil 3">
-            <a:extLst>
-              <a:ext uri="{FF2B5EF4-FFF2-40B4-BE49-F238E27FC236}">
-                <a16:creationId xmlns:a16="http://schemas.microsoft.com/office/drawing/2014/main" id="{0B9A5665-D14E-835C-DBDD-A4A0BC536BC5}"/>
-              </a:ext>
-            </a:extLst>
-          </p:cNvPr>
-          <p:cNvCxnSpPr>
-            <a:cxnSpLocks/>
-          </p:cNvCxnSpPr>
-          <p:nvPr/>
-        </p:nvCxnSpPr>
-        <p:spPr>
-          <a:xfrm>
-            <a:off x="2929617" y="3124152"/>
-            <a:ext cx="905783" cy="692471"/>
-          </a:xfrm>
-          <a:prstGeom prst="straightConnector1">
-            <a:avLst/>
-          </a:prstGeom>
-          <a:ln w="28575">
-            <a:solidFill>
-              <a:srgbClr val="8CD000"/>
-            </a:solidFill>
-            <a:prstDash val="dash"/>
-            <a:tailEnd type="triangle"/>
-          </a:ln>
-        </p:spPr>
-        <p:style>
-          <a:lnRef idx="1">
-            <a:schemeClr val="accent1"/>
-          </a:lnRef>
-          <a:fillRef idx="0">
-            <a:schemeClr val="accent1"/>
-          </a:fillRef>
-          <a:effectRef idx="0">
-            <a:schemeClr val="accent1"/>
-          </a:effectRef>
-          <a:fontRef idx="minor">
-            <a:schemeClr val="tx1"/>
-          </a:fontRef>
-        </p:style>
-      </p:cxnSp>
-      <p:sp>
-        <p:nvSpPr>
-          <p:cNvPr id="5" name="Rechteck 4">
-            <a:extLst>
-              <a:ext uri="{FF2B5EF4-FFF2-40B4-BE49-F238E27FC236}">
-                <a16:creationId xmlns:a16="http://schemas.microsoft.com/office/drawing/2014/main" id="{4EF3413E-4E39-9018-782D-B176619CBC29}"/>
-              </a:ext>
-            </a:extLst>
-          </p:cNvPr>
-          <p:cNvSpPr/>
-          <p:nvPr/>
-        </p:nvSpPr>
-        <p:spPr>
-          <a:xfrm>
-            <a:off x="1485898" y="2619338"/>
-            <a:ext cx="1876697" cy="504814"/>
-          </a:xfrm>
-          <a:prstGeom prst="rect">
-            <a:avLst/>
-          </a:prstGeom>
-          <a:noFill/>
-          <a:ln>
-            <a:solidFill>
-              <a:srgbClr val="8CD000"/>
-            </a:solidFill>
-          </a:ln>
-        </p:spPr>
-        <p:style>
-          <a:lnRef idx="2">
-            <a:schemeClr val="accent6"/>
-          </a:lnRef>
-          <a:fillRef idx="1">
-            <a:schemeClr val="lt1"/>
-          </a:fillRef>
-          <a:effectRef idx="0">
-            <a:schemeClr val="accent6"/>
-          </a:effectRef>
-          <a:fontRef idx="minor">
-            <a:schemeClr val="dk1"/>
-          </a:fontRef>
-        </p:style>
-        <p:txBody>
-          <a:bodyPr rtlCol="0" anchor="ctr"/>
-          <a:lstStyle/>
-          <a:p>
-            <a:pPr algn="ctr"/>
-            <a:r>
-              <a:rPr lang="de-DE" sz="1600" dirty="0">
-                <a:solidFill>
-                  <a:srgbClr val="8CD000"/>
-                </a:solidFill>
-                <a:latin typeface="LM Roman 10" pitchFamily="2" charset="77"/>
-              </a:rPr>
-              <a:t>Zugänglichkeit der Evidenz </a:t>
-            </a:r>
-          </a:p>
-        </p:txBody>
-      </p:sp>
-      <p:cxnSp>
-        <p:nvCxnSpPr>
-          <p:cNvPr id="7" name="Gerade Verbindung mit Pfeil 6">
-            <a:extLst>
-              <a:ext uri="{FF2B5EF4-FFF2-40B4-BE49-F238E27FC236}">
-                <a16:creationId xmlns:a16="http://schemas.microsoft.com/office/drawing/2014/main" id="{D4D65A27-51C0-6681-193A-3BE734072CEB}"/>
-              </a:ext>
-            </a:extLst>
-          </p:cNvPr>
-          <p:cNvCxnSpPr>
-            <a:cxnSpLocks/>
-            <a:stCxn id="8" idx="2"/>
-          </p:cNvCxnSpPr>
-          <p:nvPr/>
-        </p:nvCxnSpPr>
-        <p:spPr>
-          <a:xfrm>
-            <a:off x="3700611" y="2377630"/>
-            <a:ext cx="1815826" cy="369332"/>
-          </a:xfrm>
-          <a:prstGeom prst="straightConnector1">
-            <a:avLst/>
-          </a:prstGeom>
-          <a:ln w="28575">
-            <a:solidFill>
-              <a:srgbClr val="8CD000"/>
-            </a:solidFill>
-            <a:prstDash val="dash"/>
-            <a:tailEnd type="triangle"/>
-          </a:ln>
-        </p:spPr>
-        <p:style>
-          <a:lnRef idx="1">
-            <a:schemeClr val="accent1"/>
-          </a:lnRef>
-          <a:fillRef idx="0">
-            <a:schemeClr val="accent1"/>
-          </a:fillRef>
-          <a:effectRef idx="0">
-            <a:schemeClr val="accent1"/>
-          </a:effectRef>
-          <a:fontRef idx="minor">
-            <a:schemeClr val="tx1"/>
-          </a:fontRef>
-        </p:style>
-      </p:cxnSp>
-      <p:sp>
-        <p:nvSpPr>
-          <p:cNvPr id="8" name="Rechteck 7">
-            <a:extLst>
-              <a:ext uri="{FF2B5EF4-FFF2-40B4-BE49-F238E27FC236}">
-                <a16:creationId xmlns:a16="http://schemas.microsoft.com/office/drawing/2014/main" id="{B41CB0C5-1630-6703-A66C-7BA5A9B0AB6C}"/>
-              </a:ext>
-            </a:extLst>
-          </p:cNvPr>
-          <p:cNvSpPr/>
-          <p:nvPr/>
-        </p:nvSpPr>
-        <p:spPr>
-          <a:xfrm>
-            <a:off x="2700124" y="1482307"/>
-            <a:ext cx="2000973" cy="895323"/>
-          </a:xfrm>
-          <a:prstGeom prst="rect">
-            <a:avLst/>
-          </a:prstGeom>
-          <a:noFill/>
-          <a:ln>
-            <a:solidFill>
-              <a:srgbClr val="8CD000"/>
-            </a:solidFill>
-          </a:ln>
-        </p:spPr>
-        <p:style>
-          <a:lnRef idx="2">
-            <a:schemeClr val="accent6"/>
-          </a:lnRef>
-          <a:fillRef idx="1">
-            <a:schemeClr val="lt1"/>
-          </a:fillRef>
-          <a:effectRef idx="0">
-            <a:schemeClr val="accent6"/>
-          </a:effectRef>
-          <a:fontRef idx="minor">
-            <a:schemeClr val="dk1"/>
-          </a:fontRef>
-        </p:style>
-        <p:txBody>
-          <a:bodyPr rtlCol="0" anchor="ctr"/>
-          <a:lstStyle/>
-          <a:p>
-            <a:pPr algn="ctr"/>
-            <a:r>
-              <a:rPr lang="de-DE" sz="1600" dirty="0">
-                <a:solidFill>
-                  <a:srgbClr val="8CD000"/>
-                </a:solidFill>
-                <a:latin typeface="LM Roman 10" pitchFamily="2" charset="77"/>
-              </a:rPr>
-              <a:t>Forschungs-methodisches Wissen  </a:t>
-            </a:r>
-          </a:p>
-        </p:txBody>
-      </p:sp>
-      <p:cxnSp>
-        <p:nvCxnSpPr>
-          <p:cNvPr id="10" name="Gerade Verbindung mit Pfeil 9">
-            <a:extLst>
-              <a:ext uri="{FF2B5EF4-FFF2-40B4-BE49-F238E27FC236}">
-                <a16:creationId xmlns:a16="http://schemas.microsoft.com/office/drawing/2014/main" id="{13EAB5CD-CDA9-2CBF-3306-0872CF2448F8}"/>
-              </a:ext>
-            </a:extLst>
-          </p:cNvPr>
-          <p:cNvCxnSpPr>
-            <a:cxnSpLocks/>
-            <a:stCxn id="12" idx="2"/>
-          </p:cNvCxnSpPr>
-          <p:nvPr/>
-        </p:nvCxnSpPr>
-        <p:spPr>
-          <a:xfrm>
-            <a:off x="4835887" y="1389103"/>
-            <a:ext cx="732979" cy="1295730"/>
-          </a:xfrm>
-          <a:prstGeom prst="straightConnector1">
-            <a:avLst/>
-          </a:prstGeom>
-          <a:ln w="28575">
-            <a:solidFill>
-              <a:srgbClr val="8CD000"/>
-            </a:solidFill>
-            <a:prstDash val="dash"/>
-            <a:tailEnd type="triangle"/>
-          </a:ln>
-        </p:spPr>
-        <p:style>
-          <a:lnRef idx="1">
-            <a:schemeClr val="accent1"/>
-          </a:lnRef>
-          <a:fillRef idx="0">
-            <a:schemeClr val="accent1"/>
-          </a:fillRef>
-          <a:effectRef idx="0">
-            <a:schemeClr val="accent1"/>
-          </a:effectRef>
-          <a:fontRef idx="minor">
-            <a:schemeClr val="tx1"/>
-          </a:fontRef>
-        </p:style>
-      </p:cxnSp>
-      <p:sp>
-        <p:nvSpPr>
-          <p:cNvPr id="12" name="Rechteck 11">
-            <a:extLst>
-              <a:ext uri="{FF2B5EF4-FFF2-40B4-BE49-F238E27FC236}">
-                <a16:creationId xmlns:a16="http://schemas.microsoft.com/office/drawing/2014/main" id="{E3CBC785-E3F3-5CFB-04DF-66D79FA17D0F}"/>
-              </a:ext>
-            </a:extLst>
-          </p:cNvPr>
-          <p:cNvSpPr/>
-          <p:nvPr/>
-        </p:nvSpPr>
-        <p:spPr>
-          <a:xfrm>
-            <a:off x="3835400" y="493780"/>
-            <a:ext cx="2000973" cy="895323"/>
-          </a:xfrm>
-          <a:prstGeom prst="rect">
-            <a:avLst/>
-          </a:prstGeom>
-          <a:noFill/>
-          <a:ln>
-            <a:solidFill>
-              <a:srgbClr val="8CD000"/>
-            </a:solidFill>
-          </a:ln>
-        </p:spPr>
-        <p:style>
-          <a:lnRef idx="2">
-            <a:schemeClr val="accent6"/>
-          </a:lnRef>
-          <a:fillRef idx="1">
-            <a:schemeClr val="lt1"/>
-          </a:fillRef>
-          <a:effectRef idx="0">
-            <a:schemeClr val="accent6"/>
-          </a:effectRef>
-          <a:fontRef idx="minor">
-            <a:schemeClr val="dk1"/>
-          </a:fontRef>
-        </p:style>
-        <p:txBody>
-          <a:bodyPr rtlCol="0" anchor="ctr"/>
-          <a:lstStyle/>
-          <a:p>
-            <a:pPr algn="ctr"/>
-            <a:r>
-              <a:rPr lang="de-DE" sz="1600" dirty="0">
-                <a:solidFill>
-                  <a:srgbClr val="8CD000"/>
-                </a:solidFill>
-                <a:latin typeface="LM Roman 10" pitchFamily="2" charset="77"/>
-              </a:rPr>
-              <a:t>Aufbereitung der Evidenz</a:t>
-            </a:r>
-          </a:p>
-        </p:txBody>
-      </p:sp>
-      <p:cxnSp>
-        <p:nvCxnSpPr>
-          <p:cNvPr id="21" name="Gerade Verbindung mit Pfeil 20">
-            <a:extLst>
-              <a:ext uri="{FF2B5EF4-FFF2-40B4-BE49-F238E27FC236}">
-                <a16:creationId xmlns:a16="http://schemas.microsoft.com/office/drawing/2014/main" id="{F3E2E4AD-038F-B708-0BE1-2769D70D9FCE}"/>
-              </a:ext>
-            </a:extLst>
-          </p:cNvPr>
-          <p:cNvCxnSpPr>
-            <a:cxnSpLocks/>
-            <a:stCxn id="12" idx="2"/>
-            <a:endCxn id="56" idx="1"/>
-          </p:cNvCxnSpPr>
-          <p:nvPr/>
-        </p:nvCxnSpPr>
-        <p:spPr>
-          <a:xfrm>
-            <a:off x="4835887" y="1389103"/>
-            <a:ext cx="3256706" cy="1115011"/>
-          </a:xfrm>
-          <a:prstGeom prst="straightConnector1">
-            <a:avLst/>
-          </a:prstGeom>
-          <a:ln w="28575">
-            <a:solidFill>
-              <a:srgbClr val="8CD000"/>
-            </a:solidFill>
-            <a:prstDash val="dash"/>
-            <a:tailEnd type="triangle"/>
-          </a:ln>
-        </p:spPr>
-        <p:style>
-          <a:lnRef idx="1">
-            <a:schemeClr val="accent1"/>
-          </a:lnRef>
-          <a:fillRef idx="0">
-            <a:schemeClr val="accent1"/>
-          </a:fillRef>
-          <a:effectRef idx="0">
-            <a:schemeClr val="accent1"/>
-          </a:effectRef>
-          <a:fontRef idx="minor">
-            <a:schemeClr val="tx1"/>
-          </a:fontRef>
-        </p:style>
-      </p:cxnSp>
-      <p:sp>
-        <p:nvSpPr>
-          <p:cNvPr id="17" name="Rechteck 16">
-            <a:extLst>
-              <a:ext uri="{FF2B5EF4-FFF2-40B4-BE49-F238E27FC236}">
-                <a16:creationId xmlns:a16="http://schemas.microsoft.com/office/drawing/2014/main" id="{9C26CE1B-B98D-7E6C-757D-2CA33E927B91}"/>
+      <p:sp>
+        <p:nvSpPr>
+          <p:cNvPr id="25" name="Rechteck 24">
+            <a:extLst>
+              <a:ext uri="{FF2B5EF4-FFF2-40B4-BE49-F238E27FC236}">
+                <a16:creationId xmlns:a16="http://schemas.microsoft.com/office/drawing/2014/main" id="{BE269103-0ECB-A907-AC5B-3F004E21EE5F}"/>
               </a:ext>
             </a:extLst>
           </p:cNvPr>
@@ -16070,7 +17242,7 @@
           <a:solidFill>
             <a:srgbClr val="F2F2F2"/>
           </a:solidFill>
-          <a:ln>
+          <a:ln w="28575">
             <a:solidFill>
               <a:srgbClr val="8CD000"/>
             </a:solidFill>
@@ -16096,7 +17268,7 @@
           <a:p>
             <a:pPr algn="ctr"/>
             <a:r>
-              <a:rPr lang="de-DE" sz="1600" dirty="0">
+              <a:rPr lang="de-DE" dirty="0">
                 <a:solidFill>
                   <a:srgbClr val="8CD000"/>
                 </a:solidFill>
@@ -16125,7 +17297,13 @@
   <p:cSld>
     <p:spTree>
       <p:nvGrpSpPr>
-        <p:cNvPr id="1" name=""/>
+        <p:cNvPr id="1" name="">
+          <a:extLst>
+            <a:ext uri="{FF2B5EF4-FFF2-40B4-BE49-F238E27FC236}">
+              <a16:creationId xmlns:a16="http://schemas.microsoft.com/office/drawing/2014/main" id="{E90F0A5B-24A9-20AA-771B-35D407290159}"/>
+            </a:ext>
+          </a:extLst>
+        </p:cNvPr>
         <p:cNvGrpSpPr/>
         <p:nvPr/>
       </p:nvGrpSpPr>
@@ -16142,7 +17320,7 @@
           <p:cNvPr id="13" name="Oval 12">
             <a:extLst>
               <a:ext uri="{FF2B5EF4-FFF2-40B4-BE49-F238E27FC236}">
-                <a16:creationId xmlns:a16="http://schemas.microsoft.com/office/drawing/2014/main" id="{1D8693F1-4AF6-B64B-4F0A-B464A18041CC}"/>
+                <a16:creationId xmlns:a16="http://schemas.microsoft.com/office/drawing/2014/main" id="{2277D8EA-3A0E-909E-0D93-0EEF40EC2DCD}"/>
               </a:ext>
             </a:extLst>
           </p:cNvPr>
@@ -16219,7 +17397,7 @@
           <p:cNvPr id="14" name="Oval 13">
             <a:extLst>
               <a:ext uri="{FF2B5EF4-FFF2-40B4-BE49-F238E27FC236}">
-                <a16:creationId xmlns:a16="http://schemas.microsoft.com/office/drawing/2014/main" id="{2A14B365-C792-8A6C-8E80-FF83C67B5D55}"/>
+                <a16:creationId xmlns:a16="http://schemas.microsoft.com/office/drawing/2014/main" id="{2CB1A113-285A-ACE6-8C32-9FB714D8E4A3}"/>
               </a:ext>
             </a:extLst>
           </p:cNvPr>
@@ -16296,7 +17474,7 @@
           <p:cNvPr id="15" name="Oval 14">
             <a:extLst>
               <a:ext uri="{FF2B5EF4-FFF2-40B4-BE49-F238E27FC236}">
-                <a16:creationId xmlns:a16="http://schemas.microsoft.com/office/drawing/2014/main" id="{97DAF1C8-8BF6-B122-BD80-962768DA66B4}"/>
+                <a16:creationId xmlns:a16="http://schemas.microsoft.com/office/drawing/2014/main" id="{06E8A6DC-8C0F-C5D6-3169-A426C888101F}"/>
               </a:ext>
             </a:extLst>
           </p:cNvPr>
@@ -16363,7 +17541,7 @@
           <p:cNvPr id="20" name="Connector: Curved 19">
             <a:extLst>
               <a:ext uri="{FF2B5EF4-FFF2-40B4-BE49-F238E27FC236}">
-                <a16:creationId xmlns:a16="http://schemas.microsoft.com/office/drawing/2014/main" id="{9D08A355-1BFF-B13D-EABD-1944CF8A7E31}"/>
+                <a16:creationId xmlns:a16="http://schemas.microsoft.com/office/drawing/2014/main" id="{2B04F717-22C1-4F57-C9D1-0DCBC2054A90}"/>
               </a:ext>
             </a:extLst>
           </p:cNvPr>
@@ -16409,7 +17587,7 @@
           <p:cNvPr id="23" name="Connector: Curved 22">
             <a:extLst>
               <a:ext uri="{FF2B5EF4-FFF2-40B4-BE49-F238E27FC236}">
-                <a16:creationId xmlns:a16="http://schemas.microsoft.com/office/drawing/2014/main" id="{C576A603-F83F-F3F0-AD46-5F1BC4B64A9E}"/>
+                <a16:creationId xmlns:a16="http://schemas.microsoft.com/office/drawing/2014/main" id="{3141EB69-5C8E-A6B2-43CA-ADF247810ABE}"/>
               </a:ext>
             </a:extLst>
           </p:cNvPr>
@@ -16455,7 +17633,7 @@
           <p:cNvPr id="26" name="Oval 25">
             <a:extLst>
               <a:ext uri="{FF2B5EF4-FFF2-40B4-BE49-F238E27FC236}">
-                <a16:creationId xmlns:a16="http://schemas.microsoft.com/office/drawing/2014/main" id="{E3DC8A4E-1508-5E72-013D-97FAFDC90495}"/>
+                <a16:creationId xmlns:a16="http://schemas.microsoft.com/office/drawing/2014/main" id="{1372381F-61FD-5BE6-F212-E4B37DDC9FCC}"/>
               </a:ext>
             </a:extLst>
           </p:cNvPr>
@@ -16522,7 +17700,7 @@
           <p:cNvPr id="27" name="Oval 26">
             <a:extLst>
               <a:ext uri="{FF2B5EF4-FFF2-40B4-BE49-F238E27FC236}">
-                <a16:creationId xmlns:a16="http://schemas.microsoft.com/office/drawing/2014/main" id="{72AF60ED-4044-E5E5-F9E9-64C7593F7CC0}"/>
+                <a16:creationId xmlns:a16="http://schemas.microsoft.com/office/drawing/2014/main" id="{E45C96FC-3270-C97D-4DD1-58549EDA0F05}"/>
               </a:ext>
             </a:extLst>
           </p:cNvPr>
@@ -16599,7 +17777,7 @@
           <p:cNvPr id="32" name="Straight Arrow Connector 31">
             <a:extLst>
               <a:ext uri="{FF2B5EF4-FFF2-40B4-BE49-F238E27FC236}">
-                <a16:creationId xmlns:a16="http://schemas.microsoft.com/office/drawing/2014/main" id="{166579B7-9EB5-A37B-D7D0-0EEC0B6803AE}"/>
+                <a16:creationId xmlns:a16="http://schemas.microsoft.com/office/drawing/2014/main" id="{1FA8017F-BED9-0D50-2600-2D41F62FC81D}"/>
               </a:ext>
             </a:extLst>
           </p:cNvPr>
@@ -16612,7 +17790,7 @@
         </p:nvCxnSpPr>
         <p:spPr>
           <a:xfrm flipV="1">
-            <a:off x="7651403" y="2688984"/>
+            <a:off x="7651405" y="2688986"/>
             <a:ext cx="1293157" cy="3929"/>
           </a:xfrm>
           <a:prstGeom prst="straightConnector1">
@@ -16645,7 +17823,7 @@
           <p:cNvPr id="34" name="Straight Arrow Connector 33">
             <a:extLst>
               <a:ext uri="{FF2B5EF4-FFF2-40B4-BE49-F238E27FC236}">
-                <a16:creationId xmlns:a16="http://schemas.microsoft.com/office/drawing/2014/main" id="{49F8FCE9-625E-3019-9506-DB4366A32AC6}"/>
+                <a16:creationId xmlns:a16="http://schemas.microsoft.com/office/drawing/2014/main" id="{6E125B4F-9293-D99D-8392-8DCC86A15838}"/>
               </a:ext>
             </a:extLst>
           </p:cNvPr>
@@ -16658,7 +17836,7 @@
         </p:nvCxnSpPr>
         <p:spPr>
           <a:xfrm>
-            <a:off x="9759899" y="3066174"/>
+            <a:off x="9759899" y="3066176"/>
             <a:ext cx="0" cy="1496973"/>
           </a:xfrm>
           <a:prstGeom prst="straightConnector1">
@@ -16691,7 +17869,7 @@
           <p:cNvPr id="37" name="Straight Arrow Connector 36">
             <a:extLst>
               <a:ext uri="{FF2B5EF4-FFF2-40B4-BE49-F238E27FC236}">
-                <a16:creationId xmlns:a16="http://schemas.microsoft.com/office/drawing/2014/main" id="{55715120-9AEF-727F-AF81-D95E0E013E59}"/>
+                <a16:creationId xmlns:a16="http://schemas.microsoft.com/office/drawing/2014/main" id="{6186DA7A-19CA-6EF6-79C7-1870E25BCE72}"/>
               </a:ext>
             </a:extLst>
           </p:cNvPr>
@@ -16704,7 +17882,7 @@
         </p:nvCxnSpPr>
         <p:spPr>
           <a:xfrm flipH="1">
-            <a:off x="4390043" y="4940336"/>
+            <a:off x="4390045" y="4940336"/>
             <a:ext cx="4554517" cy="0"/>
           </a:xfrm>
           <a:prstGeom prst="straightConnector1">
@@ -16737,7 +17915,7 @@
           <p:cNvPr id="40" name="Straight Arrow Connector 39">
             <a:extLst>
               <a:ext uri="{FF2B5EF4-FFF2-40B4-BE49-F238E27FC236}">
-                <a16:creationId xmlns:a16="http://schemas.microsoft.com/office/drawing/2014/main" id="{877155B9-7D29-7689-96CE-6ACB5D537AB5}"/>
+                <a16:creationId xmlns:a16="http://schemas.microsoft.com/office/drawing/2014/main" id="{B5C50221-3C07-669D-5BB7-10C87837CAE0}"/>
               </a:ext>
             </a:extLst>
           </p:cNvPr>
@@ -16782,7 +17960,7 @@
           <p:cNvPr id="43" name="Straight Arrow Connector 42">
             <a:extLst>
               <a:ext uri="{FF2B5EF4-FFF2-40B4-BE49-F238E27FC236}">
-                <a16:creationId xmlns:a16="http://schemas.microsoft.com/office/drawing/2014/main" id="{009A81FC-5496-1B64-61C2-0AACFC7477CD}"/>
+                <a16:creationId xmlns:a16="http://schemas.microsoft.com/office/drawing/2014/main" id="{60DEB3A4-7FCE-805B-36CD-CC5E81A50886}"/>
               </a:ext>
             </a:extLst>
           </p:cNvPr>
@@ -16827,7 +18005,7 @@
           <p:cNvPr id="50" name="TextBox 49">
             <a:extLst>
               <a:ext uri="{FF2B5EF4-FFF2-40B4-BE49-F238E27FC236}">
-                <a16:creationId xmlns:a16="http://schemas.microsoft.com/office/drawing/2014/main" id="{7FD64F8A-ADAA-448E-7F19-BDDBEC30B4D5}"/>
+                <a16:creationId xmlns:a16="http://schemas.microsoft.com/office/drawing/2014/main" id="{B8C91C7C-6CD4-4175-271B-F2E3313DDE13}"/>
               </a:ext>
             </a:extLst>
           </p:cNvPr>
@@ -16837,7 +18015,7 @@
         <p:spPr>
           <a:xfrm>
             <a:off x="8983950" y="2270072"/>
-            <a:ext cx="1553940" cy="854080"/>
+            <a:ext cx="1553940" cy="677108"/>
           </a:xfrm>
           <a:prstGeom prst="rect">
             <a:avLst/>
@@ -16883,17 +18061,7 @@
                 <a:latin typeface="LM Roman 10" pitchFamily="2" charset="77"/>
                 <a:cs typeface="Didot" panose="02000503000000020003" pitchFamily="2" charset="-79"/>
               </a:rPr>
-              <a:t>konzeptuell/</a:t>
-            </a:r>
-          </a:p>
-          <a:p>
-            <a:pPr algn="ctr"/>
-            <a:r>
-              <a:rPr lang="de-DE" sz="1100" dirty="0">
-                <a:latin typeface="LM Roman 10" pitchFamily="2" charset="77"/>
-                <a:cs typeface="Didot" panose="02000503000000020003" pitchFamily="2" charset="-79"/>
-              </a:rPr>
-              <a:t>symbolisch</a:t>
+              <a:t>konzeptuell</a:t>
             </a:r>
             <a:endParaRPr lang="en-US" sz="1100" dirty="0">
               <a:latin typeface="LM Roman 10" pitchFamily="2" charset="77"/>
@@ -16907,7 +18075,7 @@
           <p:cNvPr id="53" name="TextBox 52">
             <a:extLst>
               <a:ext uri="{FF2B5EF4-FFF2-40B4-BE49-F238E27FC236}">
-                <a16:creationId xmlns:a16="http://schemas.microsoft.com/office/drawing/2014/main" id="{029917AF-EE12-5D28-5562-0A98D90EB631}"/>
+                <a16:creationId xmlns:a16="http://schemas.microsoft.com/office/drawing/2014/main" id="{587DAB2B-A778-4441-19C3-14F17353E58B}"/>
               </a:ext>
             </a:extLst>
           </p:cNvPr>
@@ -16916,7 +18084,7 @@
         </p:nvSpPr>
         <p:spPr>
           <a:xfrm>
-            <a:off x="2929617" y="4146382"/>
+            <a:off x="2929619" y="4146384"/>
             <a:ext cx="1667307" cy="307777"/>
           </a:xfrm>
           <a:prstGeom prst="rect">
@@ -16951,7 +18119,7 @@
           <p:cNvPr id="54" name="TextBox 53">
             <a:extLst>
               <a:ext uri="{FF2B5EF4-FFF2-40B4-BE49-F238E27FC236}">
-                <a16:creationId xmlns:a16="http://schemas.microsoft.com/office/drawing/2014/main" id="{F4BF1643-F037-D0A5-7CD6-FB9BDE02E33D}"/>
+                <a16:creationId xmlns:a16="http://schemas.microsoft.com/office/drawing/2014/main" id="{93028E80-700D-4728-27C3-1256EB6055D1}"/>
               </a:ext>
             </a:extLst>
           </p:cNvPr>
@@ -16960,7 +18128,7 @@
         </p:nvSpPr>
         <p:spPr>
           <a:xfrm>
-            <a:off x="4140586" y="3038327"/>
+            <a:off x="4140586" y="3038329"/>
             <a:ext cx="2211702" cy="307777"/>
           </a:xfrm>
           <a:prstGeom prst="rect">
@@ -16995,7 +18163,7 @@
           <p:cNvPr id="55" name="TextBox 54">
             <a:extLst>
               <a:ext uri="{FF2B5EF4-FFF2-40B4-BE49-F238E27FC236}">
-                <a16:creationId xmlns:a16="http://schemas.microsoft.com/office/drawing/2014/main" id="{826285A5-86AB-FFF9-F41D-E2FDA68CD35F}"/>
+                <a16:creationId xmlns:a16="http://schemas.microsoft.com/office/drawing/2014/main" id="{F007B554-A86F-3556-0A38-60AAD3D42C6F}"/>
               </a:ext>
             </a:extLst>
           </p:cNvPr>
@@ -17004,7 +18172,7 @@
         </p:nvSpPr>
         <p:spPr>
           <a:xfrm>
-            <a:off x="8944560" y="3672231"/>
+            <a:off x="8944562" y="3672233"/>
             <a:ext cx="1761541" cy="307777"/>
           </a:xfrm>
           <a:prstGeom prst="rect">
@@ -17039,7 +18207,7 @@
           <p:cNvPr id="56" name="TextBox 55">
             <a:extLst>
               <a:ext uri="{FF2B5EF4-FFF2-40B4-BE49-F238E27FC236}">
-                <a16:creationId xmlns:a16="http://schemas.microsoft.com/office/drawing/2014/main" id="{E1454FA1-25A8-7B63-A728-B46473330DD8}"/>
+                <a16:creationId xmlns:a16="http://schemas.microsoft.com/office/drawing/2014/main" id="{5551AEC0-48A5-8169-4953-85A466D462AC}"/>
               </a:ext>
             </a:extLst>
           </p:cNvPr>
@@ -17083,7 +18251,7 @@
           <p:cNvPr id="2" name="Connector: Curved 19">
             <a:extLst>
               <a:ext uri="{FF2B5EF4-FFF2-40B4-BE49-F238E27FC236}">
-                <a16:creationId xmlns:a16="http://schemas.microsoft.com/office/drawing/2014/main" id="{79AD504F-1947-BB8D-D92A-C6FFAA276207}"/>
+                <a16:creationId xmlns:a16="http://schemas.microsoft.com/office/drawing/2014/main" id="{EDCB36B6-2E2F-55F8-1B67-F2DC10D2E8BA}"/>
               </a:ext>
             </a:extLst>
           </p:cNvPr>
@@ -17127,7 +18295,7 @@
           <p:cNvPr id="3" name="TextBox 52">
             <a:extLst>
               <a:ext uri="{FF2B5EF4-FFF2-40B4-BE49-F238E27FC236}">
-                <a16:creationId xmlns:a16="http://schemas.microsoft.com/office/drawing/2014/main" id="{D5A8C5B0-BC37-0A64-9412-8C506A465311}"/>
+                <a16:creationId xmlns:a16="http://schemas.microsoft.com/office/drawing/2014/main" id="{91DDB661-7A68-0F0E-73ED-276707191A22}"/>
               </a:ext>
             </a:extLst>
           </p:cNvPr>
@@ -17136,7 +18304,7 @@
         </p:nvSpPr>
         <p:spPr>
           <a:xfrm>
-            <a:off x="1072543" y="5677641"/>
+            <a:off x="1072545" y="5677643"/>
             <a:ext cx="2110495" cy="307777"/>
           </a:xfrm>
           <a:prstGeom prst="rect">
@@ -17171,7 +18339,7 @@
           <p:cNvPr id="16" name="Textfeld 15">
             <a:extLst>
               <a:ext uri="{FF2B5EF4-FFF2-40B4-BE49-F238E27FC236}">
-                <a16:creationId xmlns:a16="http://schemas.microsoft.com/office/drawing/2014/main" id="{F0D1B2F8-9C8B-292F-AA60-FD23A1D1C222}"/>
+                <a16:creationId xmlns:a16="http://schemas.microsoft.com/office/drawing/2014/main" id="{0C39C86E-A65E-B422-CC1A-2FEABAB05BAF}"/>
               </a:ext>
             </a:extLst>
           </p:cNvPr>
@@ -17210,7 +18378,7 @@
           <p:cNvPr id="6" name="Textfeld 5">
             <a:extLst>
               <a:ext uri="{FF2B5EF4-FFF2-40B4-BE49-F238E27FC236}">
-                <a16:creationId xmlns:a16="http://schemas.microsoft.com/office/drawing/2014/main" id="{C28DF3AD-FC15-E9FD-04C1-7AE7A0610C4E}"/>
+                <a16:creationId xmlns:a16="http://schemas.microsoft.com/office/drawing/2014/main" id="{4E946D91-F826-0D76-FCB4-FBDF4EC450DA}"/>
               </a:ext>
             </a:extLst>
           </p:cNvPr>
@@ -17246,10 +18414,518 @@
       </p:sp>
       <p:sp>
         <p:nvSpPr>
-          <p:cNvPr id="11" name="Rectangle: Rounded Corners 6">
-            <a:extLst>
-              <a:ext uri="{FF2B5EF4-FFF2-40B4-BE49-F238E27FC236}">
-                <a16:creationId xmlns:a16="http://schemas.microsoft.com/office/drawing/2014/main" id="{40294711-0727-6CDB-B10A-CA55D562D150}"/>
+          <p:cNvPr id="17" name="Rechteck 16">
+            <a:extLst>
+              <a:ext uri="{FF2B5EF4-FFF2-40B4-BE49-F238E27FC236}">
+                <a16:creationId xmlns:a16="http://schemas.microsoft.com/office/drawing/2014/main" id="{608D1E1F-1A60-549D-6E9D-4947CC5DC797}"/>
+              </a:ext>
+            </a:extLst>
+          </p:cNvPr>
+          <p:cNvSpPr/>
+          <p:nvPr/>
+        </p:nvSpPr>
+        <p:spPr>
+          <a:xfrm>
+            <a:off x="6310542" y="497627"/>
+            <a:ext cx="2000973" cy="895323"/>
+          </a:xfrm>
+          <a:prstGeom prst="rect">
+            <a:avLst/>
+          </a:prstGeom>
+          <a:noFill/>
+          <a:ln w="28575">
+            <a:solidFill>
+              <a:srgbClr val="8CD000"/>
+            </a:solidFill>
+          </a:ln>
+        </p:spPr>
+        <p:style>
+          <a:lnRef idx="2">
+            <a:schemeClr val="accent6"/>
+          </a:lnRef>
+          <a:fillRef idx="1">
+            <a:schemeClr val="lt1"/>
+          </a:fillRef>
+          <a:effectRef idx="0">
+            <a:schemeClr val="accent6"/>
+          </a:effectRef>
+          <a:fontRef idx="minor">
+            <a:schemeClr val="dk1"/>
+          </a:fontRef>
+        </p:style>
+        <p:txBody>
+          <a:bodyPr rtlCol="0" anchor="ctr"/>
+          <a:lstStyle/>
+          <a:p>
+            <a:pPr algn="ctr"/>
+            <a:r>
+              <a:rPr lang="de-DE" dirty="0">
+                <a:solidFill>
+                  <a:srgbClr val="8CD000"/>
+                </a:solidFill>
+                <a:latin typeface="LM Roman 10" pitchFamily="2" charset="77"/>
+              </a:rPr>
+              <a:t>Nützlichkeits-einschätzung</a:t>
+            </a:r>
+          </a:p>
+        </p:txBody>
+      </p:sp>
+      <p:cxnSp>
+        <p:nvCxnSpPr>
+          <p:cNvPr id="18" name="Gerade Verbindung mit Pfeil 17">
+            <a:extLst>
+              <a:ext uri="{FF2B5EF4-FFF2-40B4-BE49-F238E27FC236}">
+                <a16:creationId xmlns:a16="http://schemas.microsoft.com/office/drawing/2014/main" id="{DAE91218-0B41-01BF-BBFA-8F61AF6FA74A}"/>
+              </a:ext>
+            </a:extLst>
+          </p:cNvPr>
+          <p:cNvCxnSpPr>
+            <a:cxnSpLocks/>
+            <a:stCxn id="17" idx="2"/>
+          </p:cNvCxnSpPr>
+          <p:nvPr/>
+        </p:nvCxnSpPr>
+        <p:spPr>
+          <a:xfrm flipH="1">
+            <a:off x="5648565" y="1392950"/>
+            <a:ext cx="1662462" cy="1216525"/>
+          </a:xfrm>
+          <a:prstGeom prst="straightConnector1">
+            <a:avLst/>
+          </a:prstGeom>
+          <a:ln w="28575">
+            <a:solidFill>
+              <a:srgbClr val="8CD000"/>
+            </a:solidFill>
+            <a:prstDash val="dash"/>
+            <a:tailEnd type="triangle"/>
+          </a:ln>
+        </p:spPr>
+        <p:style>
+          <a:lnRef idx="1">
+            <a:schemeClr val="accent1"/>
+          </a:lnRef>
+          <a:fillRef idx="0">
+            <a:schemeClr val="accent1"/>
+          </a:fillRef>
+          <a:effectRef idx="0">
+            <a:schemeClr val="accent1"/>
+          </a:effectRef>
+          <a:fontRef idx="minor">
+            <a:schemeClr val="tx1"/>
+          </a:fontRef>
+        </p:style>
+      </p:cxnSp>
+      <p:cxnSp>
+        <p:nvCxnSpPr>
+          <p:cNvPr id="19" name="Gerade Verbindung mit Pfeil 18">
+            <a:extLst>
+              <a:ext uri="{FF2B5EF4-FFF2-40B4-BE49-F238E27FC236}">
+                <a16:creationId xmlns:a16="http://schemas.microsoft.com/office/drawing/2014/main" id="{67D58773-EFD1-1D8B-B8EC-AD97B4133EE9}"/>
+              </a:ext>
+            </a:extLst>
+          </p:cNvPr>
+          <p:cNvCxnSpPr>
+            <a:cxnSpLocks/>
+            <a:stCxn id="17" idx="2"/>
+            <a:endCxn id="56" idx="1"/>
+          </p:cNvCxnSpPr>
+          <p:nvPr/>
+        </p:nvCxnSpPr>
+        <p:spPr>
+          <a:xfrm>
+            <a:off x="7311029" y="1392950"/>
+            <a:ext cx="781564" cy="1111164"/>
+          </a:xfrm>
+          <a:prstGeom prst="straightConnector1">
+            <a:avLst/>
+          </a:prstGeom>
+          <a:ln w="28575">
+            <a:solidFill>
+              <a:srgbClr val="8CD000"/>
+            </a:solidFill>
+            <a:prstDash val="dash"/>
+            <a:tailEnd type="triangle"/>
+          </a:ln>
+        </p:spPr>
+        <p:style>
+          <a:lnRef idx="1">
+            <a:schemeClr val="accent1"/>
+          </a:lnRef>
+          <a:fillRef idx="0">
+            <a:schemeClr val="accent1"/>
+          </a:fillRef>
+          <a:effectRef idx="0">
+            <a:schemeClr val="accent1"/>
+          </a:effectRef>
+          <a:fontRef idx="minor">
+            <a:schemeClr val="tx1"/>
+          </a:fontRef>
+        </p:style>
+      </p:cxnSp>
+      <p:cxnSp>
+        <p:nvCxnSpPr>
+          <p:cNvPr id="9" name="Gerade Verbindung mit Pfeil 8">
+            <a:extLst>
+              <a:ext uri="{FF2B5EF4-FFF2-40B4-BE49-F238E27FC236}">
+                <a16:creationId xmlns:a16="http://schemas.microsoft.com/office/drawing/2014/main" id="{6FA06495-4FA1-973A-1778-8E334FE9B761}"/>
+              </a:ext>
+            </a:extLst>
+          </p:cNvPr>
+          <p:cNvCxnSpPr>
+            <a:cxnSpLocks/>
+            <a:stCxn id="24" idx="2"/>
+          </p:cNvCxnSpPr>
+          <p:nvPr/>
+        </p:nvCxnSpPr>
+        <p:spPr>
+          <a:xfrm>
+            <a:off x="4835889" y="1389103"/>
+            <a:ext cx="732979" cy="1295730"/>
+          </a:xfrm>
+          <a:prstGeom prst="straightConnector1">
+            <a:avLst/>
+          </a:prstGeom>
+          <a:ln w="28575">
+            <a:solidFill>
+              <a:srgbClr val="8CD000"/>
+            </a:solidFill>
+            <a:prstDash val="dash"/>
+            <a:tailEnd type="triangle"/>
+          </a:ln>
+        </p:spPr>
+        <p:style>
+          <a:lnRef idx="1">
+            <a:schemeClr val="accent1"/>
+          </a:lnRef>
+          <a:fillRef idx="0">
+            <a:schemeClr val="accent1"/>
+          </a:fillRef>
+          <a:effectRef idx="0">
+            <a:schemeClr val="accent1"/>
+          </a:effectRef>
+          <a:fontRef idx="minor">
+            <a:schemeClr val="tx1"/>
+          </a:fontRef>
+        </p:style>
+      </p:cxnSp>
+      <p:sp>
+        <p:nvSpPr>
+          <p:cNvPr id="24" name="Rechteck 23">
+            <a:extLst>
+              <a:ext uri="{FF2B5EF4-FFF2-40B4-BE49-F238E27FC236}">
+                <a16:creationId xmlns:a16="http://schemas.microsoft.com/office/drawing/2014/main" id="{B03CBC14-02E6-2006-6F7A-16D28ADD9D66}"/>
+              </a:ext>
+            </a:extLst>
+          </p:cNvPr>
+          <p:cNvSpPr/>
+          <p:nvPr/>
+        </p:nvSpPr>
+        <p:spPr>
+          <a:xfrm>
+            <a:off x="3835402" y="493782"/>
+            <a:ext cx="2000973" cy="895323"/>
+          </a:xfrm>
+          <a:prstGeom prst="rect">
+            <a:avLst/>
+          </a:prstGeom>
+          <a:noFill/>
+          <a:ln w="28575">
+            <a:solidFill>
+              <a:srgbClr val="8CD000"/>
+            </a:solidFill>
+          </a:ln>
+        </p:spPr>
+        <p:style>
+          <a:lnRef idx="2">
+            <a:schemeClr val="accent6"/>
+          </a:lnRef>
+          <a:fillRef idx="1">
+            <a:schemeClr val="lt1"/>
+          </a:fillRef>
+          <a:effectRef idx="0">
+            <a:schemeClr val="accent6"/>
+          </a:effectRef>
+          <a:fontRef idx="minor">
+            <a:schemeClr val="dk1"/>
+          </a:fontRef>
+        </p:style>
+        <p:txBody>
+          <a:bodyPr rtlCol="0" anchor="ctr"/>
+          <a:lstStyle/>
+          <a:p>
+            <a:pPr algn="ctr"/>
+            <a:r>
+              <a:rPr lang="de-DE" dirty="0">
+                <a:solidFill>
+                  <a:srgbClr val="8CD000"/>
+                </a:solidFill>
+                <a:latin typeface="LM Roman 10" pitchFamily="2" charset="77"/>
+              </a:rPr>
+              <a:t>Aufbereitung der Evidenz</a:t>
+            </a:r>
+          </a:p>
+        </p:txBody>
+      </p:sp>
+      <p:cxnSp>
+        <p:nvCxnSpPr>
+          <p:cNvPr id="25" name="Gerade Verbindung mit Pfeil 24">
+            <a:extLst>
+              <a:ext uri="{FF2B5EF4-FFF2-40B4-BE49-F238E27FC236}">
+                <a16:creationId xmlns:a16="http://schemas.microsoft.com/office/drawing/2014/main" id="{ACFE9D5E-936C-99F3-46A4-D7488007CA6E}"/>
+              </a:ext>
+            </a:extLst>
+          </p:cNvPr>
+          <p:cNvCxnSpPr>
+            <a:cxnSpLocks/>
+            <a:stCxn id="24" idx="2"/>
+          </p:cNvCxnSpPr>
+          <p:nvPr/>
+        </p:nvCxnSpPr>
+        <p:spPr>
+          <a:xfrm>
+            <a:off x="4835887" y="1389105"/>
+            <a:ext cx="3256706" cy="1115011"/>
+          </a:xfrm>
+          <a:prstGeom prst="straightConnector1">
+            <a:avLst/>
+          </a:prstGeom>
+          <a:ln w="28575">
+            <a:solidFill>
+              <a:srgbClr val="8CD000"/>
+            </a:solidFill>
+            <a:prstDash val="dash"/>
+            <a:tailEnd type="triangle"/>
+          </a:ln>
+        </p:spPr>
+        <p:style>
+          <a:lnRef idx="1">
+            <a:schemeClr val="accent1"/>
+          </a:lnRef>
+          <a:fillRef idx="0">
+            <a:schemeClr val="accent1"/>
+          </a:fillRef>
+          <a:effectRef idx="0">
+            <a:schemeClr val="accent1"/>
+          </a:effectRef>
+          <a:fontRef idx="minor">
+            <a:schemeClr val="tx1"/>
+          </a:fontRef>
+        </p:style>
+      </p:cxnSp>
+      <p:cxnSp>
+        <p:nvCxnSpPr>
+          <p:cNvPr id="28" name="Gerade Verbindung mit Pfeil 27">
+            <a:extLst>
+              <a:ext uri="{FF2B5EF4-FFF2-40B4-BE49-F238E27FC236}">
+                <a16:creationId xmlns:a16="http://schemas.microsoft.com/office/drawing/2014/main" id="{746BABF6-A958-660C-A0BF-6DE0C4791FC2}"/>
+              </a:ext>
+            </a:extLst>
+          </p:cNvPr>
+          <p:cNvCxnSpPr>
+            <a:cxnSpLocks/>
+            <a:stCxn id="29" idx="2"/>
+          </p:cNvCxnSpPr>
+          <p:nvPr/>
+        </p:nvCxnSpPr>
+        <p:spPr>
+          <a:xfrm>
+            <a:off x="3930104" y="2339418"/>
+            <a:ext cx="1638762" cy="432962"/>
+          </a:xfrm>
+          <a:prstGeom prst="straightConnector1">
+            <a:avLst/>
+          </a:prstGeom>
+          <a:ln w="28575">
+            <a:solidFill>
+              <a:srgbClr val="8CD000"/>
+            </a:solidFill>
+            <a:prstDash val="dash"/>
+            <a:tailEnd type="triangle"/>
+          </a:ln>
+        </p:spPr>
+        <p:style>
+          <a:lnRef idx="1">
+            <a:schemeClr val="accent1"/>
+          </a:lnRef>
+          <a:fillRef idx="0">
+            <a:schemeClr val="accent1"/>
+          </a:fillRef>
+          <a:effectRef idx="0">
+            <a:schemeClr val="accent1"/>
+          </a:effectRef>
+          <a:fontRef idx="minor">
+            <a:schemeClr val="tx1"/>
+          </a:fontRef>
+        </p:style>
+      </p:cxnSp>
+      <p:sp>
+        <p:nvSpPr>
+          <p:cNvPr id="29" name="Rechteck 28">
+            <a:extLst>
+              <a:ext uri="{FF2B5EF4-FFF2-40B4-BE49-F238E27FC236}">
+                <a16:creationId xmlns:a16="http://schemas.microsoft.com/office/drawing/2014/main" id="{6EA267F4-BA55-D09C-2863-1DE13AFEDCF4}"/>
+              </a:ext>
+            </a:extLst>
+          </p:cNvPr>
+          <p:cNvSpPr/>
+          <p:nvPr/>
+        </p:nvSpPr>
+        <p:spPr>
+          <a:xfrm>
+            <a:off x="2929619" y="1444097"/>
+            <a:ext cx="2000973" cy="895323"/>
+          </a:xfrm>
+          <a:prstGeom prst="rect">
+            <a:avLst/>
+          </a:prstGeom>
+          <a:noFill/>
+          <a:ln w="28575">
+            <a:solidFill>
+              <a:srgbClr val="8CD000"/>
+            </a:solidFill>
+          </a:ln>
+        </p:spPr>
+        <p:style>
+          <a:lnRef idx="2">
+            <a:schemeClr val="accent6"/>
+          </a:lnRef>
+          <a:fillRef idx="1">
+            <a:schemeClr val="lt1"/>
+          </a:fillRef>
+          <a:effectRef idx="0">
+            <a:schemeClr val="accent6"/>
+          </a:effectRef>
+          <a:fontRef idx="minor">
+            <a:schemeClr val="dk1"/>
+          </a:fontRef>
+        </p:style>
+        <p:txBody>
+          <a:bodyPr rtlCol="0" anchor="ctr"/>
+          <a:lstStyle/>
+          <a:p>
+            <a:pPr algn="ctr"/>
+            <a:r>
+              <a:rPr lang="de-DE" dirty="0">
+                <a:solidFill>
+                  <a:srgbClr val="8CD000"/>
+                </a:solidFill>
+                <a:latin typeface="LM Roman 10" pitchFamily="2" charset="77"/>
+              </a:rPr>
+              <a:t>Forschungs-methodisches Wissen  </a:t>
+            </a:r>
+          </a:p>
+        </p:txBody>
+      </p:sp>
+      <p:cxnSp>
+        <p:nvCxnSpPr>
+          <p:cNvPr id="30" name="Gerade Verbindung mit Pfeil 29">
+            <a:extLst>
+              <a:ext uri="{FF2B5EF4-FFF2-40B4-BE49-F238E27FC236}">
+                <a16:creationId xmlns:a16="http://schemas.microsoft.com/office/drawing/2014/main" id="{23ECB488-2303-B7AA-619C-A050D151594C}"/>
+              </a:ext>
+            </a:extLst>
+          </p:cNvPr>
+          <p:cNvCxnSpPr>
+            <a:cxnSpLocks/>
+          </p:cNvCxnSpPr>
+          <p:nvPr/>
+        </p:nvCxnSpPr>
+        <p:spPr>
+          <a:xfrm>
+            <a:off x="2929619" y="3124154"/>
+            <a:ext cx="905783" cy="692471"/>
+          </a:xfrm>
+          <a:prstGeom prst="straightConnector1">
+            <a:avLst/>
+          </a:prstGeom>
+          <a:ln w="28575">
+            <a:solidFill>
+              <a:srgbClr val="8CD000"/>
+            </a:solidFill>
+            <a:prstDash val="dash"/>
+            <a:tailEnd type="triangle"/>
+          </a:ln>
+        </p:spPr>
+        <p:style>
+          <a:lnRef idx="1">
+            <a:schemeClr val="accent1"/>
+          </a:lnRef>
+          <a:fillRef idx="0">
+            <a:schemeClr val="accent1"/>
+          </a:fillRef>
+          <a:effectRef idx="0">
+            <a:schemeClr val="accent1"/>
+          </a:effectRef>
+          <a:fontRef idx="minor">
+            <a:schemeClr val="tx1"/>
+          </a:fontRef>
+        </p:style>
+      </p:cxnSp>
+      <p:sp>
+        <p:nvSpPr>
+          <p:cNvPr id="31" name="Rechteck 30">
+            <a:extLst>
+              <a:ext uri="{FF2B5EF4-FFF2-40B4-BE49-F238E27FC236}">
+                <a16:creationId xmlns:a16="http://schemas.microsoft.com/office/drawing/2014/main" id="{E0F47FE2-1B73-689E-6882-C8AFF0414D1A}"/>
+              </a:ext>
+            </a:extLst>
+          </p:cNvPr>
+          <p:cNvSpPr/>
+          <p:nvPr/>
+        </p:nvSpPr>
+        <p:spPr>
+          <a:xfrm>
+            <a:off x="1485900" y="2619338"/>
+            <a:ext cx="1876697" cy="504814"/>
+          </a:xfrm>
+          <a:prstGeom prst="rect">
+            <a:avLst/>
+          </a:prstGeom>
+          <a:noFill/>
+          <a:ln w="28575">
+            <a:solidFill>
+              <a:srgbClr val="8CD000"/>
+            </a:solidFill>
+          </a:ln>
+        </p:spPr>
+        <p:style>
+          <a:lnRef idx="2">
+            <a:schemeClr val="accent6"/>
+          </a:lnRef>
+          <a:fillRef idx="1">
+            <a:schemeClr val="lt1"/>
+          </a:fillRef>
+          <a:effectRef idx="0">
+            <a:schemeClr val="accent6"/>
+          </a:effectRef>
+          <a:fontRef idx="minor">
+            <a:schemeClr val="dk1"/>
+          </a:fontRef>
+        </p:style>
+        <p:txBody>
+          <a:bodyPr rtlCol="0" anchor="ctr"/>
+          <a:lstStyle/>
+          <a:p>
+            <a:pPr algn="ctr"/>
+            <a:r>
+              <a:rPr lang="de-DE" dirty="0">
+                <a:solidFill>
+                  <a:srgbClr val="8CD000"/>
+                </a:solidFill>
+                <a:latin typeface="LM Roman 10" pitchFamily="2" charset="77"/>
+              </a:rPr>
+              <a:t>Zugänglichkeit der Evidenz </a:t>
+            </a:r>
+          </a:p>
+        </p:txBody>
+      </p:sp>
+      <p:sp>
+        <p:nvSpPr>
+          <p:cNvPr id="33" name="Rectangle: Rounded Corners 6">
+            <a:extLst>
+              <a:ext uri="{FF2B5EF4-FFF2-40B4-BE49-F238E27FC236}">
+                <a16:creationId xmlns:a16="http://schemas.microsoft.com/office/drawing/2014/main" id="{CAD68ECE-BF63-4C9B-0205-ED42301CE280}"/>
               </a:ext>
             </a:extLst>
           </p:cNvPr>
@@ -17267,7 +18943,7 @@
             </a:avLst>
           </a:prstGeom>
           <a:noFill/>
-          <a:ln>
+          <a:ln w="28575">
             <a:solidFill>
               <a:srgbClr val="8CD000"/>
             </a:solidFill>
@@ -17416,625 +19092,12 @@
           </a:p>
         </p:txBody>
       </p:sp>
-      <p:cxnSp>
-        <p:nvCxnSpPr>
-          <p:cNvPr id="4" name="Gerade Verbindung mit Pfeil 3">
-            <a:extLst>
-              <a:ext uri="{FF2B5EF4-FFF2-40B4-BE49-F238E27FC236}">
-                <a16:creationId xmlns:a16="http://schemas.microsoft.com/office/drawing/2014/main" id="{0B9A5665-D14E-835C-DBDD-A4A0BC536BC5}"/>
-              </a:ext>
-            </a:extLst>
-          </p:cNvPr>
-          <p:cNvCxnSpPr>
-            <a:cxnSpLocks/>
-          </p:cNvCxnSpPr>
-          <p:nvPr/>
-        </p:nvCxnSpPr>
-        <p:spPr>
-          <a:xfrm>
-            <a:off x="2929617" y="3124152"/>
-            <a:ext cx="905783" cy="692471"/>
-          </a:xfrm>
-          <a:prstGeom prst="straightConnector1">
-            <a:avLst/>
-          </a:prstGeom>
-          <a:ln w="28575">
-            <a:solidFill>
-              <a:srgbClr val="8CD000"/>
-            </a:solidFill>
-            <a:prstDash val="dash"/>
-            <a:tailEnd type="triangle"/>
-          </a:ln>
-        </p:spPr>
-        <p:style>
-          <a:lnRef idx="1">
-            <a:schemeClr val="accent1"/>
-          </a:lnRef>
-          <a:fillRef idx="0">
-            <a:schemeClr val="accent1"/>
-          </a:fillRef>
-          <a:effectRef idx="0">
-            <a:schemeClr val="accent1"/>
-          </a:effectRef>
-          <a:fontRef idx="minor">
-            <a:schemeClr val="tx1"/>
-          </a:fontRef>
-        </p:style>
-      </p:cxnSp>
-      <p:sp>
-        <p:nvSpPr>
-          <p:cNvPr id="5" name="Rechteck 4">
-            <a:extLst>
-              <a:ext uri="{FF2B5EF4-FFF2-40B4-BE49-F238E27FC236}">
-                <a16:creationId xmlns:a16="http://schemas.microsoft.com/office/drawing/2014/main" id="{4EF3413E-4E39-9018-782D-B176619CBC29}"/>
-              </a:ext>
-            </a:extLst>
-          </p:cNvPr>
-          <p:cNvSpPr/>
-          <p:nvPr/>
-        </p:nvSpPr>
-        <p:spPr>
-          <a:xfrm>
-            <a:off x="1485898" y="2619338"/>
-            <a:ext cx="1876697" cy="504814"/>
-          </a:xfrm>
-          <a:prstGeom prst="rect">
-            <a:avLst/>
-          </a:prstGeom>
-          <a:noFill/>
-          <a:ln>
-            <a:solidFill>
-              <a:srgbClr val="8CD000"/>
-            </a:solidFill>
-          </a:ln>
-        </p:spPr>
-        <p:style>
-          <a:lnRef idx="2">
-            <a:schemeClr val="accent6"/>
-          </a:lnRef>
-          <a:fillRef idx="1">
-            <a:schemeClr val="lt1"/>
-          </a:fillRef>
-          <a:effectRef idx="0">
-            <a:schemeClr val="accent6"/>
-          </a:effectRef>
-          <a:fontRef idx="minor">
-            <a:schemeClr val="dk1"/>
-          </a:fontRef>
-        </p:style>
-        <p:txBody>
-          <a:bodyPr rtlCol="0" anchor="ctr"/>
-          <a:lstStyle/>
-          <a:p>
-            <a:pPr algn="ctr"/>
-            <a:r>
-              <a:rPr lang="de-DE" sz="1600" dirty="0">
-                <a:solidFill>
-                  <a:srgbClr val="8CD000"/>
-                </a:solidFill>
-                <a:latin typeface="LM Roman 10" pitchFamily="2" charset="77"/>
-              </a:rPr>
-              <a:t>Zugänglichkeit der Evidenz </a:t>
-            </a:r>
-          </a:p>
-        </p:txBody>
-      </p:sp>
-      <p:cxnSp>
-        <p:nvCxnSpPr>
-          <p:cNvPr id="7" name="Gerade Verbindung mit Pfeil 6">
-            <a:extLst>
-              <a:ext uri="{FF2B5EF4-FFF2-40B4-BE49-F238E27FC236}">
-                <a16:creationId xmlns:a16="http://schemas.microsoft.com/office/drawing/2014/main" id="{D4D65A27-51C0-6681-193A-3BE734072CEB}"/>
-              </a:ext>
-            </a:extLst>
-          </p:cNvPr>
-          <p:cNvCxnSpPr>
-            <a:cxnSpLocks/>
-            <a:stCxn id="8" idx="2"/>
-          </p:cNvCxnSpPr>
-          <p:nvPr/>
-        </p:nvCxnSpPr>
-        <p:spPr>
-          <a:xfrm>
-            <a:off x="3700611" y="2377630"/>
-            <a:ext cx="1815826" cy="369332"/>
-          </a:xfrm>
-          <a:prstGeom prst="straightConnector1">
-            <a:avLst/>
-          </a:prstGeom>
-          <a:ln w="28575">
-            <a:solidFill>
-              <a:srgbClr val="8CD000"/>
-            </a:solidFill>
-            <a:prstDash val="dash"/>
-            <a:tailEnd type="triangle"/>
-          </a:ln>
-        </p:spPr>
-        <p:style>
-          <a:lnRef idx="1">
-            <a:schemeClr val="accent1"/>
-          </a:lnRef>
-          <a:fillRef idx="0">
-            <a:schemeClr val="accent1"/>
-          </a:fillRef>
-          <a:effectRef idx="0">
-            <a:schemeClr val="accent1"/>
-          </a:effectRef>
-          <a:fontRef idx="minor">
-            <a:schemeClr val="tx1"/>
-          </a:fontRef>
-        </p:style>
-      </p:cxnSp>
-      <p:sp>
-        <p:nvSpPr>
-          <p:cNvPr id="8" name="Rechteck 7">
-            <a:extLst>
-              <a:ext uri="{FF2B5EF4-FFF2-40B4-BE49-F238E27FC236}">
-                <a16:creationId xmlns:a16="http://schemas.microsoft.com/office/drawing/2014/main" id="{B41CB0C5-1630-6703-A66C-7BA5A9B0AB6C}"/>
-              </a:ext>
-            </a:extLst>
-          </p:cNvPr>
-          <p:cNvSpPr/>
-          <p:nvPr/>
-        </p:nvSpPr>
-        <p:spPr>
-          <a:xfrm>
-            <a:off x="2700124" y="1482307"/>
-            <a:ext cx="2000973" cy="895323"/>
-          </a:xfrm>
-          <a:prstGeom prst="rect">
-            <a:avLst/>
-          </a:prstGeom>
-          <a:noFill/>
-          <a:ln>
-            <a:solidFill>
-              <a:srgbClr val="8CD000"/>
-            </a:solidFill>
-          </a:ln>
-        </p:spPr>
-        <p:style>
-          <a:lnRef idx="2">
-            <a:schemeClr val="accent6"/>
-          </a:lnRef>
-          <a:fillRef idx="1">
-            <a:schemeClr val="lt1"/>
-          </a:fillRef>
-          <a:effectRef idx="0">
-            <a:schemeClr val="accent6"/>
-          </a:effectRef>
-          <a:fontRef idx="minor">
-            <a:schemeClr val="dk1"/>
-          </a:fontRef>
-        </p:style>
-        <p:txBody>
-          <a:bodyPr rtlCol="0" anchor="ctr"/>
-          <a:lstStyle/>
-          <a:p>
-            <a:pPr algn="ctr"/>
-            <a:r>
-              <a:rPr lang="de-DE" sz="1600" dirty="0">
-                <a:solidFill>
-                  <a:srgbClr val="8CD000"/>
-                </a:solidFill>
-                <a:latin typeface="LM Roman 10" pitchFamily="2" charset="77"/>
-              </a:rPr>
-              <a:t>Forschungs-methodisches Wissen  </a:t>
-            </a:r>
-          </a:p>
-        </p:txBody>
-      </p:sp>
-      <p:cxnSp>
-        <p:nvCxnSpPr>
-          <p:cNvPr id="10" name="Gerade Verbindung mit Pfeil 9">
-            <a:extLst>
-              <a:ext uri="{FF2B5EF4-FFF2-40B4-BE49-F238E27FC236}">
-                <a16:creationId xmlns:a16="http://schemas.microsoft.com/office/drawing/2014/main" id="{13EAB5CD-CDA9-2CBF-3306-0872CF2448F8}"/>
-              </a:ext>
-            </a:extLst>
-          </p:cNvPr>
-          <p:cNvCxnSpPr>
-            <a:cxnSpLocks/>
-            <a:stCxn id="12" idx="2"/>
-          </p:cNvCxnSpPr>
-          <p:nvPr/>
-        </p:nvCxnSpPr>
-        <p:spPr>
-          <a:xfrm>
-            <a:off x="4835887" y="1389103"/>
-            <a:ext cx="732979" cy="1295730"/>
-          </a:xfrm>
-          <a:prstGeom prst="straightConnector1">
-            <a:avLst/>
-          </a:prstGeom>
-          <a:ln w="28575">
-            <a:solidFill>
-              <a:srgbClr val="8CD000"/>
-            </a:solidFill>
-            <a:prstDash val="dash"/>
-            <a:tailEnd type="triangle"/>
-          </a:ln>
-        </p:spPr>
-        <p:style>
-          <a:lnRef idx="1">
-            <a:schemeClr val="accent1"/>
-          </a:lnRef>
-          <a:fillRef idx="0">
-            <a:schemeClr val="accent1"/>
-          </a:fillRef>
-          <a:effectRef idx="0">
-            <a:schemeClr val="accent1"/>
-          </a:effectRef>
-          <a:fontRef idx="minor">
-            <a:schemeClr val="tx1"/>
-          </a:fontRef>
-        </p:style>
-      </p:cxnSp>
-      <p:sp>
-        <p:nvSpPr>
-          <p:cNvPr id="12" name="Rechteck 11">
-            <a:extLst>
-              <a:ext uri="{FF2B5EF4-FFF2-40B4-BE49-F238E27FC236}">
-                <a16:creationId xmlns:a16="http://schemas.microsoft.com/office/drawing/2014/main" id="{E3CBC785-E3F3-5CFB-04DF-66D79FA17D0F}"/>
-              </a:ext>
-            </a:extLst>
-          </p:cNvPr>
-          <p:cNvSpPr/>
-          <p:nvPr/>
-        </p:nvSpPr>
-        <p:spPr>
-          <a:xfrm>
-            <a:off x="3835400" y="493780"/>
-            <a:ext cx="2000973" cy="895323"/>
-          </a:xfrm>
-          <a:prstGeom prst="rect">
-            <a:avLst/>
-          </a:prstGeom>
-          <a:noFill/>
-          <a:ln>
-            <a:solidFill>
-              <a:srgbClr val="8CD000"/>
-            </a:solidFill>
-          </a:ln>
-        </p:spPr>
-        <p:style>
-          <a:lnRef idx="2">
-            <a:schemeClr val="accent6"/>
-          </a:lnRef>
-          <a:fillRef idx="1">
-            <a:schemeClr val="lt1"/>
-          </a:fillRef>
-          <a:effectRef idx="0">
-            <a:schemeClr val="accent6"/>
-          </a:effectRef>
-          <a:fontRef idx="minor">
-            <a:schemeClr val="dk1"/>
-          </a:fontRef>
-        </p:style>
-        <p:txBody>
-          <a:bodyPr rtlCol="0" anchor="ctr"/>
-          <a:lstStyle/>
-          <a:p>
-            <a:pPr algn="ctr"/>
-            <a:r>
-              <a:rPr lang="de-DE" sz="1600" dirty="0">
-                <a:solidFill>
-                  <a:srgbClr val="8CD000"/>
-                </a:solidFill>
-                <a:latin typeface="LM Roman 10" pitchFamily="2" charset="77"/>
-              </a:rPr>
-              <a:t>Aufbereitung der Evidenz</a:t>
-            </a:r>
-          </a:p>
-        </p:txBody>
-      </p:sp>
-      <p:cxnSp>
-        <p:nvCxnSpPr>
-          <p:cNvPr id="21" name="Gerade Verbindung mit Pfeil 20">
-            <a:extLst>
-              <a:ext uri="{FF2B5EF4-FFF2-40B4-BE49-F238E27FC236}">
-                <a16:creationId xmlns:a16="http://schemas.microsoft.com/office/drawing/2014/main" id="{F3E2E4AD-038F-B708-0BE1-2769D70D9FCE}"/>
-              </a:ext>
-            </a:extLst>
-          </p:cNvPr>
-          <p:cNvCxnSpPr>
-            <a:cxnSpLocks/>
-            <a:stCxn id="12" idx="2"/>
-            <a:endCxn id="56" idx="1"/>
-          </p:cNvCxnSpPr>
-          <p:nvPr/>
-        </p:nvCxnSpPr>
-        <p:spPr>
-          <a:xfrm>
-            <a:off x="4835887" y="1389103"/>
-            <a:ext cx="3256706" cy="1115011"/>
-          </a:xfrm>
-          <a:prstGeom prst="straightConnector1">
-            <a:avLst/>
-          </a:prstGeom>
-          <a:ln w="28575">
-            <a:solidFill>
-              <a:srgbClr val="8CD000"/>
-            </a:solidFill>
-            <a:prstDash val="dash"/>
-            <a:tailEnd type="triangle"/>
-          </a:ln>
-        </p:spPr>
-        <p:style>
-          <a:lnRef idx="1">
-            <a:schemeClr val="accent1"/>
-          </a:lnRef>
-          <a:fillRef idx="0">
-            <a:schemeClr val="accent1"/>
-          </a:fillRef>
-          <a:effectRef idx="0">
-            <a:schemeClr val="accent1"/>
-          </a:effectRef>
-          <a:fontRef idx="minor">
-            <a:schemeClr val="tx1"/>
-          </a:fontRef>
-        </p:style>
-      </p:cxnSp>
-      <p:sp>
-        <p:nvSpPr>
-          <p:cNvPr id="17" name="Rechteck 16">
-            <a:extLst>
-              <a:ext uri="{FF2B5EF4-FFF2-40B4-BE49-F238E27FC236}">
-                <a16:creationId xmlns:a16="http://schemas.microsoft.com/office/drawing/2014/main" id="{484E729E-94B9-674D-B2E2-8713213A27D9}"/>
-              </a:ext>
-            </a:extLst>
-          </p:cNvPr>
-          <p:cNvSpPr/>
-          <p:nvPr/>
-        </p:nvSpPr>
-        <p:spPr>
-          <a:xfrm>
-            <a:off x="6310540" y="497625"/>
-            <a:ext cx="2000973" cy="895323"/>
-          </a:xfrm>
-          <a:prstGeom prst="rect">
-            <a:avLst/>
-          </a:prstGeom>
-          <a:noFill/>
-          <a:ln>
-            <a:solidFill>
-              <a:srgbClr val="8CD000"/>
-            </a:solidFill>
-          </a:ln>
-        </p:spPr>
-        <p:style>
-          <a:lnRef idx="2">
-            <a:schemeClr val="accent6"/>
-          </a:lnRef>
-          <a:fillRef idx="1">
-            <a:schemeClr val="lt1"/>
-          </a:fillRef>
-          <a:effectRef idx="0">
-            <a:schemeClr val="accent6"/>
-          </a:effectRef>
-          <a:fontRef idx="minor">
-            <a:schemeClr val="dk1"/>
-          </a:fontRef>
-        </p:style>
-        <p:txBody>
-          <a:bodyPr rtlCol="0" anchor="ctr"/>
-          <a:lstStyle/>
-          <a:p>
-            <a:pPr algn="ctr"/>
-            <a:r>
-              <a:rPr lang="de-DE" sz="1600" dirty="0">
-                <a:solidFill>
-                  <a:srgbClr val="8CD000"/>
-                </a:solidFill>
-                <a:latin typeface="LM Roman 10" pitchFamily="2" charset="77"/>
-              </a:rPr>
-              <a:t>Nützlichkeits-einschätzung</a:t>
-            </a:r>
-          </a:p>
-        </p:txBody>
-      </p:sp>
-      <p:cxnSp>
-        <p:nvCxnSpPr>
-          <p:cNvPr id="18" name="Gerade Verbindung mit Pfeil 17">
-            <a:extLst>
-              <a:ext uri="{FF2B5EF4-FFF2-40B4-BE49-F238E27FC236}">
-                <a16:creationId xmlns:a16="http://schemas.microsoft.com/office/drawing/2014/main" id="{76784926-0515-4201-A5B7-7BA78F3F35BA}"/>
-              </a:ext>
-            </a:extLst>
-          </p:cNvPr>
-          <p:cNvCxnSpPr>
-            <a:cxnSpLocks/>
-            <a:stCxn id="17" idx="2"/>
-          </p:cNvCxnSpPr>
-          <p:nvPr/>
-        </p:nvCxnSpPr>
-        <p:spPr>
-          <a:xfrm flipH="1">
-            <a:off x="5648565" y="1392948"/>
-            <a:ext cx="1662462" cy="1216525"/>
-          </a:xfrm>
-          <a:prstGeom prst="straightConnector1">
-            <a:avLst/>
-          </a:prstGeom>
-          <a:ln w="28575">
-            <a:solidFill>
-              <a:srgbClr val="8CD000"/>
-            </a:solidFill>
-            <a:prstDash val="dash"/>
-            <a:tailEnd type="triangle"/>
-          </a:ln>
-        </p:spPr>
-        <p:style>
-          <a:lnRef idx="1">
-            <a:schemeClr val="accent1"/>
-          </a:lnRef>
-          <a:fillRef idx="0">
-            <a:schemeClr val="accent1"/>
-          </a:fillRef>
-          <a:effectRef idx="0">
-            <a:schemeClr val="accent1"/>
-          </a:effectRef>
-          <a:fontRef idx="minor">
-            <a:schemeClr val="tx1"/>
-          </a:fontRef>
-        </p:style>
-      </p:cxnSp>
-      <p:cxnSp>
-        <p:nvCxnSpPr>
-          <p:cNvPr id="19" name="Gerade Verbindung mit Pfeil 18">
-            <a:extLst>
-              <a:ext uri="{FF2B5EF4-FFF2-40B4-BE49-F238E27FC236}">
-                <a16:creationId xmlns:a16="http://schemas.microsoft.com/office/drawing/2014/main" id="{D8774B2D-F9AA-AA3A-075A-1640672F7A84}"/>
-              </a:ext>
-            </a:extLst>
-          </p:cNvPr>
-          <p:cNvCxnSpPr>
-            <a:cxnSpLocks/>
-            <a:stCxn id="17" idx="2"/>
-            <a:endCxn id="56" idx="1"/>
-          </p:cNvCxnSpPr>
-          <p:nvPr/>
-        </p:nvCxnSpPr>
-        <p:spPr>
-          <a:xfrm>
-            <a:off x="7311027" y="1392948"/>
-            <a:ext cx="781566" cy="1111166"/>
-          </a:xfrm>
-          <a:prstGeom prst="straightConnector1">
-            <a:avLst/>
-          </a:prstGeom>
-          <a:ln w="28575">
-            <a:solidFill>
-              <a:srgbClr val="8CD000"/>
-            </a:solidFill>
-            <a:prstDash val="dash"/>
-            <a:tailEnd type="triangle"/>
-          </a:ln>
-        </p:spPr>
-        <p:style>
-          <a:lnRef idx="1">
-            <a:schemeClr val="accent1"/>
-          </a:lnRef>
-          <a:fillRef idx="0">
-            <a:schemeClr val="accent1"/>
-          </a:fillRef>
-          <a:effectRef idx="0">
-            <a:schemeClr val="accent1"/>
-          </a:effectRef>
-          <a:fontRef idx="minor">
-            <a:schemeClr val="tx1"/>
-          </a:fontRef>
-        </p:style>
-      </p:cxnSp>
-      <p:sp>
-        <p:nvSpPr>
-          <p:cNvPr id="25" name="Rechteck 24">
-            <a:extLst>
-              <a:ext uri="{FF2B5EF4-FFF2-40B4-BE49-F238E27FC236}">
-                <a16:creationId xmlns:a16="http://schemas.microsoft.com/office/drawing/2014/main" id="{298CA8F1-328B-0C16-8ABD-A15F48B998FD}"/>
-              </a:ext>
-            </a:extLst>
-          </p:cNvPr>
-          <p:cNvSpPr/>
-          <p:nvPr/>
-        </p:nvSpPr>
-        <p:spPr>
-          <a:xfrm>
-            <a:off x="8642593" y="488645"/>
-            <a:ext cx="2000973" cy="895323"/>
-          </a:xfrm>
-          <a:prstGeom prst="rect">
-            <a:avLst/>
-          </a:prstGeom>
-          <a:noFill/>
-          <a:ln>
-            <a:solidFill>
-              <a:srgbClr val="8CD000"/>
-            </a:solidFill>
-          </a:ln>
-        </p:spPr>
-        <p:style>
-          <a:lnRef idx="2">
-            <a:schemeClr val="accent6"/>
-          </a:lnRef>
-          <a:fillRef idx="1">
-            <a:schemeClr val="lt1"/>
-          </a:fillRef>
-          <a:effectRef idx="0">
-            <a:schemeClr val="accent6"/>
-          </a:effectRef>
-          <a:fontRef idx="minor">
-            <a:schemeClr val="dk1"/>
-          </a:fontRef>
-        </p:style>
-        <p:txBody>
-          <a:bodyPr rtlCol="0" anchor="ctr"/>
-          <a:lstStyle/>
-          <a:p>
-            <a:pPr algn="ctr"/>
-            <a:r>
-              <a:rPr lang="de-DE" sz="1600" dirty="0">
-                <a:solidFill>
-                  <a:srgbClr val="8CD000"/>
-                </a:solidFill>
-                <a:latin typeface="LM Roman 10" pitchFamily="2" charset="77"/>
-              </a:rPr>
-              <a:t>Reflexionsfähigkeit</a:t>
-            </a:r>
-          </a:p>
-        </p:txBody>
-      </p:sp>
-      <p:cxnSp>
-        <p:nvCxnSpPr>
-          <p:cNvPr id="28" name="Gerade Verbindung mit Pfeil 27">
-            <a:extLst>
-              <a:ext uri="{FF2B5EF4-FFF2-40B4-BE49-F238E27FC236}">
-                <a16:creationId xmlns:a16="http://schemas.microsoft.com/office/drawing/2014/main" id="{77FBB7EA-94EC-77BE-030E-DBA26ECCCDD0}"/>
-              </a:ext>
-            </a:extLst>
-          </p:cNvPr>
-          <p:cNvCxnSpPr>
-            <a:cxnSpLocks/>
-            <a:stCxn id="25" idx="2"/>
-          </p:cNvCxnSpPr>
-          <p:nvPr/>
-        </p:nvCxnSpPr>
-        <p:spPr>
-          <a:xfrm flipH="1">
-            <a:off x="8566760" y="1383968"/>
-            <a:ext cx="1076320" cy="1135738"/>
-          </a:xfrm>
-          <a:prstGeom prst="straightConnector1">
-            <a:avLst/>
-          </a:prstGeom>
-          <a:ln w="28575">
-            <a:solidFill>
-              <a:srgbClr val="8CD000"/>
-            </a:solidFill>
-            <a:prstDash val="dash"/>
-            <a:tailEnd type="triangle"/>
-          </a:ln>
-        </p:spPr>
-        <p:style>
-          <a:lnRef idx="1">
-            <a:schemeClr val="accent1"/>
-          </a:lnRef>
-          <a:fillRef idx="0">
-            <a:schemeClr val="accent1"/>
-          </a:fillRef>
-          <a:effectRef idx="0">
-            <a:schemeClr val="accent1"/>
-          </a:effectRef>
-          <a:fontRef idx="minor">
-            <a:schemeClr val="tx1"/>
-          </a:fontRef>
-        </p:style>
-      </p:cxnSp>
-      <p:sp>
-        <p:nvSpPr>
-          <p:cNvPr id="22" name="Rechteck 21">
-            <a:extLst>
-              <a:ext uri="{FF2B5EF4-FFF2-40B4-BE49-F238E27FC236}">
-                <a16:creationId xmlns:a16="http://schemas.microsoft.com/office/drawing/2014/main" id="{CD030D41-8A94-7323-EC31-A899D484F2FB}"/>
+      <p:sp>
+        <p:nvSpPr>
+          <p:cNvPr id="35" name="Rechteck 34">
+            <a:extLst>
+              <a:ext uri="{FF2B5EF4-FFF2-40B4-BE49-F238E27FC236}">
+                <a16:creationId xmlns:a16="http://schemas.microsoft.com/office/drawing/2014/main" id="{B05C41E3-1BEA-3BC9-835E-3391399BB1D0}"/>
               </a:ext>
             </a:extLst>
           </p:cNvPr>
@@ -18052,7 +19115,7 @@
           <a:solidFill>
             <a:srgbClr val="F2F2F2"/>
           </a:solidFill>
-          <a:ln>
+          <a:ln w="28575">
             <a:solidFill>
               <a:srgbClr val="8CD000"/>
             </a:solidFill>
@@ -18078,7 +19141,7 @@
           <a:p>
             <a:pPr algn="ctr"/>
             <a:r>
-              <a:rPr lang="de-DE" sz="1600" dirty="0">
+              <a:rPr lang="de-DE" dirty="0">
                 <a:solidFill>
                   <a:srgbClr val="8CD000"/>
                 </a:solidFill>
@@ -18092,7 +19155,7 @@
     </p:spTree>
     <p:extLst>
       <p:ext uri="{BB962C8B-B14F-4D97-AF65-F5344CB8AC3E}">
-        <p14:creationId xmlns:p14="http://schemas.microsoft.com/office/powerpoint/2010/main" val="3059774748"/>
+        <p14:creationId xmlns:p14="http://schemas.microsoft.com/office/powerpoint/2010/main" val="40612020"/>
       </p:ext>
     </p:extLst>
   </p:cSld>
@@ -18103,7 +19166,7 @@
 </file>
 
 <file path=ppt/slides/slide7.xml><?xml version="1.0" encoding="utf-8"?>
-<p:sld xmlns:a="http://schemas.openxmlformats.org/drawingml/2006/main" xmlns:r="http://schemas.openxmlformats.org/officeDocument/2006/relationships" xmlns:p="http://schemas.openxmlformats.org/presentationml/2006/main" show="0">
+<p:sld xmlns:a="http://schemas.openxmlformats.org/drawingml/2006/main" xmlns:r="http://schemas.openxmlformats.org/officeDocument/2006/relationships" xmlns:p="http://schemas.openxmlformats.org/presentationml/2006/main">
   <p:cSld>
     <p:spTree>
       <p:nvGrpSpPr>
@@ -18594,7 +19657,7 @@
         </p:nvCxnSpPr>
         <p:spPr>
           <a:xfrm flipV="1">
-            <a:off x="7651403" y="2688984"/>
+            <a:off x="7651405" y="2688986"/>
             <a:ext cx="1293157" cy="3929"/>
           </a:xfrm>
           <a:prstGeom prst="straightConnector1">
@@ -18640,7 +19703,7 @@
         </p:nvCxnSpPr>
         <p:spPr>
           <a:xfrm>
-            <a:off x="9759899" y="3066174"/>
+            <a:off x="9759899" y="3066176"/>
             <a:ext cx="0" cy="1496973"/>
           </a:xfrm>
           <a:prstGeom prst="straightConnector1">
@@ -18686,7 +19749,7 @@
         </p:nvCxnSpPr>
         <p:spPr>
           <a:xfrm flipH="1">
-            <a:off x="4390043" y="4940336"/>
+            <a:off x="4390045" y="4940336"/>
             <a:ext cx="4554517" cy="0"/>
           </a:xfrm>
           <a:prstGeom prst="straightConnector1">
@@ -18819,7 +19882,7 @@
         <p:spPr>
           <a:xfrm>
             <a:off x="8983950" y="2270072"/>
-            <a:ext cx="1553940" cy="854080"/>
+            <a:ext cx="1553940" cy="677108"/>
           </a:xfrm>
           <a:prstGeom prst="rect">
             <a:avLst/>
@@ -18861,23 +19924,13 @@
           <a:p>
             <a:pPr algn="ctr"/>
             <a:r>
-              <a:rPr lang="de-DE" sz="1100" dirty="0">
+              <a:rPr lang="de-DE" sz="1100">
                 <a:latin typeface="LM Roman 10" pitchFamily="2" charset="77"/>
                 <a:cs typeface="Didot" panose="02000503000000020003" pitchFamily="2" charset="-79"/>
               </a:rPr>
-              <a:t>konzeptuell/</a:t>
-            </a:r>
-          </a:p>
-          <a:p>
-            <a:pPr algn="ctr"/>
-            <a:r>
-              <a:rPr lang="de-DE" sz="1100" dirty="0">
-                <a:latin typeface="LM Roman 10" pitchFamily="2" charset="77"/>
-                <a:cs typeface="Didot" panose="02000503000000020003" pitchFamily="2" charset="-79"/>
-              </a:rPr>
-              <a:t>symbolisch</a:t>
-            </a:r>
-            <a:endParaRPr lang="en-US" sz="1100" dirty="0">
+              <a:t>konzeptuell</a:t>
+            </a:r>
+            <a:endParaRPr lang="de-DE" sz="1100" dirty="0">
               <a:latin typeface="LM Roman 10" pitchFamily="2" charset="77"/>
               <a:cs typeface="Didot" panose="02000503000000020003" pitchFamily="2" charset="-79"/>
             </a:endParaRPr>
@@ -18898,7 +19951,7 @@
         </p:nvSpPr>
         <p:spPr>
           <a:xfrm>
-            <a:off x="2929617" y="4146382"/>
+            <a:off x="2929619" y="4146384"/>
             <a:ext cx="1667307" cy="307777"/>
           </a:xfrm>
           <a:prstGeom prst="rect">
@@ -18942,7 +19995,7 @@
         </p:nvSpPr>
         <p:spPr>
           <a:xfrm>
-            <a:off x="4140586" y="3038327"/>
+            <a:off x="4140586" y="3038329"/>
             <a:ext cx="2211702" cy="307777"/>
           </a:xfrm>
           <a:prstGeom prst="rect">
@@ -18986,7 +20039,7 @@
         </p:nvSpPr>
         <p:spPr>
           <a:xfrm>
-            <a:off x="8944560" y="3672231"/>
+            <a:off x="8944562" y="3672233"/>
             <a:ext cx="1761541" cy="307777"/>
           </a:xfrm>
           <a:prstGeom prst="rect">
@@ -19118,7 +20171,7 @@
         </p:nvSpPr>
         <p:spPr>
           <a:xfrm>
-            <a:off x="1072543" y="5677641"/>
+            <a:off x="1072545" y="5677643"/>
             <a:ext cx="2110495" cy="307777"/>
           </a:xfrm>
           <a:prstGeom prst="rect">
@@ -19228,10 +20281,621 @@
       </p:sp>
       <p:sp>
         <p:nvSpPr>
-          <p:cNvPr id="11" name="Rectangle: Rounded Corners 6">
-            <a:extLst>
-              <a:ext uri="{FF2B5EF4-FFF2-40B4-BE49-F238E27FC236}">
-                <a16:creationId xmlns:a16="http://schemas.microsoft.com/office/drawing/2014/main" id="{40294711-0727-6CDB-B10A-CA55D562D150}"/>
+          <p:cNvPr id="25" name="Rechteck 24">
+            <a:extLst>
+              <a:ext uri="{FF2B5EF4-FFF2-40B4-BE49-F238E27FC236}">
+                <a16:creationId xmlns:a16="http://schemas.microsoft.com/office/drawing/2014/main" id="{298CA8F1-328B-0C16-8ABD-A15F48B998FD}"/>
+              </a:ext>
+            </a:extLst>
+          </p:cNvPr>
+          <p:cNvSpPr/>
+          <p:nvPr/>
+        </p:nvSpPr>
+        <p:spPr>
+          <a:xfrm>
+            <a:off x="8642595" y="488647"/>
+            <a:ext cx="2000973" cy="895323"/>
+          </a:xfrm>
+          <a:prstGeom prst="rect">
+            <a:avLst/>
+          </a:prstGeom>
+          <a:noFill/>
+          <a:ln w="28575">
+            <a:solidFill>
+              <a:srgbClr val="8CD000"/>
+            </a:solidFill>
+          </a:ln>
+        </p:spPr>
+        <p:style>
+          <a:lnRef idx="2">
+            <a:schemeClr val="accent6"/>
+          </a:lnRef>
+          <a:fillRef idx="1">
+            <a:schemeClr val="lt1"/>
+          </a:fillRef>
+          <a:effectRef idx="0">
+            <a:schemeClr val="accent6"/>
+          </a:effectRef>
+          <a:fontRef idx="minor">
+            <a:schemeClr val="dk1"/>
+          </a:fontRef>
+        </p:style>
+        <p:txBody>
+          <a:bodyPr rtlCol="0" anchor="ctr"/>
+          <a:lstStyle/>
+          <a:p>
+            <a:pPr algn="ctr"/>
+            <a:r>
+              <a:rPr lang="de-DE" dirty="0">
+                <a:solidFill>
+                  <a:srgbClr val="8CD000"/>
+                </a:solidFill>
+                <a:latin typeface="LM Roman 10" pitchFamily="2" charset="77"/>
+              </a:rPr>
+              <a:t>Reflexions-fähigkeit</a:t>
+            </a:r>
+          </a:p>
+        </p:txBody>
+      </p:sp>
+      <p:cxnSp>
+        <p:nvCxnSpPr>
+          <p:cNvPr id="28" name="Gerade Verbindung mit Pfeil 27">
+            <a:extLst>
+              <a:ext uri="{FF2B5EF4-FFF2-40B4-BE49-F238E27FC236}">
+                <a16:creationId xmlns:a16="http://schemas.microsoft.com/office/drawing/2014/main" id="{77FBB7EA-94EC-77BE-030E-DBA26ECCCDD0}"/>
+              </a:ext>
+            </a:extLst>
+          </p:cNvPr>
+          <p:cNvCxnSpPr>
+            <a:cxnSpLocks/>
+            <a:stCxn id="25" idx="2"/>
+          </p:cNvCxnSpPr>
+          <p:nvPr/>
+        </p:nvCxnSpPr>
+        <p:spPr>
+          <a:xfrm flipH="1">
+            <a:off x="8566760" y="1383968"/>
+            <a:ext cx="1076320" cy="1135738"/>
+          </a:xfrm>
+          <a:prstGeom prst="straightConnector1">
+            <a:avLst/>
+          </a:prstGeom>
+          <a:ln w="28575">
+            <a:solidFill>
+              <a:srgbClr val="8CD000"/>
+            </a:solidFill>
+            <a:prstDash val="dash"/>
+            <a:tailEnd type="triangle"/>
+          </a:ln>
+        </p:spPr>
+        <p:style>
+          <a:lnRef idx="1">
+            <a:schemeClr val="accent1"/>
+          </a:lnRef>
+          <a:fillRef idx="0">
+            <a:schemeClr val="accent1"/>
+          </a:fillRef>
+          <a:effectRef idx="0">
+            <a:schemeClr val="accent1"/>
+          </a:effectRef>
+          <a:fontRef idx="minor">
+            <a:schemeClr val="tx1"/>
+          </a:fontRef>
+        </p:style>
+      </p:cxnSp>
+      <p:sp>
+        <p:nvSpPr>
+          <p:cNvPr id="24" name="Rechteck 23">
+            <a:extLst>
+              <a:ext uri="{FF2B5EF4-FFF2-40B4-BE49-F238E27FC236}">
+                <a16:creationId xmlns:a16="http://schemas.microsoft.com/office/drawing/2014/main" id="{F962324C-1CE1-2AC7-4423-6F3AE1949A8A}"/>
+              </a:ext>
+            </a:extLst>
+          </p:cNvPr>
+          <p:cNvSpPr/>
+          <p:nvPr/>
+        </p:nvSpPr>
+        <p:spPr>
+          <a:xfrm>
+            <a:off x="6310542" y="497627"/>
+            <a:ext cx="2000973" cy="895323"/>
+          </a:xfrm>
+          <a:prstGeom prst="rect">
+            <a:avLst/>
+          </a:prstGeom>
+          <a:noFill/>
+          <a:ln w="28575">
+            <a:solidFill>
+              <a:srgbClr val="8CD000"/>
+            </a:solidFill>
+          </a:ln>
+        </p:spPr>
+        <p:style>
+          <a:lnRef idx="2">
+            <a:schemeClr val="accent6"/>
+          </a:lnRef>
+          <a:fillRef idx="1">
+            <a:schemeClr val="lt1"/>
+          </a:fillRef>
+          <a:effectRef idx="0">
+            <a:schemeClr val="accent6"/>
+          </a:effectRef>
+          <a:fontRef idx="minor">
+            <a:schemeClr val="dk1"/>
+          </a:fontRef>
+        </p:style>
+        <p:txBody>
+          <a:bodyPr rtlCol="0" anchor="ctr"/>
+          <a:lstStyle/>
+          <a:p>
+            <a:pPr algn="ctr"/>
+            <a:r>
+              <a:rPr lang="de-DE" dirty="0">
+                <a:solidFill>
+                  <a:srgbClr val="8CD000"/>
+                </a:solidFill>
+                <a:latin typeface="LM Roman 10" pitchFamily="2" charset="77"/>
+              </a:rPr>
+              <a:t>Nützlichkeits-einschätzung</a:t>
+            </a:r>
+          </a:p>
+        </p:txBody>
+      </p:sp>
+      <p:cxnSp>
+        <p:nvCxnSpPr>
+          <p:cNvPr id="29" name="Gerade Verbindung mit Pfeil 28">
+            <a:extLst>
+              <a:ext uri="{FF2B5EF4-FFF2-40B4-BE49-F238E27FC236}">
+                <a16:creationId xmlns:a16="http://schemas.microsoft.com/office/drawing/2014/main" id="{83B3A701-07B8-83CC-EAD6-2554C5BCD0E4}"/>
+              </a:ext>
+            </a:extLst>
+          </p:cNvPr>
+          <p:cNvCxnSpPr>
+            <a:cxnSpLocks/>
+            <a:stCxn id="24" idx="2"/>
+          </p:cNvCxnSpPr>
+          <p:nvPr/>
+        </p:nvCxnSpPr>
+        <p:spPr>
+          <a:xfrm flipH="1">
+            <a:off x="5648565" y="1392950"/>
+            <a:ext cx="1662462" cy="1216525"/>
+          </a:xfrm>
+          <a:prstGeom prst="straightConnector1">
+            <a:avLst/>
+          </a:prstGeom>
+          <a:ln w="28575">
+            <a:solidFill>
+              <a:srgbClr val="8CD000"/>
+            </a:solidFill>
+            <a:prstDash val="dash"/>
+            <a:tailEnd type="triangle"/>
+          </a:ln>
+        </p:spPr>
+        <p:style>
+          <a:lnRef idx="1">
+            <a:schemeClr val="accent1"/>
+          </a:lnRef>
+          <a:fillRef idx="0">
+            <a:schemeClr val="accent1"/>
+          </a:fillRef>
+          <a:effectRef idx="0">
+            <a:schemeClr val="accent1"/>
+          </a:effectRef>
+          <a:fontRef idx="minor">
+            <a:schemeClr val="tx1"/>
+          </a:fontRef>
+        </p:style>
+      </p:cxnSp>
+      <p:cxnSp>
+        <p:nvCxnSpPr>
+          <p:cNvPr id="30" name="Gerade Verbindung mit Pfeil 29">
+            <a:extLst>
+              <a:ext uri="{FF2B5EF4-FFF2-40B4-BE49-F238E27FC236}">
+                <a16:creationId xmlns:a16="http://schemas.microsoft.com/office/drawing/2014/main" id="{3A2AFABE-BCE1-CA85-D75E-1F203DFBFA33}"/>
+              </a:ext>
+            </a:extLst>
+          </p:cNvPr>
+          <p:cNvCxnSpPr>
+            <a:cxnSpLocks/>
+            <a:stCxn id="24" idx="2"/>
+          </p:cNvCxnSpPr>
+          <p:nvPr/>
+        </p:nvCxnSpPr>
+        <p:spPr>
+          <a:xfrm>
+            <a:off x="7311027" y="1392948"/>
+            <a:ext cx="781566" cy="1111166"/>
+          </a:xfrm>
+          <a:prstGeom prst="straightConnector1">
+            <a:avLst/>
+          </a:prstGeom>
+          <a:ln w="28575">
+            <a:solidFill>
+              <a:srgbClr val="8CD000"/>
+            </a:solidFill>
+            <a:prstDash val="dash"/>
+            <a:tailEnd type="triangle"/>
+          </a:ln>
+        </p:spPr>
+        <p:style>
+          <a:lnRef idx="1">
+            <a:schemeClr val="accent1"/>
+          </a:lnRef>
+          <a:fillRef idx="0">
+            <a:schemeClr val="accent1"/>
+          </a:fillRef>
+          <a:effectRef idx="0">
+            <a:schemeClr val="accent1"/>
+          </a:effectRef>
+          <a:fontRef idx="minor">
+            <a:schemeClr val="tx1"/>
+          </a:fontRef>
+        </p:style>
+      </p:cxnSp>
+      <p:cxnSp>
+        <p:nvCxnSpPr>
+          <p:cNvPr id="31" name="Gerade Verbindung mit Pfeil 30">
+            <a:extLst>
+              <a:ext uri="{FF2B5EF4-FFF2-40B4-BE49-F238E27FC236}">
+                <a16:creationId xmlns:a16="http://schemas.microsoft.com/office/drawing/2014/main" id="{BED717DC-6B53-D11B-D85D-49BD7B71E640}"/>
+              </a:ext>
+            </a:extLst>
+          </p:cNvPr>
+          <p:cNvCxnSpPr>
+            <a:cxnSpLocks/>
+            <a:stCxn id="33" idx="2"/>
+          </p:cNvCxnSpPr>
+          <p:nvPr/>
+        </p:nvCxnSpPr>
+        <p:spPr>
+          <a:xfrm>
+            <a:off x="4835889" y="1389103"/>
+            <a:ext cx="732979" cy="1295730"/>
+          </a:xfrm>
+          <a:prstGeom prst="straightConnector1">
+            <a:avLst/>
+          </a:prstGeom>
+          <a:ln w="28575">
+            <a:solidFill>
+              <a:srgbClr val="8CD000"/>
+            </a:solidFill>
+            <a:prstDash val="dash"/>
+            <a:tailEnd type="triangle"/>
+          </a:ln>
+        </p:spPr>
+        <p:style>
+          <a:lnRef idx="1">
+            <a:schemeClr val="accent1"/>
+          </a:lnRef>
+          <a:fillRef idx="0">
+            <a:schemeClr val="accent1"/>
+          </a:fillRef>
+          <a:effectRef idx="0">
+            <a:schemeClr val="accent1"/>
+          </a:effectRef>
+          <a:fontRef idx="minor">
+            <a:schemeClr val="tx1"/>
+          </a:fontRef>
+        </p:style>
+      </p:cxnSp>
+      <p:sp>
+        <p:nvSpPr>
+          <p:cNvPr id="33" name="Rechteck 32">
+            <a:extLst>
+              <a:ext uri="{FF2B5EF4-FFF2-40B4-BE49-F238E27FC236}">
+                <a16:creationId xmlns:a16="http://schemas.microsoft.com/office/drawing/2014/main" id="{7EC50A25-345F-FE1E-F174-CCFD2CC934FD}"/>
+              </a:ext>
+            </a:extLst>
+          </p:cNvPr>
+          <p:cNvSpPr/>
+          <p:nvPr/>
+        </p:nvSpPr>
+        <p:spPr>
+          <a:xfrm>
+            <a:off x="3835402" y="493782"/>
+            <a:ext cx="2000973" cy="895323"/>
+          </a:xfrm>
+          <a:prstGeom prst="rect">
+            <a:avLst/>
+          </a:prstGeom>
+          <a:noFill/>
+          <a:ln w="28575">
+            <a:solidFill>
+              <a:srgbClr val="8CD000"/>
+            </a:solidFill>
+          </a:ln>
+        </p:spPr>
+        <p:style>
+          <a:lnRef idx="2">
+            <a:schemeClr val="accent6"/>
+          </a:lnRef>
+          <a:fillRef idx="1">
+            <a:schemeClr val="lt1"/>
+          </a:fillRef>
+          <a:effectRef idx="0">
+            <a:schemeClr val="accent6"/>
+          </a:effectRef>
+          <a:fontRef idx="minor">
+            <a:schemeClr val="dk1"/>
+          </a:fontRef>
+        </p:style>
+        <p:txBody>
+          <a:bodyPr rtlCol="0" anchor="ctr"/>
+          <a:lstStyle/>
+          <a:p>
+            <a:pPr algn="ctr"/>
+            <a:r>
+              <a:rPr lang="de-DE" dirty="0">
+                <a:solidFill>
+                  <a:srgbClr val="8CD000"/>
+                </a:solidFill>
+                <a:latin typeface="LM Roman 10" pitchFamily="2" charset="77"/>
+              </a:rPr>
+              <a:t>Aufbereitung der Evidenz</a:t>
+            </a:r>
+          </a:p>
+        </p:txBody>
+      </p:sp>
+      <p:cxnSp>
+        <p:nvCxnSpPr>
+          <p:cNvPr id="35" name="Gerade Verbindung mit Pfeil 34">
+            <a:extLst>
+              <a:ext uri="{FF2B5EF4-FFF2-40B4-BE49-F238E27FC236}">
+                <a16:creationId xmlns:a16="http://schemas.microsoft.com/office/drawing/2014/main" id="{FC52C25F-E165-AD8E-1EAE-9932EC879885}"/>
+              </a:ext>
+            </a:extLst>
+          </p:cNvPr>
+          <p:cNvCxnSpPr>
+            <a:cxnSpLocks/>
+            <a:stCxn id="33" idx="2"/>
+          </p:cNvCxnSpPr>
+          <p:nvPr/>
+        </p:nvCxnSpPr>
+        <p:spPr>
+          <a:xfrm>
+            <a:off x="4835887" y="1389105"/>
+            <a:ext cx="3256706" cy="1115011"/>
+          </a:xfrm>
+          <a:prstGeom prst="straightConnector1">
+            <a:avLst/>
+          </a:prstGeom>
+          <a:ln w="28575">
+            <a:solidFill>
+              <a:srgbClr val="8CD000"/>
+            </a:solidFill>
+            <a:prstDash val="dash"/>
+            <a:tailEnd type="triangle"/>
+          </a:ln>
+        </p:spPr>
+        <p:style>
+          <a:lnRef idx="1">
+            <a:schemeClr val="accent1"/>
+          </a:lnRef>
+          <a:fillRef idx="0">
+            <a:schemeClr val="accent1"/>
+          </a:fillRef>
+          <a:effectRef idx="0">
+            <a:schemeClr val="accent1"/>
+          </a:effectRef>
+          <a:fontRef idx="minor">
+            <a:schemeClr val="tx1"/>
+          </a:fontRef>
+        </p:style>
+      </p:cxnSp>
+      <p:cxnSp>
+        <p:nvCxnSpPr>
+          <p:cNvPr id="36" name="Gerade Verbindung mit Pfeil 35">
+            <a:extLst>
+              <a:ext uri="{FF2B5EF4-FFF2-40B4-BE49-F238E27FC236}">
+                <a16:creationId xmlns:a16="http://schemas.microsoft.com/office/drawing/2014/main" id="{7B2B7628-7622-25AC-986E-DBC76A914B85}"/>
+              </a:ext>
+            </a:extLst>
+          </p:cNvPr>
+          <p:cNvCxnSpPr>
+            <a:cxnSpLocks/>
+            <a:stCxn id="38" idx="2"/>
+          </p:cNvCxnSpPr>
+          <p:nvPr/>
+        </p:nvCxnSpPr>
+        <p:spPr>
+          <a:xfrm>
+            <a:off x="3930104" y="2339418"/>
+            <a:ext cx="1638762" cy="432962"/>
+          </a:xfrm>
+          <a:prstGeom prst="straightConnector1">
+            <a:avLst/>
+          </a:prstGeom>
+          <a:ln w="28575">
+            <a:solidFill>
+              <a:srgbClr val="8CD000"/>
+            </a:solidFill>
+            <a:prstDash val="dash"/>
+            <a:tailEnd type="triangle"/>
+          </a:ln>
+        </p:spPr>
+        <p:style>
+          <a:lnRef idx="1">
+            <a:schemeClr val="accent1"/>
+          </a:lnRef>
+          <a:fillRef idx="0">
+            <a:schemeClr val="accent1"/>
+          </a:fillRef>
+          <a:effectRef idx="0">
+            <a:schemeClr val="accent1"/>
+          </a:effectRef>
+          <a:fontRef idx="minor">
+            <a:schemeClr val="tx1"/>
+          </a:fontRef>
+        </p:style>
+      </p:cxnSp>
+      <p:sp>
+        <p:nvSpPr>
+          <p:cNvPr id="38" name="Rechteck 37">
+            <a:extLst>
+              <a:ext uri="{FF2B5EF4-FFF2-40B4-BE49-F238E27FC236}">
+                <a16:creationId xmlns:a16="http://schemas.microsoft.com/office/drawing/2014/main" id="{74298D57-8657-9F20-1242-CF2A4344BE18}"/>
+              </a:ext>
+            </a:extLst>
+          </p:cNvPr>
+          <p:cNvSpPr/>
+          <p:nvPr/>
+        </p:nvSpPr>
+        <p:spPr>
+          <a:xfrm>
+            <a:off x="2929619" y="1444097"/>
+            <a:ext cx="2000973" cy="895323"/>
+          </a:xfrm>
+          <a:prstGeom prst="rect">
+            <a:avLst/>
+          </a:prstGeom>
+          <a:noFill/>
+          <a:ln w="28575">
+            <a:solidFill>
+              <a:srgbClr val="8CD000"/>
+            </a:solidFill>
+          </a:ln>
+        </p:spPr>
+        <p:style>
+          <a:lnRef idx="2">
+            <a:schemeClr val="accent6"/>
+          </a:lnRef>
+          <a:fillRef idx="1">
+            <a:schemeClr val="lt1"/>
+          </a:fillRef>
+          <a:effectRef idx="0">
+            <a:schemeClr val="accent6"/>
+          </a:effectRef>
+          <a:fontRef idx="minor">
+            <a:schemeClr val="dk1"/>
+          </a:fontRef>
+        </p:style>
+        <p:txBody>
+          <a:bodyPr rtlCol="0" anchor="ctr"/>
+          <a:lstStyle/>
+          <a:p>
+            <a:pPr algn="ctr"/>
+            <a:r>
+              <a:rPr lang="de-DE" dirty="0">
+                <a:solidFill>
+                  <a:srgbClr val="8CD000"/>
+                </a:solidFill>
+                <a:latin typeface="LM Roman 10" pitchFamily="2" charset="77"/>
+              </a:rPr>
+              <a:t>Forschungs-methodisches Wissen  </a:t>
+            </a:r>
+          </a:p>
+        </p:txBody>
+      </p:sp>
+      <p:cxnSp>
+        <p:nvCxnSpPr>
+          <p:cNvPr id="39" name="Gerade Verbindung mit Pfeil 38">
+            <a:extLst>
+              <a:ext uri="{FF2B5EF4-FFF2-40B4-BE49-F238E27FC236}">
+                <a16:creationId xmlns:a16="http://schemas.microsoft.com/office/drawing/2014/main" id="{1988648F-5343-E90C-A0C0-EA945761AC6A}"/>
+              </a:ext>
+            </a:extLst>
+          </p:cNvPr>
+          <p:cNvCxnSpPr>
+            <a:cxnSpLocks/>
+          </p:cNvCxnSpPr>
+          <p:nvPr/>
+        </p:nvCxnSpPr>
+        <p:spPr>
+          <a:xfrm>
+            <a:off x="2929619" y="3124154"/>
+            <a:ext cx="905783" cy="692471"/>
+          </a:xfrm>
+          <a:prstGeom prst="straightConnector1">
+            <a:avLst/>
+          </a:prstGeom>
+          <a:ln w="28575">
+            <a:solidFill>
+              <a:srgbClr val="8CD000"/>
+            </a:solidFill>
+            <a:prstDash val="dash"/>
+            <a:tailEnd type="triangle"/>
+          </a:ln>
+        </p:spPr>
+        <p:style>
+          <a:lnRef idx="1">
+            <a:schemeClr val="accent1"/>
+          </a:lnRef>
+          <a:fillRef idx="0">
+            <a:schemeClr val="accent1"/>
+          </a:fillRef>
+          <a:effectRef idx="0">
+            <a:schemeClr val="accent1"/>
+          </a:effectRef>
+          <a:fontRef idx="minor">
+            <a:schemeClr val="tx1"/>
+          </a:fontRef>
+        </p:style>
+      </p:cxnSp>
+      <p:sp>
+        <p:nvSpPr>
+          <p:cNvPr id="41" name="Rechteck 40">
+            <a:extLst>
+              <a:ext uri="{FF2B5EF4-FFF2-40B4-BE49-F238E27FC236}">
+                <a16:creationId xmlns:a16="http://schemas.microsoft.com/office/drawing/2014/main" id="{1AA76BF8-285C-3FFD-254D-4953182E4B61}"/>
+              </a:ext>
+            </a:extLst>
+          </p:cNvPr>
+          <p:cNvSpPr/>
+          <p:nvPr/>
+        </p:nvSpPr>
+        <p:spPr>
+          <a:xfrm>
+            <a:off x="1485900" y="2619338"/>
+            <a:ext cx="1876697" cy="504814"/>
+          </a:xfrm>
+          <a:prstGeom prst="rect">
+            <a:avLst/>
+          </a:prstGeom>
+          <a:noFill/>
+          <a:ln w="28575">
+            <a:solidFill>
+              <a:srgbClr val="8CD000"/>
+            </a:solidFill>
+          </a:ln>
+        </p:spPr>
+        <p:style>
+          <a:lnRef idx="2">
+            <a:schemeClr val="accent6"/>
+          </a:lnRef>
+          <a:fillRef idx="1">
+            <a:schemeClr val="lt1"/>
+          </a:fillRef>
+          <a:effectRef idx="0">
+            <a:schemeClr val="accent6"/>
+          </a:effectRef>
+          <a:fontRef idx="minor">
+            <a:schemeClr val="dk1"/>
+          </a:fontRef>
+        </p:style>
+        <p:txBody>
+          <a:bodyPr rtlCol="0" anchor="ctr"/>
+          <a:lstStyle/>
+          <a:p>
+            <a:pPr algn="ctr"/>
+            <a:r>
+              <a:rPr lang="de-DE" dirty="0">
+                <a:solidFill>
+                  <a:srgbClr val="8CD000"/>
+                </a:solidFill>
+                <a:latin typeface="LM Roman 10" pitchFamily="2" charset="77"/>
+              </a:rPr>
+              <a:t>Zugänglichkeit der Evidenz </a:t>
+            </a:r>
+          </a:p>
+        </p:txBody>
+      </p:sp>
+      <p:sp>
+        <p:nvSpPr>
+          <p:cNvPr id="42" name="Rectangle: Rounded Corners 6">
+            <a:extLst>
+              <a:ext uri="{FF2B5EF4-FFF2-40B4-BE49-F238E27FC236}">
+                <a16:creationId xmlns:a16="http://schemas.microsoft.com/office/drawing/2014/main" id="{8C2A9E89-ACFD-42C3-6D25-F010707FE095}"/>
               </a:ext>
             </a:extLst>
           </p:cNvPr>
@@ -19249,7 +20913,7 @@
             </a:avLst>
           </a:prstGeom>
           <a:noFill/>
-          <a:ln>
+          <a:ln w="28575">
             <a:solidFill>
               <a:srgbClr val="8CD000"/>
             </a:solidFill>
@@ -19400,10 +21064,10 @@
       </p:sp>
       <p:sp>
         <p:nvSpPr>
-          <p:cNvPr id="5" name="Rechteck 4">
-            <a:extLst>
-              <a:ext uri="{FF2B5EF4-FFF2-40B4-BE49-F238E27FC236}">
-                <a16:creationId xmlns:a16="http://schemas.microsoft.com/office/drawing/2014/main" id="{4EF3413E-4E39-9018-782D-B176619CBC29}"/>
+          <p:cNvPr id="44" name="Rechteck 43">
+            <a:extLst>
+              <a:ext uri="{FF2B5EF4-FFF2-40B4-BE49-F238E27FC236}">
+                <a16:creationId xmlns:a16="http://schemas.microsoft.com/office/drawing/2014/main" id="{6FD380FE-73ED-2328-9E29-7E5623157CFB}"/>
               </a:ext>
             </a:extLst>
           </p:cNvPr>
@@ -19412,297 +21076,7 @@
         </p:nvSpPr>
         <p:spPr>
           <a:xfrm>
-            <a:off x="8917972" y="1515410"/>
-            <a:ext cx="1876697" cy="504814"/>
-          </a:xfrm>
-          <a:prstGeom prst="rect">
-            <a:avLst/>
-          </a:prstGeom>
-          <a:noFill/>
-          <a:ln>
-            <a:solidFill>
-              <a:srgbClr val="8CD000"/>
-            </a:solidFill>
-          </a:ln>
-        </p:spPr>
-        <p:style>
-          <a:lnRef idx="2">
-            <a:schemeClr val="accent6"/>
-          </a:lnRef>
-          <a:fillRef idx="1">
-            <a:schemeClr val="lt1"/>
-          </a:fillRef>
-          <a:effectRef idx="0">
-            <a:schemeClr val="accent6"/>
-          </a:effectRef>
-          <a:fontRef idx="minor">
-            <a:schemeClr val="dk1"/>
-          </a:fontRef>
-        </p:style>
-        <p:txBody>
-          <a:bodyPr rtlCol="0" anchor="ctr"/>
-          <a:lstStyle/>
-          <a:p>
-            <a:pPr algn="ctr"/>
-            <a:r>
-              <a:rPr lang="de-DE" sz="1600" dirty="0">
-                <a:solidFill>
-                  <a:srgbClr val="8CD000"/>
-                </a:solidFill>
-                <a:latin typeface="LM Roman 10" pitchFamily="2" charset="77"/>
-              </a:rPr>
-              <a:t>Zugänglichkeit der Evidenz </a:t>
-            </a:r>
-          </a:p>
-        </p:txBody>
-      </p:sp>
-      <p:sp>
-        <p:nvSpPr>
-          <p:cNvPr id="8" name="Rechteck 7">
-            <a:extLst>
-              <a:ext uri="{FF2B5EF4-FFF2-40B4-BE49-F238E27FC236}">
-                <a16:creationId xmlns:a16="http://schemas.microsoft.com/office/drawing/2014/main" id="{B41CB0C5-1630-6703-A66C-7BA5A9B0AB6C}"/>
-              </a:ext>
-            </a:extLst>
-          </p:cNvPr>
-          <p:cNvSpPr/>
-          <p:nvPr/>
-        </p:nvSpPr>
-        <p:spPr>
-          <a:xfrm>
-            <a:off x="1460428" y="1264386"/>
-            <a:ext cx="2000973" cy="895323"/>
-          </a:xfrm>
-          <a:prstGeom prst="rect">
-            <a:avLst/>
-          </a:prstGeom>
-          <a:noFill/>
-          <a:ln>
-            <a:solidFill>
-              <a:srgbClr val="F2F2F2"/>
-            </a:solidFill>
-          </a:ln>
-        </p:spPr>
-        <p:style>
-          <a:lnRef idx="2">
-            <a:schemeClr val="accent6"/>
-          </a:lnRef>
-          <a:fillRef idx="1">
-            <a:schemeClr val="lt1"/>
-          </a:fillRef>
-          <a:effectRef idx="0">
-            <a:schemeClr val="accent6"/>
-          </a:effectRef>
-          <a:fontRef idx="minor">
-            <a:schemeClr val="dk1"/>
-          </a:fontRef>
-        </p:style>
-        <p:txBody>
-          <a:bodyPr rtlCol="0" anchor="ctr"/>
-          <a:lstStyle/>
-          <a:p>
-            <a:pPr algn="ctr"/>
-            <a:r>
-              <a:rPr lang="de-DE" sz="1600" dirty="0">
-                <a:solidFill>
-                  <a:srgbClr val="8CD000"/>
-                </a:solidFill>
-                <a:latin typeface="LM Roman 10" pitchFamily="2" charset="77"/>
-              </a:rPr>
-              <a:t>Forschungs-methodisches Wissen  </a:t>
-            </a:r>
-          </a:p>
-        </p:txBody>
-      </p:sp>
-      <p:sp>
-        <p:nvSpPr>
-          <p:cNvPr id="12" name="Rechteck 11">
-            <a:extLst>
-              <a:ext uri="{FF2B5EF4-FFF2-40B4-BE49-F238E27FC236}">
-                <a16:creationId xmlns:a16="http://schemas.microsoft.com/office/drawing/2014/main" id="{E3CBC785-E3F3-5CFB-04DF-66D79FA17D0F}"/>
-              </a:ext>
-            </a:extLst>
-          </p:cNvPr>
-          <p:cNvSpPr/>
-          <p:nvPr/>
-        </p:nvSpPr>
-        <p:spPr>
-          <a:xfrm>
-            <a:off x="8793696" y="621477"/>
-            <a:ext cx="2000973" cy="895323"/>
-          </a:xfrm>
-          <a:prstGeom prst="rect">
-            <a:avLst/>
-          </a:prstGeom>
-          <a:noFill/>
-          <a:ln>
-            <a:solidFill>
-              <a:srgbClr val="8CD000"/>
-            </a:solidFill>
-          </a:ln>
-        </p:spPr>
-        <p:style>
-          <a:lnRef idx="2">
-            <a:schemeClr val="accent6"/>
-          </a:lnRef>
-          <a:fillRef idx="1">
-            <a:schemeClr val="lt1"/>
-          </a:fillRef>
-          <a:effectRef idx="0">
-            <a:schemeClr val="accent6"/>
-          </a:effectRef>
-          <a:fontRef idx="minor">
-            <a:schemeClr val="dk1"/>
-          </a:fontRef>
-        </p:style>
-        <p:txBody>
-          <a:bodyPr rtlCol="0" anchor="ctr"/>
-          <a:lstStyle/>
-          <a:p>
-            <a:pPr algn="ctr"/>
-            <a:r>
-              <a:rPr lang="de-DE" sz="1600" dirty="0">
-                <a:solidFill>
-                  <a:srgbClr val="8CD000"/>
-                </a:solidFill>
-                <a:latin typeface="LM Roman 10" pitchFamily="2" charset="77"/>
-              </a:rPr>
-              <a:t>Aufbereitung der Evidenz</a:t>
-            </a:r>
-          </a:p>
-        </p:txBody>
-      </p:sp>
-      <p:sp>
-        <p:nvSpPr>
-          <p:cNvPr id="17" name="Rechteck 16">
-            <a:extLst>
-              <a:ext uri="{FF2B5EF4-FFF2-40B4-BE49-F238E27FC236}">
-                <a16:creationId xmlns:a16="http://schemas.microsoft.com/office/drawing/2014/main" id="{484E729E-94B9-674D-B2E2-8713213A27D9}"/>
-              </a:ext>
-            </a:extLst>
-          </p:cNvPr>
-          <p:cNvSpPr/>
-          <p:nvPr/>
-        </p:nvSpPr>
-        <p:spPr>
-          <a:xfrm>
-            <a:off x="1960130" y="540382"/>
-            <a:ext cx="2000973" cy="895323"/>
-          </a:xfrm>
-          <a:prstGeom prst="rect">
-            <a:avLst/>
-          </a:prstGeom>
-          <a:noFill/>
-          <a:ln>
-            <a:solidFill>
-              <a:srgbClr val="8CD000"/>
-            </a:solidFill>
-          </a:ln>
-        </p:spPr>
-        <p:style>
-          <a:lnRef idx="2">
-            <a:schemeClr val="accent6"/>
-          </a:lnRef>
-          <a:fillRef idx="1">
-            <a:schemeClr val="lt1"/>
-          </a:fillRef>
-          <a:effectRef idx="0">
-            <a:schemeClr val="accent6"/>
-          </a:effectRef>
-          <a:fontRef idx="minor">
-            <a:schemeClr val="dk1"/>
-          </a:fontRef>
-        </p:style>
-        <p:txBody>
-          <a:bodyPr rtlCol="0" anchor="ctr"/>
-          <a:lstStyle/>
-          <a:p>
-            <a:pPr algn="ctr"/>
-            <a:r>
-              <a:rPr lang="de-DE" sz="1600" dirty="0">
-                <a:solidFill>
-                  <a:srgbClr val="8CD000"/>
-                </a:solidFill>
-                <a:latin typeface="LM Roman 10" pitchFamily="2" charset="77"/>
-              </a:rPr>
-              <a:t>Nützlichkeits-einschätzung</a:t>
-            </a:r>
-          </a:p>
-        </p:txBody>
-      </p:sp>
-      <p:sp>
-        <p:nvSpPr>
-          <p:cNvPr id="25" name="Rechteck 24">
-            <a:extLst>
-              <a:ext uri="{FF2B5EF4-FFF2-40B4-BE49-F238E27FC236}">
-                <a16:creationId xmlns:a16="http://schemas.microsoft.com/office/drawing/2014/main" id="{298CA8F1-328B-0C16-8ABD-A15F48B998FD}"/>
-              </a:ext>
-            </a:extLst>
-          </p:cNvPr>
-          <p:cNvSpPr/>
-          <p:nvPr/>
-        </p:nvSpPr>
-        <p:spPr>
-          <a:xfrm>
-            <a:off x="299041" y="586984"/>
-            <a:ext cx="2000973" cy="895323"/>
-          </a:xfrm>
-          <a:prstGeom prst="rect">
-            <a:avLst/>
-          </a:prstGeom>
-          <a:noFill/>
-          <a:ln>
-            <a:solidFill>
-              <a:srgbClr val="8CD000"/>
-            </a:solidFill>
-          </a:ln>
-        </p:spPr>
-        <p:style>
-          <a:lnRef idx="2">
-            <a:schemeClr val="accent6"/>
-          </a:lnRef>
-          <a:fillRef idx="1">
-            <a:schemeClr val="lt1"/>
-          </a:fillRef>
-          <a:effectRef idx="0">
-            <a:schemeClr val="accent6"/>
-          </a:effectRef>
-          <a:fontRef idx="minor">
-            <a:schemeClr val="dk1"/>
-          </a:fontRef>
-        </p:style>
-        <p:txBody>
-          <a:bodyPr rtlCol="0" anchor="ctr"/>
-          <a:lstStyle/>
-          <a:p>
-            <a:pPr algn="ctr"/>
-            <a:r>
-              <a:rPr lang="de-DE" sz="1600" dirty="0">
-                <a:solidFill>
-                  <a:srgbClr val="8CD000"/>
-                </a:solidFill>
-                <a:latin typeface="LM Roman 10" pitchFamily="2" charset="77"/>
-              </a:rPr>
-              <a:t>Reflexionsfähigkeit</a:t>
-            </a:r>
-          </a:p>
-        </p:txBody>
-      </p:sp>
-      <p:sp>
-        <p:nvSpPr>
-          <p:cNvPr id="22" name="Rechteck 21">
-            <a:extLst>
-              <a:ext uri="{FF2B5EF4-FFF2-40B4-BE49-F238E27FC236}">
-                <a16:creationId xmlns:a16="http://schemas.microsoft.com/office/drawing/2014/main" id="{CD030D41-8A94-7323-EC31-A899D484F2FB}"/>
-              </a:ext>
-            </a:extLst>
-          </p:cNvPr>
-          <p:cNvSpPr/>
-          <p:nvPr/>
-        </p:nvSpPr>
-        <p:spPr>
-          <a:xfrm>
-            <a:off x="637499" y="350241"/>
+            <a:off x="596900" y="98436"/>
             <a:ext cx="1876697" cy="504814"/>
           </a:xfrm>
           <a:prstGeom prst="rect">
@@ -19711,7 +21085,7 @@
           <a:solidFill>
             <a:srgbClr val="F2F2F2"/>
           </a:solidFill>
-          <a:ln>
+          <a:ln w="28575">
             <a:solidFill>
               <a:srgbClr val="8CD000"/>
             </a:solidFill>
@@ -19737,7 +21111,7 @@
           <a:p>
             <a:pPr algn="ctr"/>
             <a:r>
-              <a:rPr lang="de-DE" sz="1600" dirty="0">
+              <a:rPr lang="de-DE" dirty="0">
                 <a:solidFill>
                   <a:srgbClr val="8CD000"/>
                 </a:solidFill>
@@ -19751,7 +21125,7 @@
     </p:spTree>
     <p:extLst>
       <p:ext uri="{BB962C8B-B14F-4D97-AF65-F5344CB8AC3E}">
-        <p14:creationId xmlns:p14="http://schemas.microsoft.com/office/powerpoint/2010/main" val="2134720579"/>
+        <p14:creationId xmlns:p14="http://schemas.microsoft.com/office/powerpoint/2010/main" val="3059774748"/>
       </p:ext>
     </p:extLst>
   </p:cSld>
@@ -20253,7 +21627,7 @@
         </p:nvCxnSpPr>
         <p:spPr>
           <a:xfrm flipV="1">
-            <a:off x="7651403" y="2688984"/>
+            <a:off x="7651405" y="2688986"/>
             <a:ext cx="1293157" cy="3929"/>
           </a:xfrm>
           <a:prstGeom prst="straightConnector1">
@@ -20299,7 +21673,7 @@
         </p:nvCxnSpPr>
         <p:spPr>
           <a:xfrm>
-            <a:off x="9759899" y="3066174"/>
+            <a:off x="9759899" y="3066176"/>
             <a:ext cx="0" cy="1496973"/>
           </a:xfrm>
           <a:prstGeom prst="straightConnector1">
@@ -20345,7 +21719,7 @@
         </p:nvCxnSpPr>
         <p:spPr>
           <a:xfrm flipH="1">
-            <a:off x="4390043" y="4940336"/>
+            <a:off x="4390045" y="4940336"/>
             <a:ext cx="4554517" cy="0"/>
           </a:xfrm>
           <a:prstGeom prst="straightConnector1">
@@ -20557,7 +21931,7 @@
         </p:nvSpPr>
         <p:spPr>
           <a:xfrm>
-            <a:off x="2929617" y="4146382"/>
+            <a:off x="2929619" y="4146384"/>
             <a:ext cx="1667307" cy="307777"/>
           </a:xfrm>
           <a:prstGeom prst="rect">
@@ -20601,7 +21975,7 @@
         </p:nvSpPr>
         <p:spPr>
           <a:xfrm>
-            <a:off x="4140586" y="3038327"/>
+            <a:off x="4140586" y="3038329"/>
             <a:ext cx="2211702" cy="307777"/>
           </a:xfrm>
           <a:prstGeom prst="rect">
@@ -20645,7 +22019,7 @@
         </p:nvSpPr>
         <p:spPr>
           <a:xfrm>
-            <a:off x="8944560" y="3672231"/>
+            <a:off x="8944562" y="3672233"/>
             <a:ext cx="1761541" cy="307777"/>
           </a:xfrm>
           <a:prstGeom prst="rect">
@@ -20777,7 +22151,7 @@
         </p:nvSpPr>
         <p:spPr>
           <a:xfrm>
-            <a:off x="1072543" y="5677641"/>
+            <a:off x="1072545" y="5677643"/>
             <a:ext cx="2110495" cy="307777"/>
           </a:xfrm>
           <a:prstGeom prst="rect">
@@ -20885,57 +22259,184 @@
           </a:p>
         </p:txBody>
       </p:sp>
-      <p:cxnSp>
-        <p:nvCxnSpPr>
-          <p:cNvPr id="5" name="Gerade Verbindung mit Pfeil 4">
-            <a:extLst>
-              <a:ext uri="{FF2B5EF4-FFF2-40B4-BE49-F238E27FC236}">
-                <a16:creationId xmlns:a16="http://schemas.microsoft.com/office/drawing/2014/main" id="{019B2CE0-734F-3389-0248-9258C6D99BB5}"/>
-              </a:ext>
-            </a:extLst>
-          </p:cNvPr>
-          <p:cNvCxnSpPr>
-            <a:cxnSpLocks/>
-          </p:cNvCxnSpPr>
-          <p:nvPr/>
-        </p:nvCxnSpPr>
-        <p:spPr>
-          <a:xfrm>
-            <a:off x="2929617" y="3124152"/>
-            <a:ext cx="905783" cy="692471"/>
-          </a:xfrm>
-          <a:prstGeom prst="straightConnector1">
-            <a:avLst/>
-          </a:prstGeom>
-          <a:ln w="28575">
+      <p:sp>
+        <p:nvSpPr>
+          <p:cNvPr id="11" name="Rectangle: Rounded Corners 6">
+            <a:extLst>
+              <a:ext uri="{FF2B5EF4-FFF2-40B4-BE49-F238E27FC236}">
+                <a16:creationId xmlns:a16="http://schemas.microsoft.com/office/drawing/2014/main" id="{40294711-0727-6CDB-B10A-CA55D562D150}"/>
+              </a:ext>
+            </a:extLst>
+          </p:cNvPr>
+          <p:cNvSpPr/>
+          <p:nvPr/>
+        </p:nvSpPr>
+        <p:spPr>
+          <a:xfrm>
+            <a:off x="292100" y="330200"/>
+            <a:ext cx="11303000" cy="5845507"/>
+          </a:xfrm>
+          <a:prstGeom prst="roundRect">
+            <a:avLst>
+              <a:gd name="adj" fmla="val 2087"/>
+            </a:avLst>
+          </a:prstGeom>
+          <a:noFill/>
+          <a:ln>
             <a:solidFill>
               <a:srgbClr val="8CD000"/>
             </a:solidFill>
             <a:prstDash val="dash"/>
-            <a:tailEnd type="triangle"/>
-          </a:ln>
-        </p:spPr>
-        <p:style>
-          <a:lnRef idx="1">
-            <a:schemeClr val="accent1"/>
-          </a:lnRef>
-          <a:fillRef idx="0">
-            <a:schemeClr val="accent1"/>
-          </a:fillRef>
-          <a:effectRef idx="0">
-            <a:schemeClr val="accent1"/>
-          </a:effectRef>
-          <a:fontRef idx="minor">
-            <a:schemeClr val="tx1"/>
-          </a:fontRef>
-        </p:style>
-      </p:cxnSp>
-      <p:sp>
-        <p:nvSpPr>
-          <p:cNvPr id="9" name="Rechteck 8">
-            <a:extLst>
-              <a:ext uri="{FF2B5EF4-FFF2-40B4-BE49-F238E27FC236}">
-                <a16:creationId xmlns:a16="http://schemas.microsoft.com/office/drawing/2014/main" id="{4399C766-C124-652A-CBED-963902D8A78E}"/>
+            <a:extLst>
+              <a:ext uri="{C807C97D-BFC1-408E-A445-0C87EB9F89A2}">
+                <ask:lineSketchStyleProps xmlns:ask="http://schemas.microsoft.com/office/drawing/2018/sketchyshapes" sd="1219033472">
+                  <a:custGeom>
+                    <a:avLst/>
+                    <a:gdLst>
+                      <a:gd name="connsiteX0" fmla="*/ 0 w 12011608"/>
+                      <a:gd name="connsiteY0" fmla="*/ 1093259 h 6559420"/>
+                      <a:gd name="connsiteX1" fmla="*/ 1093259 w 12011608"/>
+                      <a:gd name="connsiteY1" fmla="*/ 0 h 6559420"/>
+                      <a:gd name="connsiteX2" fmla="*/ 10918349 w 12011608"/>
+                      <a:gd name="connsiteY2" fmla="*/ 0 h 6559420"/>
+                      <a:gd name="connsiteX3" fmla="*/ 12011608 w 12011608"/>
+                      <a:gd name="connsiteY3" fmla="*/ 1093259 h 6559420"/>
+                      <a:gd name="connsiteX4" fmla="*/ 12011608 w 12011608"/>
+                      <a:gd name="connsiteY4" fmla="*/ 5466161 h 6559420"/>
+                      <a:gd name="connsiteX5" fmla="*/ 10918349 w 12011608"/>
+                      <a:gd name="connsiteY5" fmla="*/ 6559420 h 6559420"/>
+                      <a:gd name="connsiteX6" fmla="*/ 1093259 w 12011608"/>
+                      <a:gd name="connsiteY6" fmla="*/ 6559420 h 6559420"/>
+                      <a:gd name="connsiteX7" fmla="*/ 0 w 12011608"/>
+                      <a:gd name="connsiteY7" fmla="*/ 5466161 h 6559420"/>
+                      <a:gd name="connsiteX8" fmla="*/ 0 w 12011608"/>
+                      <a:gd name="connsiteY8" fmla="*/ 1093259 h 6559420"/>
+                    </a:gdLst>
+                    <a:ahLst/>
+                    <a:cxnLst>
+                      <a:cxn ang="0">
+                        <a:pos x="connsiteX0" y="connsiteY0"/>
+                      </a:cxn>
+                      <a:cxn ang="0">
+                        <a:pos x="connsiteX1" y="connsiteY1"/>
+                      </a:cxn>
+                      <a:cxn ang="0">
+                        <a:pos x="connsiteX2" y="connsiteY2"/>
+                      </a:cxn>
+                      <a:cxn ang="0">
+                        <a:pos x="connsiteX3" y="connsiteY3"/>
+                      </a:cxn>
+                      <a:cxn ang="0">
+                        <a:pos x="connsiteX4" y="connsiteY4"/>
+                      </a:cxn>
+                      <a:cxn ang="0">
+                        <a:pos x="connsiteX5" y="connsiteY5"/>
+                      </a:cxn>
+                      <a:cxn ang="0">
+                        <a:pos x="connsiteX6" y="connsiteY6"/>
+                      </a:cxn>
+                      <a:cxn ang="0">
+                        <a:pos x="connsiteX7" y="connsiteY7"/>
+                      </a:cxn>
+                      <a:cxn ang="0">
+                        <a:pos x="connsiteX8" y="connsiteY8"/>
+                      </a:cxn>
+                    </a:cxnLst>
+                    <a:rect l="l" t="t" r="r" b="b"/>
+                    <a:pathLst>
+                      <a:path w="12011608" h="6559420" extrusionOk="0">
+                        <a:moveTo>
+                          <a:pt x="0" y="1093259"/>
+                        </a:moveTo>
+                        <a:cubicBezTo>
+                          <a:pt x="-7845" y="484630"/>
+                          <a:pt x="467865" y="8108"/>
+                          <a:pt x="1093259" y="0"/>
+                        </a:cubicBezTo>
+                        <a:cubicBezTo>
+                          <a:pt x="4384189" y="132882"/>
+                          <a:pt x="7819229" y="-84951"/>
+                          <a:pt x="10918349" y="0"/>
+                        </a:cubicBezTo>
+                        <a:cubicBezTo>
+                          <a:pt x="11473475" y="47523"/>
+                          <a:pt x="11990134" y="608160"/>
+                          <a:pt x="12011608" y="1093259"/>
+                        </a:cubicBezTo>
+                        <a:cubicBezTo>
+                          <a:pt x="12031795" y="2900874"/>
+                          <a:pt x="12164088" y="4134857"/>
+                          <a:pt x="12011608" y="5466161"/>
+                        </a:cubicBezTo>
+                        <a:cubicBezTo>
+                          <a:pt x="12036918" y="6072954"/>
+                          <a:pt x="11571857" y="6457101"/>
+                          <a:pt x="10918349" y="6559420"/>
+                        </a:cubicBezTo>
+                        <a:cubicBezTo>
+                          <a:pt x="9602557" y="6647059"/>
+                          <a:pt x="3354151" y="6486741"/>
+                          <a:pt x="1093259" y="6559420"/>
+                        </a:cubicBezTo>
+                        <a:cubicBezTo>
+                          <a:pt x="482666" y="6494544"/>
+                          <a:pt x="-19749" y="6097396"/>
+                          <a:pt x="0" y="5466161"/>
+                        </a:cubicBezTo>
+                        <a:cubicBezTo>
+                          <a:pt x="-38581" y="3816704"/>
+                          <a:pt x="63341" y="3160269"/>
+                          <a:pt x="0" y="1093259"/>
+                        </a:cubicBezTo>
+                        <a:close/>
+                      </a:path>
+                    </a:pathLst>
+                  </a:custGeom>
+                  <ask:type>
+                    <ask:lineSketchNone/>
+                  </ask:type>
+                </ask:lineSketchStyleProps>
+              </a:ext>
+            </a:extLst>
+          </a:ln>
+        </p:spPr>
+        <p:style>
+          <a:lnRef idx="2">
+            <a:schemeClr val="accent1">
+              <a:shade val="50000"/>
+            </a:schemeClr>
+          </a:lnRef>
+          <a:fillRef idx="1">
+            <a:schemeClr val="accent1"/>
+          </a:fillRef>
+          <a:effectRef idx="0">
+            <a:schemeClr val="accent1"/>
+          </a:effectRef>
+          <a:fontRef idx="minor">
+            <a:schemeClr val="lt1"/>
+          </a:fontRef>
+        </p:style>
+        <p:txBody>
+          <a:bodyPr rtlCol="0" anchor="ctr"/>
+          <a:lstStyle/>
+          <a:p>
+            <a:pPr algn="ctr"/>
+            <a:endParaRPr lang="en-US" dirty="0">
+              <a:solidFill>
+                <a:srgbClr val="8CD000"/>
+              </a:solidFill>
+              <a:latin typeface="LM Roman 10" pitchFamily="2" charset="77"/>
+              <a:cs typeface="Didot" panose="02000503000000020003" pitchFamily="2" charset="-79"/>
+            </a:endParaRPr>
+          </a:p>
+        </p:txBody>
+      </p:sp>
+      <p:sp>
+        <p:nvSpPr>
+          <p:cNvPr id="5" name="Rechteck 4">
+            <a:extLst>
+              <a:ext uri="{FF2B5EF4-FFF2-40B4-BE49-F238E27FC236}">
+                <a16:creationId xmlns:a16="http://schemas.microsoft.com/office/drawing/2014/main" id="{4EF3413E-4E39-9018-782D-B176619CBC29}"/>
               </a:ext>
             </a:extLst>
           </p:cNvPr>
@@ -20944,7 +22445,7 @@
         </p:nvSpPr>
         <p:spPr>
           <a:xfrm>
-            <a:off x="1485898" y="2619338"/>
+            <a:off x="8917974" y="1515410"/>
             <a:ext cx="1876697" cy="504814"/>
           </a:xfrm>
           <a:prstGeom prst="rect">
@@ -20988,10 +22489,302 @@
           </a:p>
         </p:txBody>
       </p:sp>
+      <p:sp>
+        <p:nvSpPr>
+          <p:cNvPr id="8" name="Rechteck 7">
+            <a:extLst>
+              <a:ext uri="{FF2B5EF4-FFF2-40B4-BE49-F238E27FC236}">
+                <a16:creationId xmlns:a16="http://schemas.microsoft.com/office/drawing/2014/main" id="{B41CB0C5-1630-6703-A66C-7BA5A9B0AB6C}"/>
+              </a:ext>
+            </a:extLst>
+          </p:cNvPr>
+          <p:cNvSpPr/>
+          <p:nvPr/>
+        </p:nvSpPr>
+        <p:spPr>
+          <a:xfrm>
+            <a:off x="1460430" y="1264388"/>
+            <a:ext cx="2000973" cy="895323"/>
+          </a:xfrm>
+          <a:prstGeom prst="rect">
+            <a:avLst/>
+          </a:prstGeom>
+          <a:noFill/>
+          <a:ln>
+            <a:solidFill>
+              <a:srgbClr val="F2F2F2"/>
+            </a:solidFill>
+          </a:ln>
+        </p:spPr>
+        <p:style>
+          <a:lnRef idx="2">
+            <a:schemeClr val="accent6"/>
+          </a:lnRef>
+          <a:fillRef idx="1">
+            <a:schemeClr val="lt1"/>
+          </a:fillRef>
+          <a:effectRef idx="0">
+            <a:schemeClr val="accent6"/>
+          </a:effectRef>
+          <a:fontRef idx="minor">
+            <a:schemeClr val="dk1"/>
+          </a:fontRef>
+        </p:style>
+        <p:txBody>
+          <a:bodyPr rtlCol="0" anchor="ctr"/>
+          <a:lstStyle/>
+          <a:p>
+            <a:pPr algn="ctr"/>
+            <a:r>
+              <a:rPr lang="de-DE" sz="1600" dirty="0">
+                <a:solidFill>
+                  <a:srgbClr val="8CD000"/>
+                </a:solidFill>
+                <a:latin typeface="LM Roman 10" pitchFamily="2" charset="77"/>
+              </a:rPr>
+              <a:t>Forschungs-methodisches Wissen  </a:t>
+            </a:r>
+          </a:p>
+        </p:txBody>
+      </p:sp>
+      <p:sp>
+        <p:nvSpPr>
+          <p:cNvPr id="12" name="Rechteck 11">
+            <a:extLst>
+              <a:ext uri="{FF2B5EF4-FFF2-40B4-BE49-F238E27FC236}">
+                <a16:creationId xmlns:a16="http://schemas.microsoft.com/office/drawing/2014/main" id="{E3CBC785-E3F3-5CFB-04DF-66D79FA17D0F}"/>
+              </a:ext>
+            </a:extLst>
+          </p:cNvPr>
+          <p:cNvSpPr/>
+          <p:nvPr/>
+        </p:nvSpPr>
+        <p:spPr>
+          <a:xfrm>
+            <a:off x="8793698" y="621479"/>
+            <a:ext cx="2000973" cy="895323"/>
+          </a:xfrm>
+          <a:prstGeom prst="rect">
+            <a:avLst/>
+          </a:prstGeom>
+          <a:noFill/>
+          <a:ln>
+            <a:solidFill>
+              <a:srgbClr val="8CD000"/>
+            </a:solidFill>
+          </a:ln>
+        </p:spPr>
+        <p:style>
+          <a:lnRef idx="2">
+            <a:schemeClr val="accent6"/>
+          </a:lnRef>
+          <a:fillRef idx="1">
+            <a:schemeClr val="lt1"/>
+          </a:fillRef>
+          <a:effectRef idx="0">
+            <a:schemeClr val="accent6"/>
+          </a:effectRef>
+          <a:fontRef idx="minor">
+            <a:schemeClr val="dk1"/>
+          </a:fontRef>
+        </p:style>
+        <p:txBody>
+          <a:bodyPr rtlCol="0" anchor="ctr"/>
+          <a:lstStyle/>
+          <a:p>
+            <a:pPr algn="ctr"/>
+            <a:r>
+              <a:rPr lang="de-DE" sz="1600" dirty="0">
+                <a:solidFill>
+                  <a:srgbClr val="8CD000"/>
+                </a:solidFill>
+                <a:latin typeface="LM Roman 10" pitchFamily="2" charset="77"/>
+              </a:rPr>
+              <a:t>Aufbereitung der Evidenz</a:t>
+            </a:r>
+          </a:p>
+        </p:txBody>
+      </p:sp>
+      <p:sp>
+        <p:nvSpPr>
+          <p:cNvPr id="17" name="Rechteck 16">
+            <a:extLst>
+              <a:ext uri="{FF2B5EF4-FFF2-40B4-BE49-F238E27FC236}">
+                <a16:creationId xmlns:a16="http://schemas.microsoft.com/office/drawing/2014/main" id="{484E729E-94B9-674D-B2E2-8713213A27D9}"/>
+              </a:ext>
+            </a:extLst>
+          </p:cNvPr>
+          <p:cNvSpPr/>
+          <p:nvPr/>
+        </p:nvSpPr>
+        <p:spPr>
+          <a:xfrm>
+            <a:off x="1960132" y="540384"/>
+            <a:ext cx="2000973" cy="895323"/>
+          </a:xfrm>
+          <a:prstGeom prst="rect">
+            <a:avLst/>
+          </a:prstGeom>
+          <a:noFill/>
+          <a:ln>
+            <a:solidFill>
+              <a:srgbClr val="8CD000"/>
+            </a:solidFill>
+          </a:ln>
+        </p:spPr>
+        <p:style>
+          <a:lnRef idx="2">
+            <a:schemeClr val="accent6"/>
+          </a:lnRef>
+          <a:fillRef idx="1">
+            <a:schemeClr val="lt1"/>
+          </a:fillRef>
+          <a:effectRef idx="0">
+            <a:schemeClr val="accent6"/>
+          </a:effectRef>
+          <a:fontRef idx="minor">
+            <a:schemeClr val="dk1"/>
+          </a:fontRef>
+        </p:style>
+        <p:txBody>
+          <a:bodyPr rtlCol="0" anchor="ctr"/>
+          <a:lstStyle/>
+          <a:p>
+            <a:pPr algn="ctr"/>
+            <a:r>
+              <a:rPr lang="de-DE" sz="1600" dirty="0">
+                <a:solidFill>
+                  <a:srgbClr val="8CD000"/>
+                </a:solidFill>
+                <a:latin typeface="LM Roman 10" pitchFamily="2" charset="77"/>
+              </a:rPr>
+              <a:t>Nützlichkeits-einschätzung</a:t>
+            </a:r>
+          </a:p>
+        </p:txBody>
+      </p:sp>
+      <p:sp>
+        <p:nvSpPr>
+          <p:cNvPr id="25" name="Rechteck 24">
+            <a:extLst>
+              <a:ext uri="{FF2B5EF4-FFF2-40B4-BE49-F238E27FC236}">
+                <a16:creationId xmlns:a16="http://schemas.microsoft.com/office/drawing/2014/main" id="{298CA8F1-328B-0C16-8ABD-A15F48B998FD}"/>
+              </a:ext>
+            </a:extLst>
+          </p:cNvPr>
+          <p:cNvSpPr/>
+          <p:nvPr/>
+        </p:nvSpPr>
+        <p:spPr>
+          <a:xfrm>
+            <a:off x="299043" y="586986"/>
+            <a:ext cx="2000973" cy="895323"/>
+          </a:xfrm>
+          <a:prstGeom prst="rect">
+            <a:avLst/>
+          </a:prstGeom>
+          <a:noFill/>
+          <a:ln>
+            <a:solidFill>
+              <a:srgbClr val="8CD000"/>
+            </a:solidFill>
+          </a:ln>
+        </p:spPr>
+        <p:style>
+          <a:lnRef idx="2">
+            <a:schemeClr val="accent6"/>
+          </a:lnRef>
+          <a:fillRef idx="1">
+            <a:schemeClr val="lt1"/>
+          </a:fillRef>
+          <a:effectRef idx="0">
+            <a:schemeClr val="accent6"/>
+          </a:effectRef>
+          <a:fontRef idx="minor">
+            <a:schemeClr val="dk1"/>
+          </a:fontRef>
+        </p:style>
+        <p:txBody>
+          <a:bodyPr rtlCol="0" anchor="ctr"/>
+          <a:lstStyle/>
+          <a:p>
+            <a:pPr algn="ctr"/>
+            <a:r>
+              <a:rPr lang="de-DE" sz="1600" dirty="0">
+                <a:solidFill>
+                  <a:srgbClr val="8CD000"/>
+                </a:solidFill>
+                <a:latin typeface="LM Roman 10" pitchFamily="2" charset="77"/>
+              </a:rPr>
+              <a:t>Reflexionsfähigkeit</a:t>
+            </a:r>
+          </a:p>
+        </p:txBody>
+      </p:sp>
+      <p:sp>
+        <p:nvSpPr>
+          <p:cNvPr id="22" name="Rechteck 21">
+            <a:extLst>
+              <a:ext uri="{FF2B5EF4-FFF2-40B4-BE49-F238E27FC236}">
+                <a16:creationId xmlns:a16="http://schemas.microsoft.com/office/drawing/2014/main" id="{CD030D41-8A94-7323-EC31-A899D484F2FB}"/>
+              </a:ext>
+            </a:extLst>
+          </p:cNvPr>
+          <p:cNvSpPr/>
+          <p:nvPr/>
+        </p:nvSpPr>
+        <p:spPr>
+          <a:xfrm>
+            <a:off x="637499" y="350241"/>
+            <a:ext cx="1876697" cy="504814"/>
+          </a:xfrm>
+          <a:prstGeom prst="rect">
+            <a:avLst/>
+          </a:prstGeom>
+          <a:solidFill>
+            <a:srgbClr val="F2F2F2"/>
+          </a:solidFill>
+          <a:ln>
+            <a:solidFill>
+              <a:srgbClr val="8CD000"/>
+            </a:solidFill>
+          </a:ln>
+        </p:spPr>
+        <p:style>
+          <a:lnRef idx="2">
+            <a:schemeClr val="accent6"/>
+          </a:lnRef>
+          <a:fillRef idx="1">
+            <a:schemeClr val="lt1"/>
+          </a:fillRef>
+          <a:effectRef idx="0">
+            <a:schemeClr val="accent6"/>
+          </a:effectRef>
+          <a:fontRef idx="minor">
+            <a:schemeClr val="dk1"/>
+          </a:fontRef>
+        </p:style>
+        <p:txBody>
+          <a:bodyPr rtlCol="0" anchor="ctr"/>
+          <a:lstStyle/>
+          <a:p>
+            <a:pPr algn="ctr"/>
+            <a:r>
+              <a:rPr lang="de-DE" sz="1600" dirty="0">
+                <a:solidFill>
+                  <a:srgbClr val="8CD000"/>
+                </a:solidFill>
+                <a:latin typeface="LM Roman 10" pitchFamily="2" charset="77"/>
+              </a:rPr>
+              <a:t>Zeitliche Ressourcen</a:t>
+            </a:r>
+          </a:p>
+        </p:txBody>
+      </p:sp>
     </p:spTree>
     <p:extLst>
       <p:ext uri="{BB962C8B-B14F-4D97-AF65-F5344CB8AC3E}">
-        <p14:creationId xmlns:p14="http://schemas.microsoft.com/office/powerpoint/2010/main" val="174476209"/>
+        <p14:creationId xmlns:p14="http://schemas.microsoft.com/office/powerpoint/2010/main" val="2134720579"/>
       </p:ext>
     </p:extLst>
   </p:cSld>
@@ -21493,7 +23286,7 @@
         </p:nvCxnSpPr>
         <p:spPr>
           <a:xfrm flipV="1">
-            <a:off x="7651403" y="2688984"/>
+            <a:off x="7651405" y="2688986"/>
             <a:ext cx="1293157" cy="3929"/>
           </a:xfrm>
           <a:prstGeom prst="straightConnector1">
@@ -21539,7 +23332,7 @@
         </p:nvCxnSpPr>
         <p:spPr>
           <a:xfrm>
-            <a:off x="9759899" y="3066174"/>
+            <a:off x="9759899" y="3066176"/>
             <a:ext cx="0" cy="1496973"/>
           </a:xfrm>
           <a:prstGeom prst="straightConnector1">
@@ -21585,7 +23378,7 @@
         </p:nvCxnSpPr>
         <p:spPr>
           <a:xfrm flipH="1">
-            <a:off x="4390043" y="4940336"/>
+            <a:off x="4390045" y="4940336"/>
             <a:ext cx="4554517" cy="0"/>
           </a:xfrm>
           <a:prstGeom prst="straightConnector1">
@@ -21797,7 +23590,7 @@
         </p:nvSpPr>
         <p:spPr>
           <a:xfrm>
-            <a:off x="2929617" y="4146382"/>
+            <a:off x="2929619" y="4146384"/>
             <a:ext cx="1667307" cy="307777"/>
           </a:xfrm>
           <a:prstGeom prst="rect">
@@ -21841,7 +23634,7 @@
         </p:nvSpPr>
         <p:spPr>
           <a:xfrm>
-            <a:off x="4140586" y="3038327"/>
+            <a:off x="4140586" y="3038329"/>
             <a:ext cx="2211702" cy="307777"/>
           </a:xfrm>
           <a:prstGeom prst="rect">
@@ -21885,7 +23678,7 @@
         </p:nvSpPr>
         <p:spPr>
           <a:xfrm>
-            <a:off x="8944560" y="3672231"/>
+            <a:off x="8944562" y="3672233"/>
             <a:ext cx="1761541" cy="307777"/>
           </a:xfrm>
           <a:prstGeom prst="rect">
@@ -22017,7 +23810,7 @@
         </p:nvSpPr>
         <p:spPr>
           <a:xfrm>
-            <a:off x="1072543" y="5677641"/>
+            <a:off x="1072545" y="5677643"/>
             <a:ext cx="2110495" cy="307777"/>
           </a:xfrm>
           <a:prstGeom prst="rect">
@@ -22127,23 +23920,22 @@
       </p:sp>
       <p:cxnSp>
         <p:nvCxnSpPr>
-          <p:cNvPr id="4" name="Gerade Verbindung mit Pfeil 3">
-            <a:extLst>
-              <a:ext uri="{FF2B5EF4-FFF2-40B4-BE49-F238E27FC236}">
-                <a16:creationId xmlns:a16="http://schemas.microsoft.com/office/drawing/2014/main" id="{054677F5-D75D-EF6B-A915-747D0583F3BC}"/>
+          <p:cNvPr id="5" name="Gerade Verbindung mit Pfeil 4">
+            <a:extLst>
+              <a:ext uri="{FF2B5EF4-FFF2-40B4-BE49-F238E27FC236}">
+                <a16:creationId xmlns:a16="http://schemas.microsoft.com/office/drawing/2014/main" id="{019B2CE0-734F-3389-0248-9258C6D99BB5}"/>
               </a:ext>
             </a:extLst>
           </p:cNvPr>
           <p:cNvCxnSpPr>
             <a:cxnSpLocks/>
-            <a:stCxn id="5" idx="2"/>
           </p:cNvCxnSpPr>
           <p:nvPr/>
         </p:nvCxnSpPr>
         <p:spPr>
           <a:xfrm>
-            <a:off x="3930104" y="2339418"/>
-            <a:ext cx="1638762" cy="432962"/>
+            <a:off x="2929619" y="3124154"/>
+            <a:ext cx="905783" cy="692471"/>
           </a:xfrm>
           <a:prstGeom prst="straightConnector1">
             <a:avLst/>
@@ -22173,10 +23965,10 @@
       </p:cxnSp>
       <p:sp>
         <p:nvSpPr>
-          <p:cNvPr id="5" name="Rechteck 4">
-            <a:extLst>
-              <a:ext uri="{FF2B5EF4-FFF2-40B4-BE49-F238E27FC236}">
-                <a16:creationId xmlns:a16="http://schemas.microsoft.com/office/drawing/2014/main" id="{4CF9C61E-50D6-5835-AFCC-1A0556565B07}"/>
+          <p:cNvPr id="9" name="Rechteck 8">
+            <a:extLst>
+              <a:ext uri="{FF2B5EF4-FFF2-40B4-BE49-F238E27FC236}">
+                <a16:creationId xmlns:a16="http://schemas.microsoft.com/office/drawing/2014/main" id="{4399C766-C124-652A-CBED-963902D8A78E}"/>
               </a:ext>
             </a:extLst>
           </p:cNvPr>
@@ -22185,8 +23977,8 @@
         </p:nvSpPr>
         <p:spPr>
           <a:xfrm>
-            <a:off x="2929617" y="1444095"/>
-            <a:ext cx="2000973" cy="895323"/>
+            <a:off x="1485900" y="2619338"/>
+            <a:ext cx="1876697" cy="504814"/>
           </a:xfrm>
           <a:prstGeom prst="rect">
             <a:avLst/>
@@ -22224,7 +24016,7 @@
                 </a:solidFill>
                 <a:latin typeface="LM Roman 10" pitchFamily="2" charset="77"/>
               </a:rPr>
-              <a:t>Forschungs-methodisches Wissen  </a:t>
+              <a:t>Zugänglichkeit der Evidenz </a:t>
             </a:r>
           </a:p>
         </p:txBody>
@@ -22232,7 +24024,7 @@
     </p:spTree>
     <p:extLst>
       <p:ext uri="{BB962C8B-B14F-4D97-AF65-F5344CB8AC3E}">
-        <p14:creationId xmlns:p14="http://schemas.microsoft.com/office/powerpoint/2010/main" val="4274551697"/>
+        <p14:creationId xmlns:p14="http://schemas.microsoft.com/office/powerpoint/2010/main" val="174476209"/>
       </p:ext>
     </p:extLst>
   </p:cSld>

--- a/img/Groß_Ophoff et al (2023)_adapted.pptx
+++ b/img/Groß_Ophoff et al (2023)_adapted.pptx
@@ -250,7 +250,7 @@
           <a:p>
             <a:fld id="{2F5C0E49-5901-4A70-B0E2-4707CC9925D2}" type="datetimeFigureOut">
               <a:rPr lang="en-US" smtClean="0"/>
-              <a:t>12/13/24</a:t>
+              <a:t>12/19/24</a:t>
             </a:fld>
             <a:endParaRPr lang="en-US"/>
           </a:p>
@@ -420,7 +420,7 @@
           <a:p>
             <a:fld id="{2F5C0E49-5901-4A70-B0E2-4707CC9925D2}" type="datetimeFigureOut">
               <a:rPr lang="en-US" smtClean="0"/>
-              <a:t>12/13/24</a:t>
+              <a:t>12/19/24</a:t>
             </a:fld>
             <a:endParaRPr lang="en-US"/>
           </a:p>
@@ -600,7 +600,7 @@
           <a:p>
             <a:fld id="{2F5C0E49-5901-4A70-B0E2-4707CC9925D2}" type="datetimeFigureOut">
               <a:rPr lang="en-US" smtClean="0"/>
-              <a:t>12/13/24</a:t>
+              <a:t>12/19/24</a:t>
             </a:fld>
             <a:endParaRPr lang="en-US"/>
           </a:p>
@@ -770,7 +770,7 @@
           <a:p>
             <a:fld id="{2F5C0E49-5901-4A70-B0E2-4707CC9925D2}" type="datetimeFigureOut">
               <a:rPr lang="en-US" smtClean="0"/>
-              <a:t>12/13/24</a:t>
+              <a:t>12/19/24</a:t>
             </a:fld>
             <a:endParaRPr lang="en-US"/>
           </a:p>
@@ -1016,7 +1016,7 @@
           <a:p>
             <a:fld id="{2F5C0E49-5901-4A70-B0E2-4707CC9925D2}" type="datetimeFigureOut">
               <a:rPr lang="en-US" smtClean="0"/>
-              <a:t>12/13/24</a:t>
+              <a:t>12/19/24</a:t>
             </a:fld>
             <a:endParaRPr lang="en-US"/>
           </a:p>
@@ -1248,7 +1248,7 @@
           <a:p>
             <a:fld id="{2F5C0E49-5901-4A70-B0E2-4707CC9925D2}" type="datetimeFigureOut">
               <a:rPr lang="en-US" smtClean="0"/>
-              <a:t>12/13/24</a:t>
+              <a:t>12/19/24</a:t>
             </a:fld>
             <a:endParaRPr lang="en-US"/>
           </a:p>
@@ -1615,7 +1615,7 @@
           <a:p>
             <a:fld id="{2F5C0E49-5901-4A70-B0E2-4707CC9925D2}" type="datetimeFigureOut">
               <a:rPr lang="en-US" smtClean="0"/>
-              <a:t>12/13/24</a:t>
+              <a:t>12/19/24</a:t>
             </a:fld>
             <a:endParaRPr lang="en-US"/>
           </a:p>
@@ -1733,7 +1733,7 @@
           <a:p>
             <a:fld id="{2F5C0E49-5901-4A70-B0E2-4707CC9925D2}" type="datetimeFigureOut">
               <a:rPr lang="en-US" smtClean="0"/>
-              <a:t>12/13/24</a:t>
+              <a:t>12/19/24</a:t>
             </a:fld>
             <a:endParaRPr lang="en-US"/>
           </a:p>
@@ -1828,7 +1828,7 @@
           <a:p>
             <a:fld id="{2F5C0E49-5901-4A70-B0E2-4707CC9925D2}" type="datetimeFigureOut">
               <a:rPr lang="en-US" smtClean="0"/>
-              <a:t>12/13/24</a:t>
+              <a:t>12/19/24</a:t>
             </a:fld>
             <a:endParaRPr lang="en-US"/>
           </a:p>
@@ -2105,7 +2105,7 @@
           <a:p>
             <a:fld id="{2F5C0E49-5901-4A70-B0E2-4707CC9925D2}" type="datetimeFigureOut">
               <a:rPr lang="en-US" smtClean="0"/>
-              <a:t>12/13/24</a:t>
+              <a:t>12/19/24</a:t>
             </a:fld>
             <a:endParaRPr lang="en-US"/>
           </a:p>
@@ -2362,7 +2362,7 @@
           <a:p>
             <a:fld id="{2F5C0E49-5901-4A70-B0E2-4707CC9925D2}" type="datetimeFigureOut">
               <a:rPr lang="en-US" smtClean="0"/>
-              <a:t>12/13/24</a:t>
+              <a:t>12/19/24</a:t>
             </a:fld>
             <a:endParaRPr lang="en-US"/>
           </a:p>
@@ -2578,7 +2578,7 @@
           <a:p>
             <a:fld id="{2F5C0E49-5901-4A70-B0E2-4707CC9925D2}" type="datetimeFigureOut">
               <a:rPr lang="en-US" smtClean="0"/>
-              <a:t>12/13/24</a:t>
+              <a:t>12/19/24</a:t>
             </a:fld>
             <a:endParaRPr lang="en-US"/>
           </a:p>
@@ -12039,10 +12039,10 @@
       </p:sp>
       <p:cxnSp>
         <p:nvCxnSpPr>
-          <p:cNvPr id="4" name="Gerade Verbindung mit Pfeil 3">
-            <a:extLst>
-              <a:ext uri="{FF2B5EF4-FFF2-40B4-BE49-F238E27FC236}">
-                <a16:creationId xmlns:a16="http://schemas.microsoft.com/office/drawing/2014/main" id="{C42A4F58-79AF-6594-1C57-2E95D3DCA6E0}"/>
+          <p:cNvPr id="5" name="Gerade Verbindung mit Pfeil 4">
+            <a:extLst>
+              <a:ext uri="{FF2B5EF4-FFF2-40B4-BE49-F238E27FC236}">
+                <a16:creationId xmlns:a16="http://schemas.microsoft.com/office/drawing/2014/main" id="{C084B543-45DF-D341-1A8E-5B246A7CC1D3}"/>
               </a:ext>
             </a:extLst>
           </p:cNvPr>
@@ -12053,8 +12053,8 @@
         </p:nvCxnSpPr>
         <p:spPr>
           <a:xfrm flipH="1">
-            <a:off x="4596926" y="1392950"/>
-            <a:ext cx="2714103" cy="2907323"/>
+            <a:off x="3835402" y="1392950"/>
+            <a:ext cx="3475627" cy="3458450"/>
           </a:xfrm>
           <a:prstGeom prst="straightConnector1">
             <a:avLst/>
@@ -13371,52 +13371,6 @@
           </a:p>
         </p:txBody>
       </p:sp>
-      <p:cxnSp>
-        <p:nvCxnSpPr>
-          <p:cNvPr id="29" name="Gerade Verbindung mit Pfeil 28">
-            <a:extLst>
-              <a:ext uri="{FF2B5EF4-FFF2-40B4-BE49-F238E27FC236}">
-                <a16:creationId xmlns:a16="http://schemas.microsoft.com/office/drawing/2014/main" id="{83B3A701-07B8-83CC-EAD6-2554C5BCD0E4}"/>
-              </a:ext>
-            </a:extLst>
-          </p:cNvPr>
-          <p:cNvCxnSpPr>
-            <a:cxnSpLocks/>
-            <a:stCxn id="24" idx="2"/>
-          </p:cNvCxnSpPr>
-          <p:nvPr/>
-        </p:nvCxnSpPr>
-        <p:spPr>
-          <a:xfrm flipH="1">
-            <a:off x="5568866" y="1392950"/>
-            <a:ext cx="1742163" cy="1368925"/>
-          </a:xfrm>
-          <a:prstGeom prst="straightConnector1">
-            <a:avLst/>
-          </a:prstGeom>
-          <a:ln w="28575">
-            <a:solidFill>
-              <a:srgbClr val="8CD000"/>
-            </a:solidFill>
-            <a:prstDash val="dash"/>
-            <a:tailEnd type="triangle"/>
-          </a:ln>
-        </p:spPr>
-        <p:style>
-          <a:lnRef idx="1">
-            <a:schemeClr val="accent1"/>
-          </a:lnRef>
-          <a:fillRef idx="0">
-            <a:schemeClr val="accent1"/>
-          </a:fillRef>
-          <a:effectRef idx="0">
-            <a:schemeClr val="accent1"/>
-          </a:effectRef>
-          <a:fontRef idx="minor">
-            <a:schemeClr val="tx1"/>
-          </a:fontRef>
-        </p:style>
-      </p:cxnSp>
       <p:cxnSp>
         <p:nvCxnSpPr>
           <p:cNvPr id="30" name="Gerade Verbindung mit Pfeil 29">
@@ -14064,14 +14018,58 @@
           <p:cNvCxnSpPr>
             <a:cxnSpLocks/>
             <a:stCxn id="24" idx="2"/>
-            <a:endCxn id="53" idx="3"/>
           </p:cNvCxnSpPr>
           <p:nvPr/>
         </p:nvCxnSpPr>
         <p:spPr>
           <a:xfrm flipH="1">
-            <a:off x="4596926" y="1392950"/>
-            <a:ext cx="2714103" cy="2907323"/>
+            <a:off x="3835402" y="1392950"/>
+            <a:ext cx="3475627" cy="3458450"/>
+          </a:xfrm>
+          <a:prstGeom prst="straightConnector1">
+            <a:avLst/>
+          </a:prstGeom>
+          <a:ln w="28575">
+            <a:solidFill>
+              <a:srgbClr val="8CD000"/>
+            </a:solidFill>
+            <a:prstDash val="dash"/>
+            <a:tailEnd type="triangle"/>
+          </a:ln>
+        </p:spPr>
+        <p:style>
+          <a:lnRef idx="1">
+            <a:schemeClr val="accent1"/>
+          </a:lnRef>
+          <a:fillRef idx="0">
+            <a:schemeClr val="accent1"/>
+          </a:fillRef>
+          <a:effectRef idx="0">
+            <a:schemeClr val="accent1"/>
+          </a:effectRef>
+          <a:fontRef idx="minor">
+            <a:schemeClr val="tx1"/>
+          </a:fontRef>
+        </p:style>
+      </p:cxnSp>
+      <p:cxnSp>
+        <p:nvCxnSpPr>
+          <p:cNvPr id="8" name="Gerade Verbindung mit Pfeil 7">
+            <a:extLst>
+              <a:ext uri="{FF2B5EF4-FFF2-40B4-BE49-F238E27FC236}">
+                <a16:creationId xmlns:a16="http://schemas.microsoft.com/office/drawing/2014/main" id="{0D278B5A-5E1D-C66B-77D0-E710714F403B}"/>
+              </a:ext>
+            </a:extLst>
+          </p:cNvPr>
+          <p:cNvCxnSpPr>
+            <a:cxnSpLocks/>
+          </p:cNvCxnSpPr>
+          <p:nvPr/>
+        </p:nvCxnSpPr>
+        <p:spPr>
+          <a:xfrm flipH="1">
+            <a:off x="5648565" y="1392950"/>
+            <a:ext cx="1662462" cy="1216525"/>
           </a:xfrm>
           <a:prstGeom prst="straightConnector1">
             <a:avLst/>
